--- a/docs/downloads/Case-What_Is_Life_annotated.pptx
+++ b/docs/downloads/Case-What_Is_Life_annotated.pptx
@@ -5,7 +5,7 @@
     <p:sldMasterId id="2147483648" r:id="rId1"/>
   </p:sldMasterIdLst>
   <p:notesMasterIdLst>
-    <p:notesMasterId r:id="rId26"/>
+    <p:notesMasterId r:id="rId27"/>
   </p:notesMasterIdLst>
   <p:sldIdLst>
     <p:sldId id="310" r:id="rId2"/>
@@ -27,11 +27,12 @@
     <p:sldId id="300" r:id="rId18"/>
     <p:sldId id="301" r:id="rId19"/>
     <p:sldId id="302" r:id="rId20"/>
-    <p:sldId id="303" r:id="rId21"/>
-    <p:sldId id="304" r:id="rId22"/>
-    <p:sldId id="305" r:id="rId23"/>
-    <p:sldId id="306" r:id="rId24"/>
-    <p:sldId id="309" r:id="rId25"/>
+    <p:sldId id="311" r:id="rId21"/>
+    <p:sldId id="303" r:id="rId22"/>
+    <p:sldId id="304" r:id="rId23"/>
+    <p:sldId id="305" r:id="rId24"/>
+    <p:sldId id="306" r:id="rId25"/>
+    <p:sldId id="309" r:id="rId26"/>
   </p:sldIdLst>
   <p:sldSz cx="9144000" cy="5143500" type="screen16x9"/>
   <p:notesSz cx="6858000" cy="9144000"/>
@@ -648,14 +649,14 @@
           <a:ln/>
           <a:extLst>
             <a:ext uri="{909E8E84-426E-40dd-AFC4-6F175D3DCCD1}">
-              <a14:hiddenFill xmlns="" xmlns:a14="http://schemas.microsoft.com/office/drawing/2010/main">
+              <a14:hiddenFill xmlns:a14="http://schemas.microsoft.com/office/drawing/2010/main" xmlns="">
                 <a:solidFill>
                   <a:srgbClr val="FFFFFF"/>
                 </a:solidFill>
               </a14:hiddenFill>
             </a:ext>
             <a:ext uri="{91240B29-F687-4f45-9708-019B960494DF}">
-              <a14:hiddenLine xmlns="" xmlns:a14="http://schemas.microsoft.com/office/drawing/2010/main" w="9525">
+              <a14:hiddenLine xmlns:a14="http://schemas.microsoft.com/office/drawing/2010/main" xmlns="" w="9525">
                 <a:solidFill>
                   <a:srgbClr val="000000"/>
                 </a:solidFill>
@@ -816,14 +817,14 @@
           <a:ln/>
           <a:extLst>
             <a:ext uri="{909E8E84-426E-40dd-AFC4-6F175D3DCCD1}">
-              <a14:hiddenFill xmlns="" xmlns:a14="http://schemas.microsoft.com/office/drawing/2010/main">
+              <a14:hiddenFill xmlns:a14="http://schemas.microsoft.com/office/drawing/2010/main" xmlns="">
                 <a:solidFill>
                   <a:srgbClr val="FFFFFF"/>
                 </a:solidFill>
               </a14:hiddenFill>
             </a:ext>
             <a:ext uri="{91240B29-F687-4f45-9708-019B960494DF}">
-              <a14:hiddenLine xmlns="" xmlns:a14="http://schemas.microsoft.com/office/drawing/2010/main" w="9525">
+              <a14:hiddenLine xmlns:a14="http://schemas.microsoft.com/office/drawing/2010/main" xmlns="" w="9525">
                 <a:solidFill>
                   <a:srgbClr val="000000"/>
                 </a:solidFill>
@@ -833,7 +834,7 @@
               </a14:hiddenLine>
             </a:ext>
             <a:ext uri="{FAA26D3D-D897-4be2-8F04-BA451C77F1D7}">
-              <ma14:placeholderFlag xmlns="" xmlns:ma14="http://schemas.microsoft.com/office/mac/drawingml/2011/main" val="1"/>
+              <ma14:placeholderFlag xmlns:ma14="http://schemas.microsoft.com/office/mac/drawingml/2011/main" xmlns="" val="1"/>
             </a:ext>
           </a:extLst>
         </p:spPr>
@@ -889,14 +890,14 @@
           <a:ln/>
           <a:extLst>
             <a:ext uri="{909E8E84-426E-40dd-AFC4-6F175D3DCCD1}">
-              <a14:hiddenFill xmlns="" xmlns:a14="http://schemas.microsoft.com/office/drawing/2010/main">
+              <a14:hiddenFill xmlns:a14="http://schemas.microsoft.com/office/drawing/2010/main" xmlns="">
                 <a:solidFill>
                   <a:srgbClr val="FFFFFF"/>
                 </a:solidFill>
               </a14:hiddenFill>
             </a:ext>
             <a:ext uri="{91240B29-F687-4f45-9708-019B960494DF}">
-              <a14:hiddenLine xmlns="" xmlns:a14="http://schemas.microsoft.com/office/drawing/2010/main" w="9525">
+              <a14:hiddenLine xmlns:a14="http://schemas.microsoft.com/office/drawing/2010/main" xmlns="" w="9525">
                 <a:solidFill>
                   <a:srgbClr val="000000"/>
                 </a:solidFill>
@@ -1050,14 +1051,14 @@
           </a:ln>
           <a:extLst>
             <a:ext uri="{909E8E84-426E-40dd-AFC4-6F175D3DCCD1}">
-              <a14:hiddenFill xmlns="" xmlns:a14="http://schemas.microsoft.com/office/drawing/2010/main">
+              <a14:hiddenFill xmlns:a14="http://schemas.microsoft.com/office/drawing/2010/main" xmlns="">
                 <a:solidFill>
                   <a:srgbClr val="FFFFFF"/>
                 </a:solidFill>
               </a14:hiddenFill>
             </a:ext>
             <a:ext uri="{91240B29-F687-4f45-9708-019B960494DF}">
-              <a14:hiddenLine xmlns="" xmlns:a14="http://schemas.microsoft.com/office/drawing/2010/main" w="9525">
+              <a14:hiddenLine xmlns:a14="http://schemas.microsoft.com/office/drawing/2010/main" xmlns="" w="9525">
                 <a:solidFill>
                   <a:srgbClr val="000000"/>
                 </a:solidFill>
@@ -1225,14 +1226,14 @@
           </a:ln>
           <a:extLst>
             <a:ext uri="{909E8E84-426E-40dd-AFC4-6F175D3DCCD1}">
-              <a14:hiddenFill xmlns="" xmlns:a14="http://schemas.microsoft.com/office/drawing/2010/main">
+              <a14:hiddenFill xmlns:a14="http://schemas.microsoft.com/office/drawing/2010/main" xmlns="">
                 <a:solidFill>
                   <a:srgbClr val="FFFFFF"/>
                 </a:solidFill>
               </a14:hiddenFill>
             </a:ext>
             <a:ext uri="{FAA26D3D-D897-4be2-8F04-BA451C77F1D7}">
-              <ma14:placeholderFlag xmlns="" xmlns:ma14="http://schemas.microsoft.com/office/mac/drawingml/2011/main" val="1"/>
+              <ma14:placeholderFlag xmlns:ma14="http://schemas.microsoft.com/office/mac/drawingml/2011/main" xmlns="" val="1"/>
             </a:ext>
           </a:extLst>
         </p:spPr>
@@ -1285,14 +1286,14 @@
           <a:ln/>
           <a:extLst>
             <a:ext uri="{909E8E84-426E-40dd-AFC4-6F175D3DCCD1}">
-              <a14:hiddenFill xmlns="" xmlns:a14="http://schemas.microsoft.com/office/drawing/2010/main">
+              <a14:hiddenFill xmlns:a14="http://schemas.microsoft.com/office/drawing/2010/main" xmlns="">
                 <a:solidFill>
                   <a:srgbClr val="FFFFFF"/>
                 </a:solidFill>
               </a14:hiddenFill>
             </a:ext>
             <a:ext uri="{91240B29-F687-4f45-9708-019B960494DF}">
-              <a14:hiddenLine xmlns="" xmlns:a14="http://schemas.microsoft.com/office/drawing/2010/main" w="9525">
+              <a14:hiddenLine xmlns:a14="http://schemas.microsoft.com/office/drawing/2010/main" xmlns="" w="9525">
                 <a:solidFill>
                   <a:srgbClr val="000000"/>
                 </a:solidFill>
@@ -1453,14 +1454,14 @@
           <a:ln/>
           <a:extLst>
             <a:ext uri="{909E8E84-426E-40dd-AFC4-6F175D3DCCD1}">
-              <a14:hiddenFill xmlns="" xmlns:a14="http://schemas.microsoft.com/office/drawing/2010/main">
+              <a14:hiddenFill xmlns:a14="http://schemas.microsoft.com/office/drawing/2010/main" xmlns="">
                 <a:solidFill>
                   <a:srgbClr val="FFFFFF"/>
                 </a:solidFill>
               </a14:hiddenFill>
             </a:ext>
             <a:ext uri="{91240B29-F687-4f45-9708-019B960494DF}">
-              <a14:hiddenLine xmlns="" xmlns:a14="http://schemas.microsoft.com/office/drawing/2010/main" w="9525">
+              <a14:hiddenLine xmlns:a14="http://schemas.microsoft.com/office/drawing/2010/main" xmlns="" w="9525">
                 <a:solidFill>
                   <a:srgbClr val="000000"/>
                 </a:solidFill>
@@ -1470,7 +1471,7 @@
               </a14:hiddenLine>
             </a:ext>
             <a:ext uri="{FAA26D3D-D897-4be2-8F04-BA451C77F1D7}">
-              <ma14:placeholderFlag xmlns="" xmlns:ma14="http://schemas.microsoft.com/office/mac/drawingml/2011/main" val="1"/>
+              <ma14:placeholderFlag xmlns:ma14="http://schemas.microsoft.com/office/mac/drawingml/2011/main" xmlns="" val="1"/>
             </a:ext>
           </a:extLst>
         </p:spPr>
@@ -1523,14 +1524,14 @@
           <a:ln/>
           <a:extLst>
             <a:ext uri="{909E8E84-426E-40dd-AFC4-6F175D3DCCD1}">
-              <a14:hiddenFill xmlns="" xmlns:a14="http://schemas.microsoft.com/office/drawing/2010/main">
+              <a14:hiddenFill xmlns:a14="http://schemas.microsoft.com/office/drawing/2010/main" xmlns="">
                 <a:solidFill>
                   <a:srgbClr val="FFFFFF"/>
                 </a:solidFill>
               </a14:hiddenFill>
             </a:ext>
             <a:ext uri="{91240B29-F687-4f45-9708-019B960494DF}">
-              <a14:hiddenLine xmlns="" xmlns:a14="http://schemas.microsoft.com/office/drawing/2010/main" w="9525">
+              <a14:hiddenLine xmlns:a14="http://schemas.microsoft.com/office/drawing/2010/main" xmlns="" w="9525">
                 <a:solidFill>
                   <a:srgbClr val="000000"/>
                 </a:solidFill>
@@ -1684,14 +1685,14 @@
           </a:ln>
           <a:extLst>
             <a:ext uri="{909E8E84-426E-40dd-AFC4-6F175D3DCCD1}">
-              <a14:hiddenFill xmlns="" xmlns:a14="http://schemas.microsoft.com/office/drawing/2010/main">
+              <a14:hiddenFill xmlns:a14="http://schemas.microsoft.com/office/drawing/2010/main" xmlns="">
                 <a:solidFill>
                   <a:srgbClr val="FFFFFF"/>
                 </a:solidFill>
               </a14:hiddenFill>
             </a:ext>
             <a:ext uri="{91240B29-F687-4f45-9708-019B960494DF}">
-              <a14:hiddenLine xmlns="" xmlns:a14="http://schemas.microsoft.com/office/drawing/2010/main" w="9525">
+              <a14:hiddenLine xmlns:a14="http://schemas.microsoft.com/office/drawing/2010/main" xmlns="" w="9525">
                 <a:solidFill>
                   <a:srgbClr val="000000"/>
                 </a:solidFill>
@@ -1859,14 +1860,14 @@
           </a:ln>
           <a:extLst>
             <a:ext uri="{909E8E84-426E-40dd-AFC4-6F175D3DCCD1}">
-              <a14:hiddenFill xmlns="" xmlns:a14="http://schemas.microsoft.com/office/drawing/2010/main">
+              <a14:hiddenFill xmlns:a14="http://schemas.microsoft.com/office/drawing/2010/main" xmlns="">
                 <a:solidFill>
                   <a:srgbClr val="FFFFFF"/>
                 </a:solidFill>
               </a14:hiddenFill>
             </a:ext>
             <a:ext uri="{FAA26D3D-D897-4be2-8F04-BA451C77F1D7}">
-              <ma14:placeholderFlag xmlns="" xmlns:ma14="http://schemas.microsoft.com/office/mac/drawingml/2011/main" val="1"/>
+              <ma14:placeholderFlag xmlns:ma14="http://schemas.microsoft.com/office/mac/drawingml/2011/main" xmlns="" val="1"/>
             </a:ext>
           </a:extLst>
         </p:spPr>
@@ -1919,14 +1920,14 @@
           <a:ln/>
           <a:extLst>
             <a:ext uri="{909E8E84-426E-40dd-AFC4-6F175D3DCCD1}">
-              <a14:hiddenFill xmlns="" xmlns:a14="http://schemas.microsoft.com/office/drawing/2010/main">
+              <a14:hiddenFill xmlns:a14="http://schemas.microsoft.com/office/drawing/2010/main" xmlns="">
                 <a:solidFill>
                   <a:srgbClr val="FFFFFF"/>
                 </a:solidFill>
               </a14:hiddenFill>
             </a:ext>
             <a:ext uri="{91240B29-F687-4f45-9708-019B960494DF}">
-              <a14:hiddenLine xmlns="" xmlns:a14="http://schemas.microsoft.com/office/drawing/2010/main" w="9525">
+              <a14:hiddenLine xmlns:a14="http://schemas.microsoft.com/office/drawing/2010/main" xmlns="" w="9525">
                 <a:solidFill>
                   <a:srgbClr val="000000"/>
                 </a:solidFill>
@@ -2080,14 +2081,14 @@
           </a:ln>
           <a:extLst>
             <a:ext uri="{909E8E84-426E-40dd-AFC4-6F175D3DCCD1}">
-              <a14:hiddenFill xmlns="" xmlns:a14="http://schemas.microsoft.com/office/drawing/2010/main">
+              <a14:hiddenFill xmlns:a14="http://schemas.microsoft.com/office/drawing/2010/main" xmlns="">
                 <a:solidFill>
                   <a:srgbClr val="FFFFFF"/>
                 </a:solidFill>
               </a14:hiddenFill>
             </a:ext>
             <a:ext uri="{91240B29-F687-4f45-9708-019B960494DF}">
-              <a14:hiddenLine xmlns="" xmlns:a14="http://schemas.microsoft.com/office/drawing/2010/main" w="9525">
+              <a14:hiddenLine xmlns:a14="http://schemas.microsoft.com/office/drawing/2010/main" xmlns="" w="9525">
                 <a:solidFill>
                   <a:srgbClr val="000000"/>
                 </a:solidFill>
@@ -2255,14 +2256,14 @@
           </a:ln>
           <a:extLst>
             <a:ext uri="{909E8E84-426E-40dd-AFC4-6F175D3DCCD1}">
-              <a14:hiddenFill xmlns="" xmlns:a14="http://schemas.microsoft.com/office/drawing/2010/main">
+              <a14:hiddenFill xmlns:a14="http://schemas.microsoft.com/office/drawing/2010/main" xmlns="">
                 <a:solidFill>
                   <a:srgbClr val="FFFFFF"/>
                 </a:solidFill>
               </a14:hiddenFill>
             </a:ext>
             <a:ext uri="{FAA26D3D-D897-4be2-8F04-BA451C77F1D7}">
-              <ma14:placeholderFlag xmlns="" xmlns:ma14="http://schemas.microsoft.com/office/mac/drawingml/2011/main" val="1"/>
+              <ma14:placeholderFlag xmlns:ma14="http://schemas.microsoft.com/office/mac/drawingml/2011/main" xmlns="" val="1"/>
             </a:ext>
           </a:extLst>
         </p:spPr>
@@ -2315,14 +2316,14 @@
           <a:ln/>
           <a:extLst>
             <a:ext uri="{909E8E84-426E-40dd-AFC4-6F175D3DCCD1}">
-              <a14:hiddenFill xmlns="" xmlns:a14="http://schemas.microsoft.com/office/drawing/2010/main">
+              <a14:hiddenFill xmlns:a14="http://schemas.microsoft.com/office/drawing/2010/main" xmlns="">
                 <a:solidFill>
                   <a:srgbClr val="FFFFFF"/>
                 </a:solidFill>
               </a14:hiddenFill>
             </a:ext>
             <a:ext uri="{91240B29-F687-4f45-9708-019B960494DF}">
-              <a14:hiddenLine xmlns="" xmlns:a14="http://schemas.microsoft.com/office/drawing/2010/main" w="9525">
+              <a14:hiddenLine xmlns:a14="http://schemas.microsoft.com/office/drawing/2010/main" xmlns="" w="9525">
                 <a:solidFill>
                   <a:srgbClr val="000000"/>
                 </a:solidFill>
@@ -2476,14 +2477,14 @@
           </a:ln>
           <a:extLst>
             <a:ext uri="{909E8E84-426E-40dd-AFC4-6F175D3DCCD1}">
-              <a14:hiddenFill xmlns="" xmlns:a14="http://schemas.microsoft.com/office/drawing/2010/main">
+              <a14:hiddenFill xmlns:a14="http://schemas.microsoft.com/office/drawing/2010/main" xmlns="">
                 <a:solidFill>
                   <a:srgbClr val="FFFFFF"/>
                 </a:solidFill>
               </a14:hiddenFill>
             </a:ext>
             <a:ext uri="{91240B29-F687-4f45-9708-019B960494DF}">
-              <a14:hiddenLine xmlns="" xmlns:a14="http://schemas.microsoft.com/office/drawing/2010/main" w="9525">
+              <a14:hiddenLine xmlns:a14="http://schemas.microsoft.com/office/drawing/2010/main" xmlns="" w="9525">
                 <a:solidFill>
                   <a:srgbClr val="000000"/>
                 </a:solidFill>
@@ -2651,14 +2652,14 @@
           </a:ln>
           <a:extLst>
             <a:ext uri="{909E8E84-426E-40dd-AFC4-6F175D3DCCD1}">
-              <a14:hiddenFill xmlns="" xmlns:a14="http://schemas.microsoft.com/office/drawing/2010/main">
+              <a14:hiddenFill xmlns:a14="http://schemas.microsoft.com/office/drawing/2010/main" xmlns="">
                 <a:solidFill>
                   <a:srgbClr val="FFFFFF"/>
                 </a:solidFill>
               </a14:hiddenFill>
             </a:ext>
             <a:ext uri="{FAA26D3D-D897-4be2-8F04-BA451C77F1D7}">
-              <ma14:placeholderFlag xmlns="" xmlns:ma14="http://schemas.microsoft.com/office/mac/drawingml/2011/main" val="1"/>
+              <ma14:placeholderFlag xmlns:ma14="http://schemas.microsoft.com/office/mac/drawingml/2011/main" xmlns="" val="1"/>
             </a:ext>
           </a:extLst>
         </p:spPr>
@@ -2711,14 +2712,14 @@
           <a:ln/>
           <a:extLst>
             <a:ext uri="{909E8E84-426E-40dd-AFC4-6F175D3DCCD1}">
-              <a14:hiddenFill xmlns="" xmlns:a14="http://schemas.microsoft.com/office/drawing/2010/main">
+              <a14:hiddenFill xmlns:a14="http://schemas.microsoft.com/office/drawing/2010/main" xmlns="">
                 <a:solidFill>
                   <a:srgbClr val="FFFFFF"/>
                 </a:solidFill>
               </a14:hiddenFill>
             </a:ext>
             <a:ext uri="{91240B29-F687-4f45-9708-019B960494DF}">
-              <a14:hiddenLine xmlns="" xmlns:a14="http://schemas.microsoft.com/office/drawing/2010/main" w="9525">
+              <a14:hiddenLine xmlns:a14="http://schemas.microsoft.com/office/drawing/2010/main" xmlns="" w="9525">
                 <a:solidFill>
                   <a:srgbClr val="000000"/>
                 </a:solidFill>
@@ -2879,14 +2880,14 @@
           <a:ln/>
           <a:extLst>
             <a:ext uri="{909E8E84-426E-40dd-AFC4-6F175D3DCCD1}">
-              <a14:hiddenFill xmlns="" xmlns:a14="http://schemas.microsoft.com/office/drawing/2010/main">
+              <a14:hiddenFill xmlns:a14="http://schemas.microsoft.com/office/drawing/2010/main" xmlns="">
                 <a:solidFill>
                   <a:srgbClr val="FFFFFF"/>
                 </a:solidFill>
               </a14:hiddenFill>
             </a:ext>
             <a:ext uri="{91240B29-F687-4f45-9708-019B960494DF}">
-              <a14:hiddenLine xmlns="" xmlns:a14="http://schemas.microsoft.com/office/drawing/2010/main" w="9525">
+              <a14:hiddenLine xmlns:a14="http://schemas.microsoft.com/office/drawing/2010/main" xmlns="" w="9525">
                 <a:solidFill>
                   <a:srgbClr val="000000"/>
                 </a:solidFill>
@@ -2949,14 +2950,14 @@
           <a:ln/>
           <a:extLst>
             <a:ext uri="{909E8E84-426E-40dd-AFC4-6F175D3DCCD1}">
-              <a14:hiddenFill xmlns="" xmlns:a14="http://schemas.microsoft.com/office/drawing/2010/main">
+              <a14:hiddenFill xmlns:a14="http://schemas.microsoft.com/office/drawing/2010/main" xmlns="">
                 <a:solidFill>
                   <a:srgbClr val="FFFFFF"/>
                 </a:solidFill>
               </a14:hiddenFill>
             </a:ext>
             <a:ext uri="{91240B29-F687-4f45-9708-019B960494DF}">
-              <a14:hiddenLine xmlns="" xmlns:a14="http://schemas.microsoft.com/office/drawing/2010/main" w="9525">
+              <a14:hiddenLine xmlns:a14="http://schemas.microsoft.com/office/drawing/2010/main" xmlns="" w="9525">
                 <a:solidFill>
                   <a:srgbClr val="000000"/>
                 </a:solidFill>
@@ -3110,14 +3111,14 @@
           </a:ln>
           <a:extLst>
             <a:ext uri="{909E8E84-426E-40dd-AFC4-6F175D3DCCD1}">
-              <a14:hiddenFill xmlns="" xmlns:a14="http://schemas.microsoft.com/office/drawing/2010/main">
+              <a14:hiddenFill xmlns:a14="http://schemas.microsoft.com/office/drawing/2010/main" xmlns="">
                 <a:solidFill>
                   <a:srgbClr val="FFFFFF"/>
                 </a:solidFill>
               </a14:hiddenFill>
             </a:ext>
             <a:ext uri="{91240B29-F687-4f45-9708-019B960494DF}">
-              <a14:hiddenLine xmlns="" xmlns:a14="http://schemas.microsoft.com/office/drawing/2010/main" w="9525">
+              <a14:hiddenLine xmlns:a14="http://schemas.microsoft.com/office/drawing/2010/main" xmlns="" w="9525">
                 <a:solidFill>
                   <a:srgbClr val="000000"/>
                 </a:solidFill>
@@ -3285,7 +3286,7 @@
           </a:ln>
           <a:extLst>
             <a:ext uri="{909E8E84-426E-40dd-AFC4-6F175D3DCCD1}">
-              <a14:hiddenFill xmlns="" xmlns:a14="http://schemas.microsoft.com/office/drawing/2010/main">
+              <a14:hiddenFill xmlns:a14="http://schemas.microsoft.com/office/drawing/2010/main" xmlns="">
                 <a:solidFill>
                   <a:srgbClr val="FFFFFF"/>
                 </a:solidFill>
@@ -3345,14 +3346,14 @@
           <a:ln/>
           <a:extLst>
             <a:ext uri="{909E8E84-426E-40dd-AFC4-6F175D3DCCD1}">
-              <a14:hiddenFill xmlns="" xmlns:a14="http://schemas.microsoft.com/office/drawing/2010/main">
+              <a14:hiddenFill xmlns:a14="http://schemas.microsoft.com/office/drawing/2010/main" xmlns="">
                 <a:solidFill>
                   <a:srgbClr val="FFFFFF"/>
                 </a:solidFill>
               </a14:hiddenFill>
             </a:ext>
             <a:ext uri="{91240B29-F687-4f45-9708-019B960494DF}">
-              <a14:hiddenLine xmlns="" xmlns:a14="http://schemas.microsoft.com/office/drawing/2010/main" w="9525">
+              <a14:hiddenLine xmlns:a14="http://schemas.microsoft.com/office/drawing/2010/main" xmlns="" w="9525">
                 <a:solidFill>
                   <a:srgbClr val="000000"/>
                 </a:solidFill>
@@ -3506,14 +3507,14 @@
           </a:ln>
           <a:extLst>
             <a:ext uri="{909E8E84-426E-40dd-AFC4-6F175D3DCCD1}">
-              <a14:hiddenFill xmlns="" xmlns:a14="http://schemas.microsoft.com/office/drawing/2010/main">
+              <a14:hiddenFill xmlns:a14="http://schemas.microsoft.com/office/drawing/2010/main" xmlns="">
                 <a:solidFill>
                   <a:srgbClr val="FFFFFF"/>
                 </a:solidFill>
               </a14:hiddenFill>
             </a:ext>
             <a:ext uri="{91240B29-F687-4f45-9708-019B960494DF}">
-              <a14:hiddenLine xmlns="" xmlns:a14="http://schemas.microsoft.com/office/drawing/2010/main" w="9525">
+              <a14:hiddenLine xmlns:a14="http://schemas.microsoft.com/office/drawing/2010/main" xmlns="" w="9525">
                 <a:solidFill>
                   <a:srgbClr val="000000"/>
                 </a:solidFill>
@@ -3681,14 +3682,14 @@
           </a:ln>
           <a:extLst>
             <a:ext uri="{909E8E84-426E-40dd-AFC4-6F175D3DCCD1}">
-              <a14:hiddenFill xmlns="" xmlns:a14="http://schemas.microsoft.com/office/drawing/2010/main">
+              <a14:hiddenFill xmlns:a14="http://schemas.microsoft.com/office/drawing/2010/main" xmlns="">
                 <a:solidFill>
                   <a:srgbClr val="FFFFFF"/>
                 </a:solidFill>
               </a14:hiddenFill>
             </a:ext>
             <a:ext uri="{FAA26D3D-D897-4be2-8F04-BA451C77F1D7}">
-              <ma14:placeholderFlag xmlns="" xmlns:ma14="http://schemas.microsoft.com/office/mac/drawingml/2011/main" val="1"/>
+              <ma14:placeholderFlag xmlns:ma14="http://schemas.microsoft.com/office/mac/drawingml/2011/main" xmlns="" val="1"/>
             </a:ext>
           </a:extLst>
         </p:spPr>
@@ -3741,14 +3742,14 @@
           <a:ln/>
           <a:extLst>
             <a:ext uri="{909E8E84-426E-40dd-AFC4-6F175D3DCCD1}">
-              <a14:hiddenFill xmlns="" xmlns:a14="http://schemas.microsoft.com/office/drawing/2010/main">
+              <a14:hiddenFill xmlns:a14="http://schemas.microsoft.com/office/drawing/2010/main" xmlns="">
                 <a:solidFill>
                   <a:srgbClr val="FFFFFF"/>
                 </a:solidFill>
               </a14:hiddenFill>
             </a:ext>
             <a:ext uri="{91240B29-F687-4f45-9708-019B960494DF}">
-              <a14:hiddenLine xmlns="" xmlns:a14="http://schemas.microsoft.com/office/drawing/2010/main" w="9525">
+              <a14:hiddenLine xmlns:a14="http://schemas.microsoft.com/office/drawing/2010/main" xmlns="" w="9525">
                 <a:solidFill>
                   <a:srgbClr val="000000"/>
                 </a:solidFill>
@@ -3874,7 +3875,7 @@
             <a:fld id="{8C5455FC-E02D-D84C-80E8-B1A8E1E6A2C9}" type="slidenum">
               <a:rPr lang="en-US" sz="1200"/>
               <a:pPr eaLnBrk="1" hangingPunct="1"/>
-              <a:t>20</a:t>
+              <a:t>21</a:t>
             </a:fld>
             <a:endParaRPr lang="en-US" sz="1200"/>
           </a:p>
@@ -3902,14 +3903,14 @@
           </a:ln>
           <a:extLst>
             <a:ext uri="{909E8E84-426E-40dd-AFC4-6F175D3DCCD1}">
-              <a14:hiddenFill xmlns="" xmlns:a14="http://schemas.microsoft.com/office/drawing/2010/main">
+              <a14:hiddenFill xmlns:a14="http://schemas.microsoft.com/office/drawing/2010/main" xmlns="">
                 <a:solidFill>
                   <a:srgbClr val="FFFFFF"/>
                 </a:solidFill>
               </a14:hiddenFill>
             </a:ext>
             <a:ext uri="{91240B29-F687-4f45-9708-019B960494DF}">
-              <a14:hiddenLine xmlns="" xmlns:a14="http://schemas.microsoft.com/office/drawing/2010/main" w="9525">
+              <a14:hiddenLine xmlns:a14="http://schemas.microsoft.com/office/drawing/2010/main" xmlns="" w="9525">
                 <a:solidFill>
                   <a:srgbClr val="000000"/>
                 </a:solidFill>
@@ -4035,7 +4036,7 @@
             <a:fld id="{DFEDA8CB-22C0-7A40-A5D1-C80356A11C69}" type="slidenum">
               <a:rPr lang="en-US" sz="1200"/>
               <a:pPr algn="r" eaLnBrk="1" hangingPunct="1"/>
-              <a:t>20</a:t>
+              <a:t>21</a:t>
             </a:fld>
             <a:endParaRPr lang="en-US" sz="1200"/>
           </a:p>
@@ -4077,14 +4078,14 @@
           </a:ln>
           <a:extLst>
             <a:ext uri="{909E8E84-426E-40dd-AFC4-6F175D3DCCD1}">
-              <a14:hiddenFill xmlns="" xmlns:a14="http://schemas.microsoft.com/office/drawing/2010/main">
+              <a14:hiddenFill xmlns:a14="http://schemas.microsoft.com/office/drawing/2010/main" xmlns="">
                 <a:solidFill>
                   <a:srgbClr val="FFFFFF"/>
                 </a:solidFill>
               </a14:hiddenFill>
             </a:ext>
             <a:ext uri="{FAA26D3D-D897-4be2-8F04-BA451C77F1D7}">
-              <ma14:placeholderFlag xmlns="" xmlns:ma14="http://schemas.microsoft.com/office/mac/drawingml/2011/main" val="1"/>
+              <ma14:placeholderFlag xmlns:ma14="http://schemas.microsoft.com/office/mac/drawingml/2011/main" xmlns="" val="1"/>
             </a:ext>
           </a:extLst>
         </p:spPr>
@@ -4098,7 +4099,7 @@
             </a:r>
             <a:r>
               <a:rPr lang="en-US" dirty="0"/>
-              <a:t>: This is ONE possible closing option for this case. Depending on how the conversation has unfolded I can decide at last minute to ask a different question, or make the homework assignment on the next slide.</a:t>
+              <a:t>: This closing option does not include follow-up homework. Depending on how the conversation has unfolded I can decide at last minute to ask a different question, or make one of the homework assignments on the next slides.</a:t>
             </a:r>
           </a:p>
           <a:p>
@@ -4234,14 +4235,14 @@
           <a:ln/>
           <a:extLst>
             <a:ext uri="{909E8E84-426E-40dd-AFC4-6F175D3DCCD1}">
-              <a14:hiddenFill xmlns="" xmlns:a14="http://schemas.microsoft.com/office/drawing/2010/main">
+              <a14:hiddenFill xmlns:a14="http://schemas.microsoft.com/office/drawing/2010/main" xmlns="">
                 <a:solidFill>
                   <a:srgbClr val="FFFFFF"/>
                 </a:solidFill>
               </a14:hiddenFill>
             </a:ext>
             <a:ext uri="{91240B29-F687-4f45-9708-019B960494DF}">
-              <a14:hiddenLine xmlns="" xmlns:a14="http://schemas.microsoft.com/office/drawing/2010/main" w="9525">
+              <a14:hiddenLine xmlns:a14="http://schemas.microsoft.com/office/drawing/2010/main" xmlns="" w="9525">
                 <a:solidFill>
                   <a:srgbClr val="000000"/>
                 </a:solidFill>
@@ -4367,7 +4368,7 @@
             <a:fld id="{9F71670E-A3D5-EA42-B35E-B695ECEEEC45}" type="slidenum">
               <a:rPr lang="en-US" sz="1200"/>
               <a:pPr eaLnBrk="1" hangingPunct="1"/>
-              <a:t>21</a:t>
+              <a:t>22</a:t>
             </a:fld>
             <a:endParaRPr lang="en-US" sz="1200"/>
           </a:p>
@@ -4402,14 +4403,14 @@
           <a:ln/>
           <a:extLst>
             <a:ext uri="{909E8E84-426E-40dd-AFC4-6F175D3DCCD1}">
-              <a14:hiddenFill xmlns="" xmlns:a14="http://schemas.microsoft.com/office/drawing/2010/main">
+              <a14:hiddenFill xmlns:a14="http://schemas.microsoft.com/office/drawing/2010/main" xmlns="">
                 <a:solidFill>
                   <a:srgbClr val="FFFFFF"/>
                 </a:solidFill>
               </a14:hiddenFill>
             </a:ext>
             <a:ext uri="{91240B29-F687-4f45-9708-019B960494DF}">
-              <a14:hiddenLine xmlns="" xmlns:a14="http://schemas.microsoft.com/office/drawing/2010/main" w="9525">
+              <a14:hiddenLine xmlns:a14="http://schemas.microsoft.com/office/drawing/2010/main" xmlns="" w="9525">
                 <a:solidFill>
                   <a:srgbClr val="000000"/>
                 </a:solidFill>
@@ -4419,7 +4420,7 @@
               </a14:hiddenLine>
             </a:ext>
             <a:ext uri="{FAA26D3D-D897-4be2-8F04-BA451C77F1D7}">
-              <ma14:placeholderFlag xmlns="" xmlns:ma14="http://schemas.microsoft.com/office/mac/drawingml/2011/main" val="1"/>
+              <ma14:placeholderFlag xmlns:ma14="http://schemas.microsoft.com/office/mac/drawingml/2011/main" xmlns="" val="1"/>
             </a:ext>
           </a:extLst>
         </p:spPr>
@@ -4482,14 +4483,14 @@
           <a:ln/>
           <a:extLst>
             <a:ext uri="{909E8E84-426E-40dd-AFC4-6F175D3DCCD1}">
-              <a14:hiddenFill xmlns="" xmlns:a14="http://schemas.microsoft.com/office/drawing/2010/main">
+              <a14:hiddenFill xmlns:a14="http://schemas.microsoft.com/office/drawing/2010/main" xmlns="">
                 <a:solidFill>
                   <a:srgbClr val="FFFFFF"/>
                 </a:solidFill>
               </a14:hiddenFill>
             </a:ext>
             <a:ext uri="{91240B29-F687-4f45-9708-019B960494DF}">
-              <a14:hiddenLine xmlns="" xmlns:a14="http://schemas.microsoft.com/office/drawing/2010/main" w="9525">
+              <a14:hiddenLine xmlns:a14="http://schemas.microsoft.com/office/drawing/2010/main" xmlns="" w="9525">
                 <a:solidFill>
                   <a:srgbClr val="000000"/>
                 </a:solidFill>
@@ -4615,7 +4616,7 @@
             <a:fld id="{390073E6-6AF1-1347-98F3-3D22703BEDEC}" type="slidenum">
               <a:rPr lang="en-US" sz="1200"/>
               <a:pPr eaLnBrk="1" hangingPunct="1"/>
-              <a:t>22</a:t>
+              <a:t>23</a:t>
             </a:fld>
             <a:endParaRPr lang="en-US" sz="1200"/>
           </a:p>
@@ -4643,14 +4644,14 @@
           </a:ln>
           <a:extLst>
             <a:ext uri="{909E8E84-426E-40dd-AFC4-6F175D3DCCD1}">
-              <a14:hiddenFill xmlns="" xmlns:a14="http://schemas.microsoft.com/office/drawing/2010/main">
+              <a14:hiddenFill xmlns:a14="http://schemas.microsoft.com/office/drawing/2010/main" xmlns="">
                 <a:solidFill>
                   <a:srgbClr val="FFFFFF"/>
                 </a:solidFill>
               </a14:hiddenFill>
             </a:ext>
             <a:ext uri="{91240B29-F687-4f45-9708-019B960494DF}">
-              <a14:hiddenLine xmlns="" xmlns:a14="http://schemas.microsoft.com/office/drawing/2010/main" w="9525">
+              <a14:hiddenLine xmlns:a14="http://schemas.microsoft.com/office/drawing/2010/main" xmlns="" w="9525">
                 <a:solidFill>
                   <a:srgbClr val="000000"/>
                 </a:solidFill>
@@ -4776,7 +4777,7 @@
             <a:fld id="{4C835EF7-E0ED-F14F-BCCB-C82B97AFAAB5}" type="slidenum">
               <a:rPr lang="en-US" sz="1200"/>
               <a:pPr algn="r" eaLnBrk="1" hangingPunct="1"/>
-              <a:t>22</a:t>
+              <a:t>23</a:t>
             </a:fld>
             <a:endParaRPr lang="en-US" sz="1200"/>
           </a:p>
@@ -4818,7 +4819,7 @@
           </a:ln>
           <a:extLst>
             <a:ext uri="{909E8E84-426E-40dd-AFC4-6F175D3DCCD1}">
-              <a14:hiddenFill xmlns="" xmlns:a14="http://schemas.microsoft.com/office/drawing/2010/main">
+              <a14:hiddenFill xmlns:a14="http://schemas.microsoft.com/office/drawing/2010/main" xmlns="">
                 <a:solidFill>
                   <a:srgbClr val="FFFFFF"/>
                 </a:solidFill>
@@ -4934,7 +4935,7 @@
           <a:p>
             <a:fld id="{F46B3267-9F9A-F94E-A91F-249912F036B6}" type="slidenum">
               <a:rPr lang="en-US" smtClean="0"/>
-              <a:t>23</a:t>
+              <a:t>24</a:t>
             </a:fld>
             <a:endParaRPr lang="en-US"/>
           </a:p>
@@ -5024,7 +5025,7 @@
           <a:p>
             <a:fld id="{F46B3267-9F9A-F94E-A91F-249912F036B6}" type="slidenum">
               <a:rPr lang="en-US" smtClean="0"/>
-              <a:t>24</a:t>
+              <a:t>25</a:t>
             </a:fld>
             <a:endParaRPr lang="en-US"/>
           </a:p>
@@ -5162,14 +5163,14 @@
           <a:ln/>
           <a:extLst>
             <a:ext uri="{909E8E84-426E-40dd-AFC4-6F175D3DCCD1}">
-              <a14:hiddenFill xmlns="" xmlns:a14="http://schemas.microsoft.com/office/drawing/2010/main">
+              <a14:hiddenFill xmlns:a14="http://schemas.microsoft.com/office/drawing/2010/main" xmlns="">
                 <a:solidFill>
                   <a:srgbClr val="FFFFFF"/>
                 </a:solidFill>
               </a14:hiddenFill>
             </a:ext>
             <a:ext uri="{91240B29-F687-4f45-9708-019B960494DF}">
-              <a14:hiddenLine xmlns="" xmlns:a14="http://schemas.microsoft.com/office/drawing/2010/main" w="9525">
+              <a14:hiddenLine xmlns:a14="http://schemas.microsoft.com/office/drawing/2010/main" xmlns="" w="9525">
                 <a:solidFill>
                   <a:srgbClr val="000000"/>
                 </a:solidFill>
@@ -5330,14 +5331,14 @@
           <a:ln/>
           <a:extLst>
             <a:ext uri="{909E8E84-426E-40dd-AFC4-6F175D3DCCD1}">
-              <a14:hiddenFill xmlns="" xmlns:a14="http://schemas.microsoft.com/office/drawing/2010/main">
+              <a14:hiddenFill xmlns:a14="http://schemas.microsoft.com/office/drawing/2010/main" xmlns="">
                 <a:solidFill>
                   <a:srgbClr val="FFFFFF"/>
                 </a:solidFill>
               </a14:hiddenFill>
             </a:ext>
             <a:ext uri="{91240B29-F687-4f45-9708-019B960494DF}">
-              <a14:hiddenLine xmlns="" xmlns:a14="http://schemas.microsoft.com/office/drawing/2010/main" w="9525">
+              <a14:hiddenLine xmlns:a14="http://schemas.microsoft.com/office/drawing/2010/main" xmlns="" w="9525">
                 <a:solidFill>
                   <a:srgbClr val="000000"/>
                 </a:solidFill>
@@ -5347,7 +5348,7 @@
               </a14:hiddenLine>
             </a:ext>
             <a:ext uri="{FAA26D3D-D897-4be2-8F04-BA451C77F1D7}">
-              <ma14:placeholderFlag xmlns="" xmlns:ma14="http://schemas.microsoft.com/office/mac/drawingml/2011/main" val="1"/>
+              <ma14:placeholderFlag xmlns:ma14="http://schemas.microsoft.com/office/mac/drawingml/2011/main" xmlns="" val="1"/>
             </a:ext>
           </a:extLst>
         </p:spPr>
@@ -5535,14 +5536,14 @@
           <a:ln/>
           <a:extLst>
             <a:ext uri="{909E8E84-426E-40dd-AFC4-6F175D3DCCD1}">
-              <a14:hiddenFill xmlns="" xmlns:a14="http://schemas.microsoft.com/office/drawing/2010/main">
+              <a14:hiddenFill xmlns:a14="http://schemas.microsoft.com/office/drawing/2010/main" xmlns="">
                 <a:solidFill>
                   <a:srgbClr val="FFFFFF"/>
                 </a:solidFill>
               </a14:hiddenFill>
             </a:ext>
             <a:ext uri="{91240B29-F687-4f45-9708-019B960494DF}">
-              <a14:hiddenLine xmlns="" xmlns:a14="http://schemas.microsoft.com/office/drawing/2010/main" w="9525">
+              <a14:hiddenLine xmlns:a14="http://schemas.microsoft.com/office/drawing/2010/main" xmlns="" w="9525">
                 <a:solidFill>
                   <a:srgbClr val="000000"/>
                 </a:solidFill>
@@ -5703,14 +5704,14 @@
           <a:ln/>
           <a:extLst>
             <a:ext uri="{909E8E84-426E-40dd-AFC4-6F175D3DCCD1}">
-              <a14:hiddenFill xmlns="" xmlns:a14="http://schemas.microsoft.com/office/drawing/2010/main">
+              <a14:hiddenFill xmlns:a14="http://schemas.microsoft.com/office/drawing/2010/main" xmlns="">
                 <a:solidFill>
                   <a:srgbClr val="FFFFFF"/>
                 </a:solidFill>
               </a14:hiddenFill>
             </a:ext>
             <a:ext uri="{91240B29-F687-4f45-9708-019B960494DF}">
-              <a14:hiddenLine xmlns="" xmlns:a14="http://schemas.microsoft.com/office/drawing/2010/main" w="9525">
+              <a14:hiddenLine xmlns:a14="http://schemas.microsoft.com/office/drawing/2010/main" xmlns="" w="9525">
                 <a:solidFill>
                   <a:srgbClr val="000000"/>
                 </a:solidFill>
@@ -5720,7 +5721,7 @@
               </a14:hiddenLine>
             </a:ext>
             <a:ext uri="{FAA26D3D-D897-4be2-8F04-BA451C77F1D7}">
-              <ma14:placeholderFlag xmlns="" xmlns:ma14="http://schemas.microsoft.com/office/mac/drawingml/2011/main" val="1"/>
+              <ma14:placeholderFlag xmlns:ma14="http://schemas.microsoft.com/office/mac/drawingml/2011/main" xmlns="" val="1"/>
             </a:ext>
           </a:extLst>
         </p:spPr>
@@ -5773,14 +5774,14 @@
           <a:ln/>
           <a:extLst>
             <a:ext uri="{909E8E84-426E-40dd-AFC4-6F175D3DCCD1}">
-              <a14:hiddenFill xmlns="" xmlns:a14="http://schemas.microsoft.com/office/drawing/2010/main">
+              <a14:hiddenFill xmlns:a14="http://schemas.microsoft.com/office/drawing/2010/main" xmlns="">
                 <a:solidFill>
                   <a:srgbClr val="FFFFFF"/>
                 </a:solidFill>
               </a14:hiddenFill>
             </a:ext>
             <a:ext uri="{91240B29-F687-4f45-9708-019B960494DF}">
-              <a14:hiddenLine xmlns="" xmlns:a14="http://schemas.microsoft.com/office/drawing/2010/main" w="9525">
+              <a14:hiddenLine xmlns:a14="http://schemas.microsoft.com/office/drawing/2010/main" xmlns="" w="9525">
                 <a:solidFill>
                   <a:srgbClr val="000000"/>
                 </a:solidFill>
@@ -5941,14 +5942,14 @@
           <a:ln/>
           <a:extLst>
             <a:ext uri="{909E8E84-426E-40dd-AFC4-6F175D3DCCD1}">
-              <a14:hiddenFill xmlns="" xmlns:a14="http://schemas.microsoft.com/office/drawing/2010/main">
+              <a14:hiddenFill xmlns:a14="http://schemas.microsoft.com/office/drawing/2010/main" xmlns="">
                 <a:solidFill>
                   <a:srgbClr val="FFFFFF"/>
                 </a:solidFill>
               </a14:hiddenFill>
             </a:ext>
             <a:ext uri="{91240B29-F687-4f45-9708-019B960494DF}">
-              <a14:hiddenLine xmlns="" xmlns:a14="http://schemas.microsoft.com/office/drawing/2010/main" w="9525">
+              <a14:hiddenLine xmlns:a14="http://schemas.microsoft.com/office/drawing/2010/main" xmlns="" w="9525">
                 <a:solidFill>
                   <a:srgbClr val="000000"/>
                 </a:solidFill>
@@ -5958,7 +5959,7 @@
               </a14:hiddenLine>
             </a:ext>
             <a:ext uri="{FAA26D3D-D897-4be2-8F04-BA451C77F1D7}">
-              <ma14:placeholderFlag xmlns="" xmlns:ma14="http://schemas.microsoft.com/office/mac/drawingml/2011/main" val="1"/>
+              <ma14:placeholderFlag xmlns:ma14="http://schemas.microsoft.com/office/mac/drawingml/2011/main" xmlns="" val="1"/>
             </a:ext>
           </a:extLst>
         </p:spPr>
@@ -6011,14 +6012,14 @@
           <a:ln/>
           <a:extLst>
             <a:ext uri="{909E8E84-426E-40dd-AFC4-6F175D3DCCD1}">
-              <a14:hiddenFill xmlns="" xmlns:a14="http://schemas.microsoft.com/office/drawing/2010/main">
+              <a14:hiddenFill xmlns:a14="http://schemas.microsoft.com/office/drawing/2010/main" xmlns="">
                 <a:solidFill>
                   <a:srgbClr val="FFFFFF"/>
                 </a:solidFill>
               </a14:hiddenFill>
             </a:ext>
             <a:ext uri="{91240B29-F687-4f45-9708-019B960494DF}">
-              <a14:hiddenLine xmlns="" xmlns:a14="http://schemas.microsoft.com/office/drawing/2010/main" w="9525">
+              <a14:hiddenLine xmlns:a14="http://schemas.microsoft.com/office/drawing/2010/main" xmlns="" w="9525">
                 <a:solidFill>
                   <a:srgbClr val="000000"/>
                 </a:solidFill>
@@ -6179,14 +6180,14 @@
           <a:ln/>
           <a:extLst>
             <a:ext uri="{909E8E84-426E-40dd-AFC4-6F175D3DCCD1}">
-              <a14:hiddenFill xmlns="" xmlns:a14="http://schemas.microsoft.com/office/drawing/2010/main">
+              <a14:hiddenFill xmlns:a14="http://schemas.microsoft.com/office/drawing/2010/main" xmlns="">
                 <a:solidFill>
                   <a:srgbClr val="FFFFFF"/>
                 </a:solidFill>
               </a14:hiddenFill>
             </a:ext>
             <a:ext uri="{91240B29-F687-4f45-9708-019B960494DF}">
-              <a14:hiddenLine xmlns="" xmlns:a14="http://schemas.microsoft.com/office/drawing/2010/main" w="9525">
+              <a14:hiddenLine xmlns:a14="http://schemas.microsoft.com/office/drawing/2010/main" xmlns="" w="9525">
                 <a:solidFill>
                   <a:srgbClr val="000000"/>
                 </a:solidFill>
@@ -6196,7 +6197,7 @@
               </a14:hiddenLine>
             </a:ext>
             <a:ext uri="{FAA26D3D-D897-4be2-8F04-BA451C77F1D7}">
-              <ma14:placeholderFlag xmlns="" xmlns:ma14="http://schemas.microsoft.com/office/mac/drawingml/2011/main" val="1"/>
+              <ma14:placeholderFlag xmlns:ma14="http://schemas.microsoft.com/office/mac/drawingml/2011/main" xmlns="" val="1"/>
             </a:ext>
           </a:extLst>
         </p:spPr>
@@ -6263,7 +6264,7 @@
           <a:p>
             <a:r>
               <a:rPr lang="en-US" dirty="0"/>
-              <a:t>Note that I included the talking brain icon as a visual flag for important information that students will need again in the future.</a:t>
+              <a:t>Note that I included the talking brain icon as a visual flag for important information that students will need again in the future. Icons like this can be reused the entire semester. </a:t>
             </a:r>
           </a:p>
         </p:txBody>
@@ -6323,49 +6324,6 @@
       </p:grpSpPr>
       <p:sp>
         <p:nvSpPr>
-          <p:cNvPr id="7" name="Rounded Rectangle 6"/>
-          <p:cNvSpPr/>
-          <p:nvPr userDrawn="1"/>
-        </p:nvSpPr>
-        <p:spPr>
-          <a:xfrm>
-            <a:off x="-209174" y="1553881"/>
-            <a:ext cx="8791388" cy="1206221"/>
-          </a:xfrm>
-          <a:prstGeom prst="roundRect">
-            <a:avLst/>
-          </a:prstGeom>
-          <a:solidFill>
-            <a:schemeClr val="bg1">
-              <a:lumMod val="85000"/>
-            </a:schemeClr>
-          </a:solidFill>
-        </p:spPr>
-        <p:style>
-          <a:lnRef idx="1">
-            <a:schemeClr val="accent1"/>
-          </a:lnRef>
-          <a:fillRef idx="3">
-            <a:schemeClr val="accent1"/>
-          </a:fillRef>
-          <a:effectRef idx="2">
-            <a:schemeClr val="accent1"/>
-          </a:effectRef>
-          <a:fontRef idx="minor">
-            <a:schemeClr val="lt1"/>
-          </a:fontRef>
-        </p:style>
-        <p:txBody>
-          <a:bodyPr rtlCol="0" anchor="ctr"/>
-          <a:lstStyle/>
-          <a:p>
-            <a:pPr algn="ctr"/>
-            <a:endParaRPr lang="en-US"/>
-          </a:p>
-        </p:txBody>
-      </p:sp>
-      <p:sp>
-        <p:nvSpPr>
           <p:cNvPr id="2" name="Title 1"/>
           <p:cNvSpPr>
             <a:spLocks noGrp="1"/>
@@ -7322,49 +7280,6 @@
       </p:grpSpPr>
       <p:sp>
         <p:nvSpPr>
-          <p:cNvPr id="8" name="Rounded Rectangle 7"/>
-          <p:cNvSpPr/>
-          <p:nvPr userDrawn="1"/>
-        </p:nvSpPr>
-        <p:spPr>
-          <a:xfrm>
-            <a:off x="-134470" y="187840"/>
-            <a:ext cx="8791388" cy="997369"/>
-          </a:xfrm>
-          <a:prstGeom prst="roundRect">
-            <a:avLst/>
-          </a:prstGeom>
-          <a:solidFill>
-            <a:schemeClr val="bg1">
-              <a:lumMod val="85000"/>
-            </a:schemeClr>
-          </a:solidFill>
-        </p:spPr>
-        <p:style>
-          <a:lnRef idx="1">
-            <a:schemeClr val="accent1"/>
-          </a:lnRef>
-          <a:fillRef idx="3">
-            <a:schemeClr val="accent1"/>
-          </a:fillRef>
-          <a:effectRef idx="2">
-            <a:schemeClr val="accent1"/>
-          </a:effectRef>
-          <a:fontRef idx="minor">
-            <a:schemeClr val="lt1"/>
-          </a:fontRef>
-        </p:style>
-        <p:txBody>
-          <a:bodyPr rtlCol="0" anchor="ctr"/>
-          <a:lstStyle/>
-          <a:p>
-            <a:pPr algn="ctr"/>
-            <a:endParaRPr lang="en-US"/>
-          </a:p>
-        </p:txBody>
-      </p:sp>
-      <p:sp>
-        <p:nvSpPr>
           <p:cNvPr id="2" name="Title 1"/>
           <p:cNvSpPr>
             <a:spLocks noGrp="1"/>
@@ -7555,49 +7470,6 @@
       </p:grpSpPr>
       <p:sp>
         <p:nvSpPr>
-          <p:cNvPr id="7" name="Rounded Rectangle 6"/>
-          <p:cNvSpPr/>
-          <p:nvPr userDrawn="1"/>
-        </p:nvSpPr>
-        <p:spPr>
-          <a:xfrm>
-            <a:off x="-253998" y="3461430"/>
-            <a:ext cx="8791388" cy="1148512"/>
-          </a:xfrm>
-          <a:prstGeom prst="roundRect">
-            <a:avLst/>
-          </a:prstGeom>
-          <a:solidFill>
-            <a:schemeClr val="bg1">
-              <a:lumMod val="85000"/>
-            </a:schemeClr>
-          </a:solidFill>
-        </p:spPr>
-        <p:style>
-          <a:lnRef idx="1">
-            <a:schemeClr val="accent1"/>
-          </a:lnRef>
-          <a:fillRef idx="3">
-            <a:schemeClr val="accent1"/>
-          </a:fillRef>
-          <a:effectRef idx="2">
-            <a:schemeClr val="accent1"/>
-          </a:effectRef>
-          <a:fontRef idx="minor">
-            <a:schemeClr val="lt1"/>
-          </a:fontRef>
-        </p:style>
-        <p:txBody>
-          <a:bodyPr rtlCol="0" anchor="ctr"/>
-          <a:lstStyle/>
-          <a:p>
-            <a:pPr algn="ctr"/>
-            <a:endParaRPr lang="en-US"/>
-          </a:p>
-        </p:txBody>
-      </p:sp>
-      <p:sp>
-        <p:nvSpPr>
           <p:cNvPr id="2" name="Title 1"/>
           <p:cNvSpPr>
             <a:spLocks noGrp="1"/>
@@ -7852,49 +7724,6 @@
       </p:grpSpPr>
       <p:sp>
         <p:nvSpPr>
-          <p:cNvPr id="8" name="Rounded Rectangle 7"/>
-          <p:cNvSpPr/>
-          <p:nvPr userDrawn="1"/>
-        </p:nvSpPr>
-        <p:spPr>
-          <a:xfrm>
-            <a:off x="-104588" y="202781"/>
-            <a:ext cx="8791388" cy="997369"/>
-          </a:xfrm>
-          <a:prstGeom prst="roundRect">
-            <a:avLst/>
-          </a:prstGeom>
-          <a:solidFill>
-            <a:schemeClr val="bg1">
-              <a:lumMod val="85000"/>
-            </a:schemeClr>
-          </a:solidFill>
-        </p:spPr>
-        <p:style>
-          <a:lnRef idx="1">
-            <a:schemeClr val="accent1"/>
-          </a:lnRef>
-          <a:fillRef idx="3">
-            <a:schemeClr val="accent1"/>
-          </a:fillRef>
-          <a:effectRef idx="2">
-            <a:schemeClr val="accent1"/>
-          </a:effectRef>
-          <a:fontRef idx="minor">
-            <a:schemeClr val="lt1"/>
-          </a:fontRef>
-        </p:style>
-        <p:txBody>
-          <a:bodyPr rtlCol="0" anchor="ctr"/>
-          <a:lstStyle/>
-          <a:p>
-            <a:pPr algn="ctr"/>
-            <a:endParaRPr lang="en-US"/>
-          </a:p>
-        </p:txBody>
-      </p:sp>
-      <p:sp>
-        <p:nvSpPr>
           <p:cNvPr id="2" name="Title 1"/>
           <p:cNvSpPr>
             <a:spLocks noGrp="1"/>
@@ -8186,49 +8015,6 @@
           <a:chExt cx="0" cy="0"/>
         </a:xfrm>
       </p:grpSpPr>
-      <p:sp>
-        <p:nvSpPr>
-          <p:cNvPr id="10" name="Rounded Rectangle 9"/>
-          <p:cNvSpPr/>
-          <p:nvPr userDrawn="1"/>
-        </p:nvSpPr>
-        <p:spPr>
-          <a:xfrm>
-            <a:off x="-132974" y="176097"/>
-            <a:ext cx="8791388" cy="997369"/>
-          </a:xfrm>
-          <a:prstGeom prst="roundRect">
-            <a:avLst/>
-          </a:prstGeom>
-          <a:solidFill>
-            <a:schemeClr val="bg1">
-              <a:lumMod val="85000"/>
-            </a:schemeClr>
-          </a:solidFill>
-        </p:spPr>
-        <p:style>
-          <a:lnRef idx="1">
-            <a:schemeClr val="accent1"/>
-          </a:lnRef>
-          <a:fillRef idx="3">
-            <a:schemeClr val="accent1"/>
-          </a:fillRef>
-          <a:effectRef idx="2">
-            <a:schemeClr val="accent1"/>
-          </a:effectRef>
-          <a:fontRef idx="minor">
-            <a:schemeClr val="lt1"/>
-          </a:fontRef>
-        </p:style>
-        <p:txBody>
-          <a:bodyPr rtlCol="0" anchor="ctr"/>
-          <a:lstStyle/>
-          <a:p>
-            <a:pPr algn="ctr"/>
-            <a:endParaRPr lang="en-US"/>
-          </a:p>
-        </p:txBody>
-      </p:sp>
       <p:sp>
         <p:nvSpPr>
           <p:cNvPr id="2" name="Title 1"/>
@@ -8662,49 +8448,6 @@
           <a:chExt cx="0" cy="0"/>
         </a:xfrm>
       </p:grpSpPr>
-      <p:sp>
-        <p:nvSpPr>
-          <p:cNvPr id="6" name="Rounded Rectangle 5"/>
-          <p:cNvSpPr/>
-          <p:nvPr userDrawn="1"/>
-        </p:nvSpPr>
-        <p:spPr>
-          <a:xfrm>
-            <a:off x="-104588" y="202781"/>
-            <a:ext cx="8791388" cy="997369"/>
-          </a:xfrm>
-          <a:prstGeom prst="roundRect">
-            <a:avLst/>
-          </a:prstGeom>
-          <a:solidFill>
-            <a:schemeClr val="bg1">
-              <a:lumMod val="85000"/>
-            </a:schemeClr>
-          </a:solidFill>
-        </p:spPr>
-        <p:style>
-          <a:lnRef idx="1">
-            <a:schemeClr val="accent1"/>
-          </a:lnRef>
-          <a:fillRef idx="3">
-            <a:schemeClr val="accent1"/>
-          </a:fillRef>
-          <a:effectRef idx="2">
-            <a:schemeClr val="accent1"/>
-          </a:effectRef>
-          <a:fontRef idx="minor">
-            <a:schemeClr val="lt1"/>
-          </a:fontRef>
-        </p:style>
-        <p:txBody>
-          <a:bodyPr rtlCol="0" anchor="ctr"/>
-          <a:lstStyle/>
-          <a:p>
-            <a:pPr algn="ctr"/>
-            <a:endParaRPr lang="en-US"/>
-          </a:p>
-        </p:txBody>
-      </p:sp>
       <p:sp>
         <p:nvSpPr>
           <p:cNvPr id="2" name="Title 1"/>
@@ -10061,6 +9804,50 @@
       </p:grpSpPr>
       <p:sp>
         <p:nvSpPr>
+          <p:cNvPr id="4" name="Rectangle 3">
+            <a:extLst>
+              <a:ext uri="{FF2B5EF4-FFF2-40B4-BE49-F238E27FC236}">
+                <a16:creationId xmlns:a16="http://schemas.microsoft.com/office/drawing/2014/main" id="{8D82B495-3066-5F42-9717-D84EB3F5F6C4}"/>
+              </a:ext>
+            </a:extLst>
+          </p:cNvPr>
+          <p:cNvSpPr/>
+          <p:nvPr/>
+        </p:nvSpPr>
+        <p:spPr>
+          <a:xfrm>
+            <a:off x="0" y="292608"/>
+            <a:ext cx="9144000" cy="730848"/>
+          </a:xfrm>
+          <a:prstGeom prst="rect">
+            <a:avLst/>
+          </a:prstGeom>
+        </p:spPr>
+        <p:style>
+          <a:lnRef idx="1">
+            <a:schemeClr val="accent5"/>
+          </a:lnRef>
+          <a:fillRef idx="2">
+            <a:schemeClr val="accent5"/>
+          </a:fillRef>
+          <a:effectRef idx="1">
+            <a:schemeClr val="accent5"/>
+          </a:effectRef>
+          <a:fontRef idx="minor">
+            <a:schemeClr val="dk1"/>
+          </a:fontRef>
+        </p:style>
+        <p:txBody>
+          <a:bodyPr rtlCol="0" anchor="ctr"/>
+          <a:lstStyle/>
+          <a:p>
+            <a:pPr algn="ctr"/>
+            <a:endParaRPr lang="en-US"/>
+          </a:p>
+        </p:txBody>
+      </p:sp>
+      <p:sp>
+        <p:nvSpPr>
           <p:cNvPr id="2" name="Title 1">
             <a:extLst>
               <a:ext uri="{FF2B5EF4-FFF2-40B4-BE49-F238E27FC236}">
@@ -10125,7 +9912,14 @@
                 <a:latin typeface="Calibri" panose="020F0502020204030204" pitchFamily="34" charset="0"/>
                 <a:cs typeface="Calibri" panose="020F0502020204030204" pitchFamily="34" charset="0"/>
               </a:rPr>
-              <a:t>It is organized around the 5E Model of Instructional Design</a:t>
+              <a:t>It is organized around Bybee’s </a:t>
+            </a:r>
+            <a:r>
+              <a:rPr lang="en-US" b="1" dirty="0">
+                <a:latin typeface="Calibri" panose="020F0502020204030204" pitchFamily="34" charset="0"/>
+                <a:cs typeface="Calibri" panose="020F0502020204030204" pitchFamily="34" charset="0"/>
+              </a:rPr>
+              <a:t>5E Model of Instructional Design</a:t>
             </a:r>
           </a:p>
           <a:p>
@@ -10134,7 +9928,7 @@
                 <a:latin typeface="Calibri" panose="020F0502020204030204" pitchFamily="34" charset="0"/>
                 <a:cs typeface="Calibri" panose="020F0502020204030204" pitchFamily="34" charset="0"/>
               </a:rPr>
-              <a:t>My notes to instructors are in boxes on slides or in the Notes section below.</a:t>
+              <a:t>The notes to instructors are in boxes on slides or in the Notes section below.</a:t>
             </a:r>
           </a:p>
         </p:txBody>
@@ -10171,77 +9965,6 @@
       </p:grpSpPr>
       <p:sp>
         <p:nvSpPr>
-          <p:cNvPr id="8" name="Rectangle 7"/>
-          <p:cNvSpPr/>
-          <p:nvPr/>
-        </p:nvSpPr>
-        <p:spPr>
-          <a:xfrm>
-            <a:off x="0" y="313417"/>
-            <a:ext cx="7367222" cy="749812"/>
-          </a:xfrm>
-          <a:prstGeom prst="rect">
-            <a:avLst/>
-          </a:prstGeom>
-          <a:solidFill>
-            <a:srgbClr val="D6E5BD"/>
-          </a:solidFill>
-          <a:ln>
-            <a:solidFill>
-              <a:schemeClr val="tx1"/>
-            </a:solidFill>
-          </a:ln>
-          <a:effectLst/>
-          <a:extLst>
-            <a:ext uri="{FAA26D3D-D897-4be2-8F04-BA451C77F1D7}">
-              <ma14:placeholderFlag xmlns="" xmlns:ma14="http://schemas.microsoft.com/office/mac/drawingml/2011/main"/>
-            </a:ext>
-            <a:ext uri="{C572A759-6A51-4108-AA02-DFA0A04FC94B}">
-              <ma14:wrappingTextBoxFlag xmlns="" xmlns:ma14="http://schemas.microsoft.com/office/mac/drawingml/2011/main"/>
-            </a:ext>
-          </a:extLst>
-        </p:spPr>
-        <p:style>
-          <a:lnRef idx="1">
-            <a:schemeClr val="accent1"/>
-          </a:lnRef>
-          <a:fillRef idx="3">
-            <a:schemeClr val="accent1"/>
-          </a:fillRef>
-          <a:effectRef idx="2">
-            <a:schemeClr val="accent1"/>
-          </a:effectRef>
-          <a:fontRef idx="minor">
-            <a:schemeClr val="lt1"/>
-          </a:fontRef>
-        </p:style>
-        <p:txBody>
-          <a:bodyPr rot="0" spcFirstLastPara="0" vert="horz" wrap="square" lIns="91440" tIns="45720" rIns="91440" bIns="45720" numCol="1" spcCol="0" rtlCol="0" fromWordArt="0" anchor="ctr" anchorCtr="0" forceAA="0" compatLnSpc="1">
-            <a:prstTxWarp prst="textNoShape">
-              <a:avLst/>
-            </a:prstTxWarp>
-            <a:noAutofit/>
-          </a:bodyPr>
-          <a:lstStyle/>
-          <a:p>
-            <a:pPr marL="0" marR="0">
-              <a:spcBef>
-                <a:spcPts val="0"/>
-              </a:spcBef>
-              <a:spcAft>
-                <a:spcPts val="0"/>
-              </a:spcAft>
-            </a:pPr>
-            <a:endParaRPr lang="en-US" sz="1200" dirty="0">
-              <a:effectLst/>
-              <a:ea typeface="Calibri"/>
-              <a:cs typeface="Times New Roman"/>
-            </a:endParaRPr>
-          </a:p>
-        </p:txBody>
-      </p:sp>
-      <p:sp>
-        <p:nvSpPr>
           <p:cNvPr id="2" name="Title 1"/>
           <p:cNvSpPr>
             <a:spLocks noGrp="1"/>
@@ -10261,7 +9984,7 @@
                 <a:latin typeface="Calibri" panose="020F0502020204030204" pitchFamily="34" charset="0"/>
                 <a:cs typeface="Calibri" panose="020F0502020204030204" pitchFamily="34" charset="0"/>
               </a:rPr>
-              <a:t>Basic Thinking Process Model</a:t>
+              <a:t>Improving Your Thinking Process </a:t>
             </a:r>
           </a:p>
         </p:txBody>
@@ -10284,7 +10007,7 @@
         </p:spPr>
         <p:txBody>
           <a:bodyPr>
-            <a:normAutofit fontScale="92500" lnSpcReduction="20000"/>
+            <a:normAutofit lnSpcReduction="10000"/>
           </a:bodyPr>
           <a:lstStyle/>
           <a:p>
@@ -10292,14 +10015,14 @@
               <a:buNone/>
             </a:pPr>
             <a:r>
-              <a:rPr lang="en-US" u="sng" dirty="0">
+              <a:rPr lang="en-US" sz="2800" u="sng" dirty="0">
                 <a:latin typeface="Calibri" panose="020F0502020204030204" pitchFamily="34" charset="0"/>
                 <a:cs typeface="Calibri" panose="020F0502020204030204" pitchFamily="34" charset="0"/>
               </a:rPr>
               <a:t>When faced with a complex question</a:t>
             </a:r>
             <a:r>
-              <a:rPr lang="en-US" dirty="0">
+              <a:rPr lang="en-US" sz="2800" dirty="0">
                 <a:latin typeface="Calibri" panose="020F0502020204030204" pitchFamily="34" charset="0"/>
                 <a:cs typeface="Calibri" panose="020F0502020204030204" pitchFamily="34" charset="0"/>
               </a:rPr>
@@ -10308,21 +10031,21 @@
           </a:p>
           <a:p>
             <a:r>
-              <a:rPr lang="en-US" i="1" dirty="0">
+              <a:rPr lang="en-US" sz="2800" i="1" dirty="0">
                 <a:latin typeface="Calibri" panose="020F0502020204030204" pitchFamily="34" charset="0"/>
                 <a:cs typeface="Calibri" panose="020F0502020204030204" pitchFamily="34" charset="0"/>
               </a:rPr>
               <a:t>Information</a:t>
             </a:r>
             <a:r>
-              <a:rPr lang="en-US" dirty="0">
+              <a:rPr lang="en-US" sz="2800" dirty="0">
                 <a:latin typeface="Calibri" panose="020F0502020204030204" pitchFamily="34" charset="0"/>
                 <a:cs typeface="Calibri" panose="020F0502020204030204" pitchFamily="34" charset="0"/>
               </a:rPr>
               <a:t>: what do we </a:t>
             </a:r>
             <a:r>
-              <a:rPr lang="en-US" b="1" dirty="0">
+              <a:rPr lang="en-US" sz="2800" b="1" dirty="0">
                 <a:latin typeface="Calibri" panose="020F0502020204030204" pitchFamily="34" charset="0"/>
                 <a:cs typeface="Calibri" panose="020F0502020204030204" pitchFamily="34" charset="0"/>
               </a:rPr>
@@ -10332,7 +10055,7 @@
           <a:p>
             <a:pPr lvl="1"/>
             <a:r>
-              <a:rPr lang="en-US" dirty="0">
+              <a:rPr lang="en-US" sz="2400" dirty="0">
                 <a:latin typeface="Calibri" panose="020F0502020204030204" pitchFamily="34" charset="0"/>
                 <a:cs typeface="Calibri" panose="020F0502020204030204" pitchFamily="34" charset="0"/>
               </a:rPr>
@@ -10342,7 +10065,7 @@
           <a:p>
             <a:pPr lvl="1"/>
             <a:r>
-              <a:rPr lang="en-US" dirty="0">
+              <a:rPr lang="en-US" sz="2400" dirty="0">
                 <a:latin typeface="Calibri" panose="020F0502020204030204" pitchFamily="34" charset="0"/>
                 <a:cs typeface="Calibri" panose="020F0502020204030204" pitchFamily="34" charset="0"/>
               </a:rPr>
@@ -10351,14 +10074,14 @@
           </a:p>
           <a:p>
             <a:r>
-              <a:rPr lang="en-US" dirty="0">
+              <a:rPr lang="en-US" sz="2800" dirty="0">
                 <a:latin typeface="Calibri" panose="020F0502020204030204" pitchFamily="34" charset="0"/>
                 <a:cs typeface="Calibri" panose="020F0502020204030204" pitchFamily="34" charset="0"/>
               </a:rPr>
               <a:t>What more do we </a:t>
             </a:r>
             <a:r>
-              <a:rPr lang="en-US" b="1" dirty="0">
+              <a:rPr lang="en-US" sz="2800" b="1" dirty="0">
                 <a:latin typeface="Calibri" panose="020F0502020204030204" pitchFamily="34" charset="0"/>
                 <a:cs typeface="Calibri" panose="020F0502020204030204" pitchFamily="34" charset="0"/>
               </a:rPr>
@@ -10368,14 +10091,14 @@
           <a:p>
             <a:pPr lvl="1"/>
             <a:r>
-              <a:rPr lang="en-US" b="1" dirty="0">
+              <a:rPr lang="en-US" sz="2400" b="1" dirty="0">
                 <a:latin typeface="Calibri" panose="020F0502020204030204" pitchFamily="34" charset="0"/>
                 <a:cs typeface="Calibri" panose="020F0502020204030204" pitchFamily="34" charset="0"/>
               </a:rPr>
               <a:t>Where, how </a:t>
             </a:r>
             <a:r>
-              <a:rPr lang="en-US" dirty="0">
+              <a:rPr lang="en-US" sz="2400" dirty="0">
                 <a:latin typeface="Calibri" panose="020F0502020204030204" pitchFamily="34" charset="0"/>
                 <a:cs typeface="Calibri" panose="020F0502020204030204" pitchFamily="34" charset="0"/>
               </a:rPr>
@@ -10384,28 +10107,28 @@
           </a:p>
           <a:p>
             <a:r>
-              <a:rPr lang="en-US" i="1" dirty="0">
+              <a:rPr lang="en-US" sz="2800" i="1" dirty="0">
                 <a:latin typeface="Calibri" panose="020F0502020204030204" pitchFamily="34" charset="0"/>
                 <a:cs typeface="Calibri" panose="020F0502020204030204" pitchFamily="34" charset="0"/>
               </a:rPr>
               <a:t>Thinking process</a:t>
             </a:r>
             <a:r>
-              <a:rPr lang="en-US" dirty="0">
+              <a:rPr lang="en-US" sz="2800" dirty="0">
                 <a:latin typeface="Calibri" panose="020F0502020204030204" pitchFamily="34" charset="0"/>
                 <a:cs typeface="Calibri" panose="020F0502020204030204" pitchFamily="34" charset="0"/>
               </a:rPr>
               <a:t>: is this my </a:t>
             </a:r>
             <a:r>
-              <a:rPr lang="en-US" b="1" dirty="0">
+              <a:rPr lang="en-US" sz="2800" b="1" dirty="0">
                 <a:latin typeface="Calibri" panose="020F0502020204030204" pitchFamily="34" charset="0"/>
                 <a:cs typeface="Calibri" panose="020F0502020204030204" pitchFamily="34" charset="0"/>
               </a:rPr>
               <a:t>opinion, or facts</a:t>
             </a:r>
             <a:r>
-              <a:rPr lang="en-US" dirty="0">
+              <a:rPr lang="en-US" sz="2800" dirty="0">
                 <a:latin typeface="Calibri" panose="020F0502020204030204" pitchFamily="34" charset="0"/>
                 <a:cs typeface="Calibri" panose="020F0502020204030204" pitchFamily="34" charset="0"/>
               </a:rPr>
@@ -10415,7 +10138,7 @@
           <a:p>
             <a:pPr lvl="1"/>
             <a:r>
-              <a:rPr lang="en-US" dirty="0">
+              <a:rPr lang="en-US" sz="2400" dirty="0">
                 <a:latin typeface="Calibri" panose="020F0502020204030204" pitchFamily="34" charset="0"/>
                 <a:cs typeface="Calibri" panose="020F0502020204030204" pitchFamily="34" charset="0"/>
               </a:rPr>
@@ -10475,7 +10198,7 @@
         </p:blipFill>
         <p:spPr>
           <a:xfrm>
-            <a:off x="6092048" y="396459"/>
+            <a:off x="6302360" y="423891"/>
             <a:ext cx="783858" cy="546243"/>
           </a:xfrm>
           <a:prstGeom prst="rect">
@@ -10528,14 +10251,14 @@
           <a:ln/>
           <a:extLst>
             <a:ext uri="{909E8E84-426E-40dd-AFC4-6F175D3DCCD1}">
-              <a14:hiddenFill xmlns="" xmlns:a14="http://schemas.microsoft.com/office/drawing/2010/main">
+              <a14:hiddenFill xmlns:a14="http://schemas.microsoft.com/office/drawing/2010/main" xmlns="">
                 <a:solidFill>
                   <a:srgbClr val="FFFFFF"/>
                 </a:solidFill>
               </a14:hiddenFill>
             </a:ext>
             <a:ext uri="{91240B29-F687-4f45-9708-019B960494DF}">
-              <a14:hiddenLine xmlns="" xmlns:a14="http://schemas.microsoft.com/office/drawing/2010/main" w="9525">
+              <a14:hiddenLine xmlns:a14="http://schemas.microsoft.com/office/drawing/2010/main" xmlns="" w="9525">
                 <a:solidFill>
                   <a:srgbClr val="000000"/>
                 </a:solidFill>
@@ -10690,7 +10413,7 @@
         </p:blipFill>
         <p:spPr bwMode="auto">
           <a:xfrm>
-            <a:off x="757378" y="53558"/>
+            <a:off x="757378" y="263870"/>
             <a:ext cx="7481975" cy="2703910"/>
           </a:xfrm>
           <a:prstGeom prst="rect">
@@ -10702,14 +10425,14 @@
           </a:ln>
           <a:extLst>
             <a:ext uri="{909E8E84-426E-40dd-AFC4-6F175D3DCCD1}">
-              <a14:hiddenFill xmlns="" xmlns:a14="http://schemas.microsoft.com/office/drawing/2010/main">
+              <a14:hiddenFill xmlns:a14="http://schemas.microsoft.com/office/drawing/2010/main" xmlns="">
                 <a:solidFill>
                   <a:srgbClr val="FFFFFF"/>
                 </a:solidFill>
               </a14:hiddenFill>
             </a:ext>
             <a:ext uri="{91240B29-F687-4f45-9708-019B960494DF}">
-              <a14:hiddenLine xmlns="" xmlns:a14="http://schemas.microsoft.com/office/drawing/2010/main" w="9525">
+              <a14:hiddenLine xmlns:a14="http://schemas.microsoft.com/office/drawing/2010/main" xmlns="" w="9525">
                 <a:solidFill>
                   <a:srgbClr val="000000"/>
                 </a:solidFill>
@@ -10731,7 +10454,7 @@
         </p:nvSpPr>
         <p:spPr bwMode="auto">
           <a:xfrm>
-            <a:off x="484632" y="2959019"/>
+            <a:off x="484632" y="3169331"/>
             <a:ext cx="8305800" cy="1384995"/>
           </a:xfrm>
           <a:prstGeom prst="rect">
@@ -10970,14 +10693,14 @@
           <a:ln/>
           <a:extLst>
             <a:ext uri="{909E8E84-426E-40dd-AFC4-6F175D3DCCD1}">
-              <a14:hiddenFill xmlns="" xmlns:a14="http://schemas.microsoft.com/office/drawing/2010/main">
+              <a14:hiddenFill xmlns:a14="http://schemas.microsoft.com/office/drawing/2010/main" xmlns="">
                 <a:solidFill>
                   <a:srgbClr val="FFFFFF"/>
                 </a:solidFill>
               </a14:hiddenFill>
             </a:ext>
             <a:ext uri="{91240B29-F687-4f45-9708-019B960494DF}">
-              <a14:hiddenLine xmlns="" xmlns:a14="http://schemas.microsoft.com/office/drawing/2010/main" w="9525">
+              <a14:hiddenLine xmlns:a14="http://schemas.microsoft.com/office/drawing/2010/main" xmlns="" w="9525">
                 <a:solidFill>
                   <a:srgbClr val="000000"/>
                 </a:solidFill>
@@ -11132,7 +10855,7 @@
         </p:blipFill>
         <p:spPr bwMode="auto">
           <a:xfrm>
-            <a:off x="589072" y="1"/>
+            <a:off x="589072" y="329185"/>
             <a:ext cx="7918042" cy="2689622"/>
           </a:xfrm>
           <a:prstGeom prst="rect">
@@ -11144,14 +10867,14 @@
           </a:ln>
           <a:extLst>
             <a:ext uri="{909E8E84-426E-40dd-AFC4-6F175D3DCCD1}">
-              <a14:hiddenFill xmlns="" xmlns:a14="http://schemas.microsoft.com/office/drawing/2010/main">
+              <a14:hiddenFill xmlns:a14="http://schemas.microsoft.com/office/drawing/2010/main" xmlns="">
                 <a:solidFill>
                   <a:srgbClr val="FFFFFF"/>
                 </a:solidFill>
               </a14:hiddenFill>
             </a:ext>
             <a:ext uri="{91240B29-F687-4f45-9708-019B960494DF}">
-              <a14:hiddenLine xmlns="" xmlns:a14="http://schemas.microsoft.com/office/drawing/2010/main" w="9525">
+              <a14:hiddenLine xmlns:a14="http://schemas.microsoft.com/office/drawing/2010/main" xmlns="" w="9525">
                 <a:solidFill>
                   <a:srgbClr val="000000"/>
                 </a:solidFill>
@@ -11171,7 +10894,7 @@
         </p:nvSpPr>
         <p:spPr>
           <a:xfrm>
-            <a:off x="94019" y="3573"/>
+            <a:off x="94019" y="378477"/>
             <a:ext cx="8973781" cy="2686050"/>
           </a:xfrm>
           <a:prstGeom prst="rect">
@@ -11229,8 +10952,8 @@
         </p:nvSpPr>
         <p:spPr bwMode="auto">
           <a:xfrm>
-            <a:off x="838200" y="2971801"/>
-            <a:ext cx="7315200" cy="1692771"/>
+            <a:off x="890493" y="3177231"/>
+            <a:ext cx="7315200" cy="1477328"/>
           </a:xfrm>
           <a:prstGeom prst="rect">
             <a:avLst/>
@@ -11241,14 +10964,14 @@
           </a:ln>
           <a:extLst>
             <a:ext uri="{909E8E84-426E-40dd-AFC4-6F175D3DCCD1}">
-              <a14:hiddenFill xmlns="" xmlns:a14="http://schemas.microsoft.com/office/drawing/2010/main">
+              <a14:hiddenFill xmlns:a14="http://schemas.microsoft.com/office/drawing/2010/main" xmlns="">
                 <a:solidFill>
                   <a:srgbClr val="FFFFFF"/>
                 </a:solidFill>
               </a14:hiddenFill>
             </a:ext>
             <a:ext uri="{91240B29-F687-4f45-9708-019B960494DF}">
-              <a14:hiddenLine xmlns="" xmlns:a14="http://schemas.microsoft.com/office/drawing/2010/main" w="9525">
+              <a14:hiddenLine xmlns:a14="http://schemas.microsoft.com/office/drawing/2010/main" xmlns="" w="9525">
                 <a:solidFill>
                   <a:srgbClr val="000000"/>
                 </a:solidFill>
@@ -11383,7 +11106,7 @@
           </a:p>
           <a:p>
             <a:pPr eaLnBrk="1" hangingPunct="1"/>
-            <a:endParaRPr lang="en-US" sz="2600" dirty="0">
+            <a:endParaRPr lang="en-US" sz="1200" dirty="0">
               <a:latin typeface="Calibri" panose="020F0502020204030204" pitchFamily="34" charset="0"/>
               <a:cs typeface="Calibri" panose="020F0502020204030204" pitchFamily="34" charset="0"/>
             </a:endParaRPr>
@@ -11445,14 +11168,14 @@
           <a:ln/>
           <a:extLst>
             <a:ext uri="{909E8E84-426E-40dd-AFC4-6F175D3DCCD1}">
-              <a14:hiddenFill xmlns="" xmlns:a14="http://schemas.microsoft.com/office/drawing/2010/main">
+              <a14:hiddenFill xmlns:a14="http://schemas.microsoft.com/office/drawing/2010/main" xmlns="">
                 <a:solidFill>
                   <a:srgbClr val="FFFFFF"/>
                 </a:solidFill>
               </a14:hiddenFill>
             </a:ext>
             <a:ext uri="{91240B29-F687-4f45-9708-019B960494DF}">
-              <a14:hiddenLine xmlns="" xmlns:a14="http://schemas.microsoft.com/office/drawing/2010/main" w="9525">
+              <a14:hiddenLine xmlns:a14="http://schemas.microsoft.com/office/drawing/2010/main" xmlns="" w="9525">
                 <a:solidFill>
                   <a:srgbClr val="000000"/>
                 </a:solidFill>
@@ -11594,7 +11317,7 @@
         </p:nvSpPr>
         <p:spPr bwMode="auto">
           <a:xfrm>
-            <a:off x="4419600" y="1763998"/>
+            <a:off x="4419600" y="2056606"/>
             <a:ext cx="4343400" cy="2246769"/>
           </a:xfrm>
           <a:prstGeom prst="rect">
@@ -11606,14 +11329,14 @@
           </a:ln>
           <a:extLst>
             <a:ext uri="{909E8E84-426E-40dd-AFC4-6F175D3DCCD1}">
-              <a14:hiddenFill xmlns="" xmlns:a14="http://schemas.microsoft.com/office/drawing/2010/main">
+              <a14:hiddenFill xmlns:a14="http://schemas.microsoft.com/office/drawing/2010/main" xmlns="">
                 <a:solidFill>
                   <a:srgbClr val="FFFFFF"/>
                 </a:solidFill>
               </a14:hiddenFill>
             </a:ext>
             <a:ext uri="{91240B29-F687-4f45-9708-019B960494DF}">
-              <a14:hiddenLine xmlns="" xmlns:a14="http://schemas.microsoft.com/office/drawing/2010/main" w="9525">
+              <a14:hiddenLine xmlns:a14="http://schemas.microsoft.com/office/drawing/2010/main" xmlns="" w="9525">
                 <a:solidFill>
                   <a:srgbClr val="000000"/>
                 </a:solidFill>
@@ -11803,14 +11526,14 @@
           </a:ln>
           <a:extLst>
             <a:ext uri="{909E8E84-426E-40dd-AFC4-6F175D3DCCD1}">
-              <a14:hiddenFill xmlns="" xmlns:a14="http://schemas.microsoft.com/office/drawing/2010/main">
+              <a14:hiddenFill xmlns:a14="http://schemas.microsoft.com/office/drawing/2010/main" xmlns="">
                 <a:solidFill>
                   <a:srgbClr val="FFFFFF"/>
                 </a:solidFill>
               </a14:hiddenFill>
             </a:ext>
             <a:ext uri="{91240B29-F687-4f45-9708-019B960494DF}">
-              <a14:hiddenLine xmlns="" xmlns:a14="http://schemas.microsoft.com/office/drawing/2010/main" w="9525">
+              <a14:hiddenLine xmlns:a14="http://schemas.microsoft.com/office/drawing/2010/main" xmlns="" w="9525">
                 <a:solidFill>
                   <a:srgbClr val="000000"/>
                 </a:solidFill>
@@ -11845,7 +11568,7 @@
         </p:blipFill>
         <p:spPr bwMode="auto">
           <a:xfrm>
-            <a:off x="487355" y="8335"/>
+            <a:off x="487355" y="154639"/>
             <a:ext cx="7864490" cy="1363265"/>
           </a:xfrm>
           <a:prstGeom prst="rect">
@@ -11857,14 +11580,14 @@
           </a:ln>
           <a:extLst>
             <a:ext uri="{909E8E84-426E-40dd-AFC4-6F175D3DCCD1}">
-              <a14:hiddenFill xmlns="" xmlns:a14="http://schemas.microsoft.com/office/drawing/2010/main">
+              <a14:hiddenFill xmlns:a14="http://schemas.microsoft.com/office/drawing/2010/main" xmlns="">
                 <a:solidFill>
                   <a:srgbClr val="FFFFFF"/>
                 </a:solidFill>
               </a14:hiddenFill>
             </a:ext>
             <a:ext uri="{91240B29-F687-4f45-9708-019B960494DF}">
-              <a14:hiddenLine xmlns="" xmlns:a14="http://schemas.microsoft.com/office/drawing/2010/main" w="9525">
+              <a14:hiddenLine xmlns:a14="http://schemas.microsoft.com/office/drawing/2010/main" xmlns="" w="9525">
                 <a:solidFill>
                   <a:srgbClr val="000000"/>
                 </a:solidFill>
@@ -11921,14 +11644,14 @@
           <a:ln/>
           <a:extLst>
             <a:ext uri="{909E8E84-426E-40dd-AFC4-6F175D3DCCD1}">
-              <a14:hiddenFill xmlns="" xmlns:a14="http://schemas.microsoft.com/office/drawing/2010/main">
+              <a14:hiddenFill xmlns:a14="http://schemas.microsoft.com/office/drawing/2010/main" xmlns="">
                 <a:solidFill>
                   <a:srgbClr val="FFFFFF"/>
                 </a:solidFill>
               </a14:hiddenFill>
             </a:ext>
             <a:ext uri="{91240B29-F687-4f45-9708-019B960494DF}">
-              <a14:hiddenLine xmlns="" xmlns:a14="http://schemas.microsoft.com/office/drawing/2010/main" w="9525">
+              <a14:hiddenLine xmlns:a14="http://schemas.microsoft.com/office/drawing/2010/main" xmlns="" w="9525">
                 <a:solidFill>
                   <a:srgbClr val="000000"/>
                 </a:solidFill>
@@ -12082,14 +11805,14 @@
           </a:ln>
           <a:extLst>
             <a:ext uri="{909E8E84-426E-40dd-AFC4-6F175D3DCCD1}">
-              <a14:hiddenFill xmlns="" xmlns:a14="http://schemas.microsoft.com/office/drawing/2010/main">
+              <a14:hiddenFill xmlns:a14="http://schemas.microsoft.com/office/drawing/2010/main" xmlns="">
                 <a:solidFill>
                   <a:srgbClr val="FFFFFF"/>
                 </a:solidFill>
               </a14:hiddenFill>
             </a:ext>
             <a:ext uri="{91240B29-F687-4f45-9708-019B960494DF}">
-              <a14:hiddenLine xmlns="" xmlns:a14="http://schemas.microsoft.com/office/drawing/2010/main" w="9525">
+              <a14:hiddenLine xmlns:a14="http://schemas.microsoft.com/office/drawing/2010/main" xmlns="" w="9525">
                 <a:solidFill>
                   <a:srgbClr val="000000"/>
                 </a:solidFill>
@@ -12559,14 +12282,14 @@
           </a:ln>
           <a:extLst>
             <a:ext uri="{909E8E84-426E-40dd-AFC4-6F175D3DCCD1}">
-              <a14:hiddenFill xmlns="" xmlns:a14="http://schemas.microsoft.com/office/drawing/2010/main">
+              <a14:hiddenFill xmlns:a14="http://schemas.microsoft.com/office/drawing/2010/main" xmlns="">
                 <a:solidFill>
                   <a:srgbClr val="FFFFFF"/>
                 </a:solidFill>
               </a14:hiddenFill>
             </a:ext>
             <a:ext uri="{91240B29-F687-4f45-9708-019B960494DF}">
-              <a14:hiddenLine xmlns="" xmlns:a14="http://schemas.microsoft.com/office/drawing/2010/main" w="9525">
+              <a14:hiddenLine xmlns:a14="http://schemas.microsoft.com/office/drawing/2010/main" xmlns="" w="9525">
                 <a:solidFill>
                   <a:srgbClr val="000000"/>
                 </a:solidFill>
@@ -12623,14 +12346,14 @@
           <a:ln/>
           <a:extLst>
             <a:ext uri="{909E8E84-426E-40dd-AFC4-6F175D3DCCD1}">
-              <a14:hiddenFill xmlns="" xmlns:a14="http://schemas.microsoft.com/office/drawing/2010/main">
+              <a14:hiddenFill xmlns:a14="http://schemas.microsoft.com/office/drawing/2010/main" xmlns="">
                 <a:solidFill>
                   <a:srgbClr val="FFFFFF"/>
                 </a:solidFill>
               </a14:hiddenFill>
             </a:ext>
             <a:ext uri="{91240B29-F687-4f45-9708-019B960494DF}">
-              <a14:hiddenLine xmlns="" xmlns:a14="http://schemas.microsoft.com/office/drawing/2010/main" w="9525">
+              <a14:hiddenLine xmlns:a14="http://schemas.microsoft.com/office/drawing/2010/main" xmlns="" w="9525">
                 <a:solidFill>
                   <a:srgbClr val="000000"/>
                 </a:solidFill>
@@ -12793,7 +12516,7 @@
                 <a:latin typeface="Calibri" panose="020F0502020204030204" pitchFamily="34" charset="0"/>
                 <a:cs typeface="Calibri" panose="020F0502020204030204" pitchFamily="34" charset="0"/>
               </a:rPr>
-              <a:t>Results of Analysis</a:t>
+              <a:t>Results of the Analysis</a:t>
             </a:r>
           </a:p>
         </p:txBody>
@@ -12951,14 +12674,14 @@
           <a:ln/>
           <a:extLst>
             <a:ext uri="{909E8E84-426E-40dd-AFC4-6F175D3DCCD1}">
-              <a14:hiddenFill xmlns="" xmlns:a14="http://schemas.microsoft.com/office/drawing/2010/main">
+              <a14:hiddenFill xmlns:a14="http://schemas.microsoft.com/office/drawing/2010/main" xmlns="">
                 <a:solidFill>
                   <a:srgbClr val="FFFFFF"/>
                 </a:solidFill>
               </a14:hiddenFill>
             </a:ext>
             <a:ext uri="{91240B29-F687-4f45-9708-019B960494DF}">
-              <a14:hiddenLine xmlns="" xmlns:a14="http://schemas.microsoft.com/office/drawing/2010/main" w="9525">
+              <a14:hiddenLine xmlns:a14="http://schemas.microsoft.com/office/drawing/2010/main" xmlns="" w="9525">
                 <a:solidFill>
                   <a:srgbClr val="000000"/>
                 </a:solidFill>
@@ -13112,14 +12835,14 @@
           </a:ln>
           <a:extLst>
             <a:ext uri="{909E8E84-426E-40dd-AFC4-6F175D3DCCD1}">
-              <a14:hiddenFill xmlns="" xmlns:a14="http://schemas.microsoft.com/office/drawing/2010/main">
+              <a14:hiddenFill xmlns:a14="http://schemas.microsoft.com/office/drawing/2010/main" xmlns="">
                 <a:solidFill>
                   <a:srgbClr val="FFFFFF"/>
                 </a:solidFill>
               </a14:hiddenFill>
             </a:ext>
             <a:ext uri="{91240B29-F687-4f45-9708-019B960494DF}">
-              <a14:hiddenLine xmlns="" xmlns:a14="http://schemas.microsoft.com/office/drawing/2010/main" w="9525">
+              <a14:hiddenLine xmlns:a14="http://schemas.microsoft.com/office/drawing/2010/main" xmlns="" w="9525">
                 <a:solidFill>
                   <a:srgbClr val="000000"/>
                 </a:solidFill>
@@ -13270,14 +12993,14 @@
           </a:ln>
           <a:extLst>
             <a:ext uri="{909E8E84-426E-40dd-AFC4-6F175D3DCCD1}">
-              <a14:hiddenFill xmlns="" xmlns:a14="http://schemas.microsoft.com/office/drawing/2010/main">
+              <a14:hiddenFill xmlns:a14="http://schemas.microsoft.com/office/drawing/2010/main" xmlns="">
                 <a:solidFill>
                   <a:srgbClr val="FFFFFF"/>
                 </a:solidFill>
               </a14:hiddenFill>
             </a:ext>
             <a:ext uri="{91240B29-F687-4f45-9708-019B960494DF}">
-              <a14:hiddenLine xmlns="" xmlns:a14="http://schemas.microsoft.com/office/drawing/2010/main" w="9525">
+              <a14:hiddenLine xmlns:a14="http://schemas.microsoft.com/office/drawing/2010/main" xmlns="" w="9525">
                 <a:solidFill>
                   <a:srgbClr val="000000"/>
                 </a:solidFill>
@@ -13615,14 +13338,14 @@
           </a:ln>
           <a:extLst>
             <a:ext uri="{909E8E84-426E-40dd-AFC4-6F175D3DCCD1}">
-              <a14:hiddenFill xmlns="" xmlns:a14="http://schemas.microsoft.com/office/drawing/2010/main">
+              <a14:hiddenFill xmlns:a14="http://schemas.microsoft.com/office/drawing/2010/main" xmlns="">
                 <a:solidFill>
                   <a:srgbClr val="FFFFFF"/>
                 </a:solidFill>
               </a14:hiddenFill>
             </a:ext>
             <a:ext uri="{91240B29-F687-4f45-9708-019B960494DF}">
-              <a14:hiddenLine xmlns="" xmlns:a14="http://schemas.microsoft.com/office/drawing/2010/main" w="9525">
+              <a14:hiddenLine xmlns:a14="http://schemas.microsoft.com/office/drawing/2010/main" xmlns="" w="9525">
                 <a:solidFill>
                   <a:srgbClr val="000000"/>
                 </a:solidFill>
@@ -13679,14 +13402,14 @@
           <a:ln/>
           <a:extLst>
             <a:ext uri="{909E8E84-426E-40dd-AFC4-6F175D3DCCD1}">
-              <a14:hiddenFill xmlns="" xmlns:a14="http://schemas.microsoft.com/office/drawing/2010/main">
+              <a14:hiddenFill xmlns:a14="http://schemas.microsoft.com/office/drawing/2010/main" xmlns="">
                 <a:solidFill>
                   <a:srgbClr val="FFFFFF"/>
                 </a:solidFill>
               </a14:hiddenFill>
             </a:ext>
             <a:ext uri="{91240B29-F687-4f45-9708-019B960494DF}">
-              <a14:hiddenLine xmlns="" xmlns:a14="http://schemas.microsoft.com/office/drawing/2010/main" w="9525">
+              <a14:hiddenLine xmlns:a14="http://schemas.microsoft.com/office/drawing/2010/main" xmlns="" w="9525">
                 <a:solidFill>
                   <a:srgbClr val="000000"/>
                 </a:solidFill>
@@ -13840,14 +13563,14 @@
           </a:ln>
           <a:extLst>
             <a:ext uri="{909E8E84-426E-40dd-AFC4-6F175D3DCCD1}">
-              <a14:hiddenFill xmlns="" xmlns:a14="http://schemas.microsoft.com/office/drawing/2010/main">
+              <a14:hiddenFill xmlns:a14="http://schemas.microsoft.com/office/drawing/2010/main" xmlns="">
                 <a:solidFill>
                   <a:srgbClr val="FFFFFF"/>
                 </a:solidFill>
               </a14:hiddenFill>
             </a:ext>
             <a:ext uri="{91240B29-F687-4f45-9708-019B960494DF}">
-              <a14:hiddenLine xmlns="" xmlns:a14="http://schemas.microsoft.com/office/drawing/2010/main" w="9525">
+              <a14:hiddenLine xmlns:a14="http://schemas.microsoft.com/office/drawing/2010/main" xmlns="" w="9525">
                 <a:solidFill>
                   <a:srgbClr val="000000"/>
                 </a:solidFill>
@@ -14001,14 +13724,14 @@
           </a:ln>
           <a:extLst>
             <a:ext uri="{909E8E84-426E-40dd-AFC4-6F175D3DCCD1}">
-              <a14:hiddenFill xmlns="" xmlns:a14="http://schemas.microsoft.com/office/drawing/2010/main">
+              <a14:hiddenFill xmlns:a14="http://schemas.microsoft.com/office/drawing/2010/main" xmlns="">
                 <a:solidFill>
                   <a:srgbClr val="FFFFFF"/>
                 </a:solidFill>
               </a14:hiddenFill>
             </a:ext>
             <a:ext uri="{91240B29-F687-4f45-9708-019B960494DF}">
-              <a14:hiddenLine xmlns="" xmlns:a14="http://schemas.microsoft.com/office/drawing/2010/main" w="9525">
+              <a14:hiddenLine xmlns:a14="http://schemas.microsoft.com/office/drawing/2010/main" xmlns="" w="9525">
                 <a:solidFill>
                   <a:srgbClr val="000000"/>
                 </a:solidFill>
@@ -14192,14 +13915,14 @@
           </a:ln>
           <a:extLst>
             <a:ext uri="{909E8E84-426E-40dd-AFC4-6F175D3DCCD1}">
-              <a14:hiddenFill xmlns="" xmlns:a14="http://schemas.microsoft.com/office/drawing/2010/main">
+              <a14:hiddenFill xmlns:a14="http://schemas.microsoft.com/office/drawing/2010/main" xmlns="">
                 <a:solidFill>
                   <a:srgbClr val="FFFFFF"/>
                 </a:solidFill>
               </a14:hiddenFill>
             </a:ext>
             <a:ext uri="{91240B29-F687-4f45-9708-019B960494DF}">
-              <a14:hiddenLine xmlns="" xmlns:a14="http://schemas.microsoft.com/office/drawing/2010/main" w="9525">
+              <a14:hiddenLine xmlns:a14="http://schemas.microsoft.com/office/drawing/2010/main" xmlns="" w="9525">
                 <a:solidFill>
                   <a:srgbClr val="000000"/>
                 </a:solidFill>
@@ -14234,7 +13957,7 @@
         </p:blipFill>
         <p:spPr bwMode="auto">
           <a:xfrm>
-            <a:off x="757378" y="0"/>
+            <a:off x="757378" y="146304"/>
             <a:ext cx="7382522" cy="1363265"/>
           </a:xfrm>
           <a:prstGeom prst="rect">
@@ -14246,14 +13969,14 @@
           </a:ln>
           <a:extLst>
             <a:ext uri="{909E8E84-426E-40dd-AFC4-6F175D3DCCD1}">
-              <a14:hiddenFill xmlns="" xmlns:a14="http://schemas.microsoft.com/office/drawing/2010/main">
+              <a14:hiddenFill xmlns:a14="http://schemas.microsoft.com/office/drawing/2010/main" xmlns="">
                 <a:solidFill>
                   <a:srgbClr val="FFFFFF"/>
                 </a:solidFill>
               </a14:hiddenFill>
             </a:ext>
             <a:ext uri="{91240B29-F687-4f45-9708-019B960494DF}">
-              <a14:hiddenLine xmlns="" xmlns:a14="http://schemas.microsoft.com/office/drawing/2010/main" w="9525">
+              <a14:hiddenLine xmlns:a14="http://schemas.microsoft.com/office/drawing/2010/main" xmlns="" w="9525">
                 <a:solidFill>
                   <a:srgbClr val="000000"/>
                 </a:solidFill>
@@ -14310,14 +14033,14 @@
           <a:ln/>
           <a:extLst>
             <a:ext uri="{909E8E84-426E-40dd-AFC4-6F175D3DCCD1}">
-              <a14:hiddenFill xmlns="" xmlns:a14="http://schemas.microsoft.com/office/drawing/2010/main">
+              <a14:hiddenFill xmlns:a14="http://schemas.microsoft.com/office/drawing/2010/main" xmlns="">
                 <a:solidFill>
                   <a:srgbClr val="FFFFFF"/>
                 </a:solidFill>
               </a14:hiddenFill>
             </a:ext>
             <a:ext uri="{91240B29-F687-4f45-9708-019B960494DF}">
-              <a14:hiddenLine xmlns="" xmlns:a14="http://schemas.microsoft.com/office/drawing/2010/main" w="9525">
+              <a14:hiddenLine xmlns:a14="http://schemas.microsoft.com/office/drawing/2010/main" xmlns="" w="9525">
                 <a:solidFill>
                   <a:srgbClr val="000000"/>
                 </a:solidFill>
@@ -14660,14 +14383,14 @@
           <a:ln/>
           <a:extLst>
             <a:ext uri="{909E8E84-426E-40dd-AFC4-6F175D3DCCD1}">
-              <a14:hiddenFill xmlns="" xmlns:a14="http://schemas.microsoft.com/office/drawing/2010/main">
+              <a14:hiddenFill xmlns:a14="http://schemas.microsoft.com/office/drawing/2010/main" xmlns="">
                 <a:solidFill>
                   <a:srgbClr val="FFFFFF"/>
                 </a:solidFill>
               </a14:hiddenFill>
             </a:ext>
             <a:ext uri="{91240B29-F687-4f45-9708-019B960494DF}">
-              <a14:hiddenLine xmlns="" xmlns:a14="http://schemas.microsoft.com/office/drawing/2010/main" w="9525">
+              <a14:hiddenLine xmlns:a14="http://schemas.microsoft.com/office/drawing/2010/main" xmlns="" w="9525">
                 <a:solidFill>
                   <a:srgbClr val="000000"/>
                 </a:solidFill>
@@ -14821,14 +14544,14 @@
           </a:ln>
           <a:extLst>
             <a:ext uri="{909E8E84-426E-40dd-AFC4-6F175D3DCCD1}">
-              <a14:hiddenFill xmlns="" xmlns:a14="http://schemas.microsoft.com/office/drawing/2010/main">
+              <a14:hiddenFill xmlns:a14="http://schemas.microsoft.com/office/drawing/2010/main" xmlns="">
                 <a:solidFill>
                   <a:srgbClr val="FFFFFF"/>
                 </a:solidFill>
               </a14:hiddenFill>
             </a:ext>
             <a:ext uri="{91240B29-F687-4f45-9708-019B960494DF}">
-              <a14:hiddenLine xmlns="" xmlns:a14="http://schemas.microsoft.com/office/drawing/2010/main" w="9525">
+              <a14:hiddenLine xmlns:a14="http://schemas.microsoft.com/office/drawing/2010/main" xmlns="" w="9525">
                 <a:solidFill>
                   <a:srgbClr val="000000"/>
                 </a:solidFill>
@@ -14979,14 +14702,14 @@
           </a:ln>
           <a:extLst>
             <a:ext uri="{909E8E84-426E-40dd-AFC4-6F175D3DCCD1}">
-              <a14:hiddenFill xmlns="" xmlns:a14="http://schemas.microsoft.com/office/drawing/2010/main">
+              <a14:hiddenFill xmlns:a14="http://schemas.microsoft.com/office/drawing/2010/main" xmlns="">
                 <a:solidFill>
                   <a:srgbClr val="FFFFFF"/>
                 </a:solidFill>
               </a14:hiddenFill>
             </a:ext>
             <a:ext uri="{91240B29-F687-4f45-9708-019B960494DF}">
-              <a14:hiddenLine xmlns="" xmlns:a14="http://schemas.microsoft.com/office/drawing/2010/main" w="9525">
+              <a14:hiddenLine xmlns:a14="http://schemas.microsoft.com/office/drawing/2010/main" xmlns="" w="9525">
                 <a:solidFill>
                   <a:srgbClr val="000000"/>
                 </a:solidFill>
@@ -15324,14 +15047,14 @@
           </a:ln>
           <a:extLst>
             <a:ext uri="{909E8E84-426E-40dd-AFC4-6F175D3DCCD1}">
-              <a14:hiddenFill xmlns="" xmlns:a14="http://schemas.microsoft.com/office/drawing/2010/main">
+              <a14:hiddenFill xmlns:a14="http://schemas.microsoft.com/office/drawing/2010/main" xmlns="">
                 <a:solidFill>
                   <a:srgbClr val="FFFFFF"/>
                 </a:solidFill>
               </a14:hiddenFill>
             </a:ext>
             <a:ext uri="{91240B29-F687-4f45-9708-019B960494DF}">
-              <a14:hiddenLine xmlns="" xmlns:a14="http://schemas.microsoft.com/office/drawing/2010/main" w="9525">
+              <a14:hiddenLine xmlns:a14="http://schemas.microsoft.com/office/drawing/2010/main" xmlns="" w="9525">
                 <a:solidFill>
                   <a:srgbClr val="000000"/>
                 </a:solidFill>
@@ -15462,720 +15185,141 @@
       </p:grpSpPr>
       <p:sp>
         <p:nvSpPr>
-          <p:cNvPr id="51201" name="Slide Number Placeholder 3"/>
-          <p:cNvSpPr>
-            <a:spLocks noGrp="1"/>
-          </p:cNvSpPr>
-          <p:nvPr>
-            <p:ph type="sldNum" sz="quarter" idx="12"/>
-          </p:nvPr>
+          <p:cNvPr id="4" name="Rectangle 3">
+            <a:extLst>
+              <a:ext uri="{FF2B5EF4-FFF2-40B4-BE49-F238E27FC236}">
+                <a16:creationId xmlns:a16="http://schemas.microsoft.com/office/drawing/2014/main" id="{A23F3846-0545-7645-8992-1F443B1F8CD0}"/>
+              </a:ext>
+            </a:extLst>
+          </p:cNvPr>
+          <p:cNvSpPr/>
+          <p:nvPr/>
         </p:nvSpPr>
         <p:spPr>
-          <a:noFill/>
-          <a:ln/>
-          <a:extLst>
-            <a:ext uri="{909E8E84-426E-40dd-AFC4-6F175D3DCCD1}">
-              <a14:hiddenFill xmlns="" xmlns:a14="http://schemas.microsoft.com/office/drawing/2010/main">
-                <a:solidFill>
-                  <a:srgbClr val="FFFFFF"/>
-                </a:solidFill>
-              </a14:hiddenFill>
-            </a:ext>
-            <a:ext uri="{91240B29-F687-4f45-9708-019B960494DF}">
-              <a14:hiddenLine xmlns="" xmlns:a14="http://schemas.microsoft.com/office/drawing/2010/main" w="9525">
-                <a:solidFill>
-                  <a:srgbClr val="000000"/>
-                </a:solidFill>
-                <a:miter lim="800000"/>
-                <a:headEnd/>
-                <a:tailEnd/>
-              </a14:hiddenLine>
-            </a:ext>
-          </a:extLst>
-        </p:spPr>
-        <p:txBody>
-          <a:bodyPr/>
-          <a:lstStyle>
-            <a:lvl1pPr eaLnBrk="0" hangingPunct="0">
-              <a:defRPr sz="2400">
-                <a:solidFill>
-                  <a:schemeClr val="tx1"/>
-                </a:solidFill>
-                <a:latin typeface="Arial" charset="0"/>
-                <a:ea typeface="ＭＳ Ｐゴシック" charset="0"/>
-                <a:cs typeface="ＭＳ Ｐゴシック" charset="0"/>
-              </a:defRPr>
-            </a:lvl1pPr>
-            <a:lvl2pPr marL="742950" indent="-285750" eaLnBrk="0" hangingPunct="0">
-              <a:defRPr sz="2400">
-                <a:solidFill>
-                  <a:schemeClr val="tx1"/>
-                </a:solidFill>
-                <a:latin typeface="Arial" charset="0"/>
-                <a:ea typeface="ＭＳ Ｐゴシック" charset="0"/>
-              </a:defRPr>
-            </a:lvl2pPr>
-            <a:lvl3pPr marL="1143000" indent="-228600" eaLnBrk="0" hangingPunct="0">
-              <a:defRPr sz="2400">
-                <a:solidFill>
-                  <a:schemeClr val="tx1"/>
-                </a:solidFill>
-                <a:latin typeface="Arial" charset="0"/>
-                <a:ea typeface="ＭＳ Ｐゴシック" charset="0"/>
-              </a:defRPr>
-            </a:lvl3pPr>
-            <a:lvl4pPr marL="1600200" indent="-228600" eaLnBrk="0" hangingPunct="0">
-              <a:defRPr sz="2400">
-                <a:solidFill>
-                  <a:schemeClr val="tx1"/>
-                </a:solidFill>
-                <a:latin typeface="Arial" charset="0"/>
-                <a:ea typeface="ＭＳ Ｐゴシック" charset="0"/>
-              </a:defRPr>
-            </a:lvl4pPr>
-            <a:lvl5pPr marL="2057400" indent="-228600" eaLnBrk="0" hangingPunct="0">
-              <a:defRPr sz="2400">
-                <a:solidFill>
-                  <a:schemeClr val="tx1"/>
-                </a:solidFill>
-                <a:latin typeface="Arial" charset="0"/>
-                <a:ea typeface="ＭＳ Ｐゴシック" charset="0"/>
-              </a:defRPr>
-            </a:lvl5pPr>
-            <a:lvl6pPr marL="2514600" indent="-228600" eaLnBrk="0" fontAlgn="base" hangingPunct="0">
-              <a:spcBef>
-                <a:spcPct val="0"/>
-              </a:spcBef>
-              <a:spcAft>
-                <a:spcPct val="0"/>
-              </a:spcAft>
-              <a:defRPr sz="2400">
-                <a:solidFill>
-                  <a:schemeClr val="tx1"/>
-                </a:solidFill>
-                <a:latin typeface="Arial" charset="0"/>
-                <a:ea typeface="ＭＳ Ｐゴシック" charset="0"/>
-              </a:defRPr>
-            </a:lvl6pPr>
-            <a:lvl7pPr marL="2971800" indent="-228600" eaLnBrk="0" fontAlgn="base" hangingPunct="0">
-              <a:spcBef>
-                <a:spcPct val="0"/>
-              </a:spcBef>
-              <a:spcAft>
-                <a:spcPct val="0"/>
-              </a:spcAft>
-              <a:defRPr sz="2400">
-                <a:solidFill>
-                  <a:schemeClr val="tx1"/>
-                </a:solidFill>
-                <a:latin typeface="Arial" charset="0"/>
-                <a:ea typeface="ＭＳ Ｐゴシック" charset="0"/>
-              </a:defRPr>
-            </a:lvl7pPr>
-            <a:lvl8pPr marL="3429000" indent="-228600" eaLnBrk="0" fontAlgn="base" hangingPunct="0">
-              <a:spcBef>
-                <a:spcPct val="0"/>
-              </a:spcBef>
-              <a:spcAft>
-                <a:spcPct val="0"/>
-              </a:spcAft>
-              <a:defRPr sz="2400">
-                <a:solidFill>
-                  <a:schemeClr val="tx1"/>
-                </a:solidFill>
-                <a:latin typeface="Arial" charset="0"/>
-                <a:ea typeface="ＭＳ Ｐゴシック" charset="0"/>
-              </a:defRPr>
-            </a:lvl8pPr>
-            <a:lvl9pPr marL="3886200" indent="-228600" eaLnBrk="0" fontAlgn="base" hangingPunct="0">
-              <a:spcBef>
-                <a:spcPct val="0"/>
-              </a:spcBef>
-              <a:spcAft>
-                <a:spcPct val="0"/>
-              </a:spcAft>
-              <a:defRPr sz="2400">
-                <a:solidFill>
-                  <a:schemeClr val="tx1"/>
-                </a:solidFill>
-                <a:latin typeface="Arial" charset="0"/>
-                <a:ea typeface="ＭＳ Ｐゴシック" charset="0"/>
-              </a:defRPr>
-            </a:lvl9pPr>
-          </a:lstStyle>
-          <a:p>
-            <a:pPr eaLnBrk="1" hangingPunct="1"/>
-            <a:fld id="{91A8D410-01F7-4349-AE03-B190959759E3}" type="slidenum">
-              <a:rPr lang="en-US" sz="1400"/>
-              <a:pPr eaLnBrk="1" hangingPunct="1"/>
-              <a:t>20</a:t>
-            </a:fld>
-            <a:endParaRPr lang="en-US" sz="1400"/>
-          </a:p>
-        </p:txBody>
-      </p:sp>
-      <p:sp>
-        <p:nvSpPr>
-          <p:cNvPr id="51203" name="Text Box 6"/>
-          <p:cNvSpPr txBox="1">
-            <a:spLocks noChangeArrowheads="1"/>
-          </p:cNvSpPr>
-          <p:nvPr/>
-        </p:nvSpPr>
-        <p:spPr bwMode="auto">
           <a:xfrm>
-            <a:off x="746126" y="603647"/>
-            <a:ext cx="7712075" cy="369332"/>
+            <a:off x="0" y="292608"/>
+            <a:ext cx="9144000" cy="730848"/>
           </a:xfrm>
           <a:prstGeom prst="rect">
             <a:avLst/>
           </a:prstGeom>
-          <a:noFill/>
-          <a:ln>
-            <a:noFill/>
-          </a:ln>
-          <a:extLst>
-            <a:ext uri="{909E8E84-426E-40dd-AFC4-6F175D3DCCD1}">
-              <a14:hiddenFill xmlns="" xmlns:a14="http://schemas.microsoft.com/office/drawing/2010/main">
-                <a:solidFill>
-                  <a:srgbClr val="FFFFFF"/>
-                </a:solidFill>
-              </a14:hiddenFill>
-            </a:ext>
-            <a:ext uri="{91240B29-F687-4f45-9708-019B960494DF}">
-              <a14:hiddenLine xmlns="" xmlns:a14="http://schemas.microsoft.com/office/drawing/2010/main" w="9525">
-                <a:solidFill>
-                  <a:srgbClr val="000000"/>
-                </a:solidFill>
-                <a:miter lim="800000"/>
-                <a:headEnd/>
-                <a:tailEnd/>
-              </a14:hiddenLine>
-            </a:ext>
-          </a:extLst>
         </p:spPr>
-        <p:txBody>
-          <a:bodyPr>
-            <a:spAutoFit/>
-          </a:bodyPr>
-          <a:lstStyle>
-            <a:lvl1pPr eaLnBrk="0" hangingPunct="0">
-              <a:defRPr sz="2400">
-                <a:solidFill>
-                  <a:schemeClr val="tx1"/>
-                </a:solidFill>
-                <a:latin typeface="Arial" charset="0"/>
-                <a:ea typeface="ＭＳ Ｐゴシック" charset="0"/>
-                <a:cs typeface="ＭＳ Ｐゴシック" charset="0"/>
-              </a:defRPr>
-            </a:lvl1pPr>
-            <a:lvl2pPr marL="742950" indent="-285750" eaLnBrk="0" hangingPunct="0">
-              <a:defRPr sz="2400">
-                <a:solidFill>
-                  <a:schemeClr val="tx1"/>
-                </a:solidFill>
-                <a:latin typeface="Arial" charset="0"/>
-                <a:ea typeface="ＭＳ Ｐゴシック" charset="0"/>
-              </a:defRPr>
-            </a:lvl2pPr>
-            <a:lvl3pPr marL="1143000" indent="-228600" eaLnBrk="0" hangingPunct="0">
-              <a:defRPr sz="2400">
-                <a:solidFill>
-                  <a:schemeClr val="tx1"/>
-                </a:solidFill>
-                <a:latin typeface="Arial" charset="0"/>
-                <a:ea typeface="ＭＳ Ｐゴシック" charset="0"/>
-              </a:defRPr>
-            </a:lvl3pPr>
-            <a:lvl4pPr marL="1600200" indent="-228600" eaLnBrk="0" hangingPunct="0">
-              <a:defRPr sz="2400">
-                <a:solidFill>
-                  <a:schemeClr val="tx1"/>
-                </a:solidFill>
-                <a:latin typeface="Arial" charset="0"/>
-                <a:ea typeface="ＭＳ Ｐゴシック" charset="0"/>
-              </a:defRPr>
-            </a:lvl4pPr>
-            <a:lvl5pPr marL="2057400" indent="-228600" eaLnBrk="0" hangingPunct="0">
-              <a:defRPr sz="2400">
-                <a:solidFill>
-                  <a:schemeClr val="tx1"/>
-                </a:solidFill>
-                <a:latin typeface="Arial" charset="0"/>
-                <a:ea typeface="ＭＳ Ｐゴシック" charset="0"/>
-              </a:defRPr>
-            </a:lvl5pPr>
-            <a:lvl6pPr marL="2514600" indent="-228600" eaLnBrk="0" fontAlgn="base" hangingPunct="0">
-              <a:spcBef>
-                <a:spcPct val="0"/>
-              </a:spcBef>
-              <a:spcAft>
-                <a:spcPct val="0"/>
-              </a:spcAft>
-              <a:defRPr sz="2400">
-                <a:solidFill>
-                  <a:schemeClr val="tx1"/>
-                </a:solidFill>
-                <a:latin typeface="Arial" charset="0"/>
-                <a:ea typeface="ＭＳ Ｐゴシック" charset="0"/>
-              </a:defRPr>
-            </a:lvl6pPr>
-            <a:lvl7pPr marL="2971800" indent="-228600" eaLnBrk="0" fontAlgn="base" hangingPunct="0">
-              <a:spcBef>
-                <a:spcPct val="0"/>
-              </a:spcBef>
-              <a:spcAft>
-                <a:spcPct val="0"/>
-              </a:spcAft>
-              <a:defRPr sz="2400">
-                <a:solidFill>
-                  <a:schemeClr val="tx1"/>
-                </a:solidFill>
-                <a:latin typeface="Arial" charset="0"/>
-                <a:ea typeface="ＭＳ Ｐゴシック" charset="0"/>
-              </a:defRPr>
-            </a:lvl7pPr>
-            <a:lvl8pPr marL="3429000" indent="-228600" eaLnBrk="0" fontAlgn="base" hangingPunct="0">
-              <a:spcBef>
-                <a:spcPct val="0"/>
-              </a:spcBef>
-              <a:spcAft>
-                <a:spcPct val="0"/>
-              </a:spcAft>
-              <a:defRPr sz="2400">
-                <a:solidFill>
-                  <a:schemeClr val="tx1"/>
-                </a:solidFill>
-                <a:latin typeface="Arial" charset="0"/>
-                <a:ea typeface="ＭＳ Ｐゴシック" charset="0"/>
-              </a:defRPr>
-            </a:lvl8pPr>
-            <a:lvl9pPr marL="3886200" indent="-228600" eaLnBrk="0" fontAlgn="base" hangingPunct="0">
-              <a:spcBef>
-                <a:spcPct val="0"/>
-              </a:spcBef>
-              <a:spcAft>
-                <a:spcPct val="0"/>
-              </a:spcAft>
-              <a:defRPr sz="2400">
-                <a:solidFill>
-                  <a:schemeClr val="tx1"/>
-                </a:solidFill>
-                <a:latin typeface="Arial" charset="0"/>
-                <a:ea typeface="ＭＳ Ｐゴシック" charset="0"/>
-              </a:defRPr>
-            </a:lvl9pPr>
-          </a:lstStyle>
-          <a:p>
-            <a:pPr eaLnBrk="1" hangingPunct="1"/>
-            <a:endParaRPr lang="en-US" sz="1800"/>
-          </a:p>
-        </p:txBody>
-      </p:sp>
-      <p:sp>
-        <p:nvSpPr>
-          <p:cNvPr id="51204" name="Text Box 7"/>
-          <p:cNvSpPr txBox="1">
-            <a:spLocks noChangeArrowheads="1"/>
-          </p:cNvSpPr>
-          <p:nvPr/>
-        </p:nvSpPr>
-        <p:spPr bwMode="auto">
-          <a:xfrm>
-            <a:off x="746126" y="489347"/>
-            <a:ext cx="7712075" cy="369332"/>
-          </a:xfrm>
-          <a:prstGeom prst="rect">
-            <a:avLst/>
-          </a:prstGeom>
-          <a:noFill/>
-          <a:ln>
-            <a:noFill/>
-          </a:ln>
-          <a:extLst>
-            <a:ext uri="{909E8E84-426E-40dd-AFC4-6F175D3DCCD1}">
-              <a14:hiddenFill xmlns="" xmlns:a14="http://schemas.microsoft.com/office/drawing/2010/main">
-                <a:solidFill>
-                  <a:srgbClr val="FFFFFF"/>
-                </a:solidFill>
-              </a14:hiddenFill>
-            </a:ext>
-            <a:ext uri="{91240B29-F687-4f45-9708-019B960494DF}">
-              <a14:hiddenLine xmlns="" xmlns:a14="http://schemas.microsoft.com/office/drawing/2010/main" w="9525">
-                <a:solidFill>
-                  <a:srgbClr val="000000"/>
-                </a:solidFill>
-                <a:miter lim="800000"/>
-                <a:headEnd/>
-                <a:tailEnd/>
-              </a14:hiddenLine>
-            </a:ext>
-          </a:extLst>
-        </p:spPr>
-        <p:txBody>
-          <a:bodyPr>
-            <a:spAutoFit/>
-          </a:bodyPr>
-          <a:lstStyle>
-            <a:lvl1pPr eaLnBrk="0" hangingPunct="0">
-              <a:defRPr sz="2400">
-                <a:solidFill>
-                  <a:schemeClr val="tx1"/>
-                </a:solidFill>
-                <a:latin typeface="Arial" charset="0"/>
-                <a:ea typeface="ＭＳ Ｐゴシック" charset="0"/>
-                <a:cs typeface="ＭＳ Ｐゴシック" charset="0"/>
-              </a:defRPr>
-            </a:lvl1pPr>
-            <a:lvl2pPr marL="742950" indent="-285750" eaLnBrk="0" hangingPunct="0">
-              <a:defRPr sz="2400">
-                <a:solidFill>
-                  <a:schemeClr val="tx1"/>
-                </a:solidFill>
-                <a:latin typeface="Arial" charset="0"/>
-                <a:ea typeface="ＭＳ Ｐゴシック" charset="0"/>
-              </a:defRPr>
-            </a:lvl2pPr>
-            <a:lvl3pPr marL="1143000" indent="-228600" eaLnBrk="0" hangingPunct="0">
-              <a:defRPr sz="2400">
-                <a:solidFill>
-                  <a:schemeClr val="tx1"/>
-                </a:solidFill>
-                <a:latin typeface="Arial" charset="0"/>
-                <a:ea typeface="ＭＳ Ｐゴシック" charset="0"/>
-              </a:defRPr>
-            </a:lvl3pPr>
-            <a:lvl4pPr marL="1600200" indent="-228600" eaLnBrk="0" hangingPunct="0">
-              <a:defRPr sz="2400">
-                <a:solidFill>
-                  <a:schemeClr val="tx1"/>
-                </a:solidFill>
-                <a:latin typeface="Arial" charset="0"/>
-                <a:ea typeface="ＭＳ Ｐゴシック" charset="0"/>
-              </a:defRPr>
-            </a:lvl4pPr>
-            <a:lvl5pPr marL="2057400" indent="-228600" eaLnBrk="0" hangingPunct="0">
-              <a:defRPr sz="2400">
-                <a:solidFill>
-                  <a:schemeClr val="tx1"/>
-                </a:solidFill>
-                <a:latin typeface="Arial" charset="0"/>
-                <a:ea typeface="ＭＳ Ｐゴシック" charset="0"/>
-              </a:defRPr>
-            </a:lvl5pPr>
-            <a:lvl6pPr marL="2514600" indent="-228600" eaLnBrk="0" fontAlgn="base" hangingPunct="0">
-              <a:spcBef>
-                <a:spcPct val="0"/>
-              </a:spcBef>
-              <a:spcAft>
-                <a:spcPct val="0"/>
-              </a:spcAft>
-              <a:defRPr sz="2400">
-                <a:solidFill>
-                  <a:schemeClr val="tx1"/>
-                </a:solidFill>
-                <a:latin typeface="Arial" charset="0"/>
-                <a:ea typeface="ＭＳ Ｐゴシック" charset="0"/>
-              </a:defRPr>
-            </a:lvl6pPr>
-            <a:lvl7pPr marL="2971800" indent="-228600" eaLnBrk="0" fontAlgn="base" hangingPunct="0">
-              <a:spcBef>
-                <a:spcPct val="0"/>
-              </a:spcBef>
-              <a:spcAft>
-                <a:spcPct val="0"/>
-              </a:spcAft>
-              <a:defRPr sz="2400">
-                <a:solidFill>
-                  <a:schemeClr val="tx1"/>
-                </a:solidFill>
-                <a:latin typeface="Arial" charset="0"/>
-                <a:ea typeface="ＭＳ Ｐゴシック" charset="0"/>
-              </a:defRPr>
-            </a:lvl7pPr>
-            <a:lvl8pPr marL="3429000" indent="-228600" eaLnBrk="0" fontAlgn="base" hangingPunct="0">
-              <a:spcBef>
-                <a:spcPct val="0"/>
-              </a:spcBef>
-              <a:spcAft>
-                <a:spcPct val="0"/>
-              </a:spcAft>
-              <a:defRPr sz="2400">
-                <a:solidFill>
-                  <a:schemeClr val="tx1"/>
-                </a:solidFill>
-                <a:latin typeface="Arial" charset="0"/>
-                <a:ea typeface="ＭＳ Ｐゴシック" charset="0"/>
-              </a:defRPr>
-            </a:lvl8pPr>
-            <a:lvl9pPr marL="3886200" indent="-228600" eaLnBrk="0" fontAlgn="base" hangingPunct="0">
-              <a:spcBef>
-                <a:spcPct val="0"/>
-              </a:spcBef>
-              <a:spcAft>
-                <a:spcPct val="0"/>
-              </a:spcAft>
-              <a:defRPr sz="2400">
-                <a:solidFill>
-                  <a:schemeClr val="tx1"/>
-                </a:solidFill>
-                <a:latin typeface="Arial" charset="0"/>
-                <a:ea typeface="ＭＳ Ｐゴシック" charset="0"/>
-              </a:defRPr>
-            </a:lvl9pPr>
-          </a:lstStyle>
-          <a:p>
-            <a:pPr eaLnBrk="1" hangingPunct="1"/>
-            <a:endParaRPr lang="en-US" sz="1800"/>
-          </a:p>
-        </p:txBody>
-      </p:sp>
-      <p:sp>
-        <p:nvSpPr>
-          <p:cNvPr id="51205" name="Rectangle 10"/>
-          <p:cNvSpPr>
-            <a:spLocks noGrp="1" noChangeArrowheads="1"/>
-          </p:cNvSpPr>
-          <p:nvPr>
-            <p:ph type="title" idx="4294967295"/>
-          </p:nvPr>
-        </p:nvSpPr>
-        <p:spPr>
-          <a:xfrm>
-            <a:off x="228600" y="342900"/>
-            <a:ext cx="8686800" cy="1257300"/>
-          </a:xfrm>
-        </p:spPr>
-        <p:txBody>
-          <a:bodyPr>
-            <a:noAutofit/>
-          </a:bodyPr>
+        <p:style>
+          <a:lnRef idx="1">
+            <a:schemeClr val="accent5"/>
+          </a:lnRef>
+          <a:fillRef idx="2">
+            <a:schemeClr val="accent5"/>
+          </a:fillRef>
+          <a:effectRef idx="1">
+            <a:schemeClr val="accent5"/>
+          </a:effectRef>
+          <a:fontRef idx="minor">
+            <a:schemeClr val="dk1"/>
+          </a:fontRef>
+        </p:style>
+        <p:txBody>
+          <a:bodyPr rtlCol="0" anchor="ctr"/>
           <a:lstStyle/>
           <a:p>
-            <a:pPr algn="l"/>
-            <a:r>
-              <a:rPr lang="en-US" sz="2800" b="1" dirty="0">
-                <a:solidFill>
-                  <a:schemeClr val="tx1"/>
-                </a:solidFill>
+            <a:pPr algn="ctr"/>
+            <a:endParaRPr lang="en-US"/>
+          </a:p>
+        </p:txBody>
+      </p:sp>
+      <p:sp>
+        <p:nvSpPr>
+          <p:cNvPr id="2" name="Title 1">
+            <a:extLst>
+              <a:ext uri="{FF2B5EF4-FFF2-40B4-BE49-F238E27FC236}">
+                <a16:creationId xmlns:a16="http://schemas.microsoft.com/office/drawing/2014/main" id="{17DD68EB-BA5F-7148-8F3D-CC3276DC1C11}"/>
+              </a:ext>
+            </a:extLst>
+          </p:cNvPr>
+          <p:cNvSpPr>
+            <a:spLocks noGrp="1"/>
+          </p:cNvSpPr>
+          <p:nvPr>
+            <p:ph type="title"/>
+          </p:nvPr>
+        </p:nvSpPr>
+        <p:spPr/>
+        <p:txBody>
+          <a:bodyPr/>
+          <a:lstStyle/>
+          <a:p>
+            <a:r>
+              <a:rPr lang="en-US" b="1" dirty="0">
                 <a:latin typeface="Calibri" panose="020F0502020204030204" pitchFamily="34" charset="0"/>
                 <a:cs typeface="Calibri" panose="020F0502020204030204" pitchFamily="34" charset="0"/>
               </a:rPr>
-              <a:t>Final Decision</a:t>
-            </a:r>
-            <a:r>
-              <a:rPr lang="en-US" sz="2800" dirty="0">
-                <a:solidFill>
-                  <a:schemeClr val="tx1"/>
-                </a:solidFill>
+              <a:t> Endings</a:t>
+            </a:r>
+          </a:p>
+        </p:txBody>
+      </p:sp>
+      <p:sp>
+        <p:nvSpPr>
+          <p:cNvPr id="3" name="Content Placeholder 2">
+            <a:extLst>
+              <a:ext uri="{FF2B5EF4-FFF2-40B4-BE49-F238E27FC236}">
+                <a16:creationId xmlns:a16="http://schemas.microsoft.com/office/drawing/2014/main" id="{90710349-992F-DD47-A06D-F574EEC413BF}"/>
+              </a:ext>
+            </a:extLst>
+          </p:cNvPr>
+          <p:cNvSpPr>
+            <a:spLocks noGrp="1"/>
+          </p:cNvSpPr>
+          <p:nvPr>
+            <p:ph idx="1"/>
+          </p:nvPr>
+        </p:nvSpPr>
+        <p:spPr/>
+        <p:txBody>
+          <a:bodyPr/>
+          <a:lstStyle/>
+          <a:p>
+            <a:r>
+              <a:rPr lang="en-US" dirty="0">
                 <a:latin typeface="Calibri" panose="020F0502020204030204" pitchFamily="34" charset="0"/>
                 <a:cs typeface="Calibri" panose="020F0502020204030204" pitchFamily="34" charset="0"/>
               </a:rPr>
-              <a:t>:  Will you recommend the President announce extra-terrestrial life has been discovered?</a:t>
-            </a:r>
-          </a:p>
-        </p:txBody>
-      </p:sp>
-      <p:sp>
-        <p:nvSpPr>
-          <p:cNvPr id="16395" name="Rectangle 11"/>
-          <p:cNvSpPr>
-            <a:spLocks noGrp="1" noChangeArrowheads="1"/>
-          </p:cNvSpPr>
-          <p:nvPr>
-            <p:ph type="body" idx="4294967295"/>
-          </p:nvPr>
-        </p:nvSpPr>
-        <p:spPr>
-          <a:xfrm>
-            <a:off x="990600" y="2057401"/>
-            <a:ext cx="3962400" cy="2594372"/>
-          </a:xfrm>
-        </p:spPr>
-        <p:txBody>
-          <a:bodyPr>
-            <a:normAutofit fontScale="92500" lnSpcReduction="10000"/>
-          </a:bodyPr>
-          <a:lstStyle/>
-          <a:p>
-            <a:pPr>
-              <a:buFontTx/>
-              <a:buNone/>
-              <a:defRPr/>
-            </a:pPr>
+              <a:t>The next 3 slides show 3 alternative endings for this case.</a:t>
+            </a:r>
+          </a:p>
+          <a:p>
+            <a:pPr lvl="1"/>
             <a:r>
               <a:rPr lang="en-US" dirty="0">
-                <a:solidFill>
-                  <a:schemeClr val="tx1"/>
-                </a:solidFill>
-                <a:latin typeface="Gill Sans"/>
-                <a:cs typeface="Gill Sans"/>
-              </a:rPr>
-              <a:t>	</a:t>
-            </a:r>
-            <a:r>
-              <a:rPr lang="en-US" dirty="0">
-                <a:solidFill>
-                  <a:schemeClr val="tx1"/>
-                </a:solidFill>
                 <a:latin typeface="Calibri" panose="020F0502020204030204" pitchFamily="34" charset="0"/>
                 <a:cs typeface="Calibri" panose="020F0502020204030204" pitchFamily="34" charset="0"/>
               </a:rPr>
-              <a:t>A:  Yes</a:t>
-            </a:r>
-          </a:p>
-          <a:p>
-            <a:pPr>
-              <a:buFontTx/>
-              <a:buNone/>
-              <a:defRPr/>
-            </a:pPr>
-            <a:endParaRPr lang="en-US" sz="1000" dirty="0">
-              <a:solidFill>
-                <a:schemeClr val="tx1"/>
-              </a:solidFill>
+              <a:t>Students change each semester; cases in earlier sessions may need to be adjusted in real time</a:t>
+            </a:r>
+          </a:p>
+          <a:p>
+            <a:pPr lvl="1"/>
+            <a:r>
+              <a:rPr lang="en-US" dirty="0">
+                <a:latin typeface="Calibri" panose="020F0502020204030204" pitchFamily="34" charset="0"/>
+                <a:cs typeface="Calibri" panose="020F0502020204030204" pitchFamily="34" charset="0"/>
+              </a:rPr>
+              <a:t>Preparing 2+ endings lets you adjust the final assignment based on what happens during class</a:t>
+            </a:r>
+          </a:p>
+          <a:p>
+            <a:pPr lvl="1"/>
+            <a:endParaRPr lang="en-US" dirty="0">
               <a:latin typeface="Calibri" panose="020F0502020204030204" pitchFamily="34" charset="0"/>
               <a:cs typeface="Calibri" panose="020F0502020204030204" pitchFamily="34" charset="0"/>
             </a:endParaRPr>
           </a:p>
-          <a:p>
-            <a:pPr>
-              <a:buFontTx/>
-              <a:buNone/>
-              <a:defRPr/>
-            </a:pPr>
-            <a:r>
-              <a:rPr lang="en-US" dirty="0">
-                <a:solidFill>
-                  <a:schemeClr val="tx1"/>
-                </a:solidFill>
-                <a:latin typeface="Calibri" panose="020F0502020204030204" pitchFamily="34" charset="0"/>
-                <a:cs typeface="Calibri" panose="020F0502020204030204" pitchFamily="34" charset="0"/>
-              </a:rPr>
-              <a:t>	B:  No</a:t>
-            </a:r>
-          </a:p>
-          <a:p>
-            <a:pPr>
-              <a:buFontTx/>
-              <a:buNone/>
-              <a:defRPr/>
-            </a:pPr>
-            <a:endParaRPr lang="en-US" dirty="0">
-              <a:solidFill>
-                <a:schemeClr val="tx1"/>
-              </a:solidFill>
-              <a:latin typeface="Calibri" panose="020F0502020204030204" pitchFamily="34" charset="0"/>
-              <a:cs typeface="Calibri" panose="020F0502020204030204" pitchFamily="34" charset="0"/>
-            </a:endParaRPr>
-          </a:p>
-          <a:p>
-            <a:pPr>
-              <a:buFontTx/>
-              <a:buNone/>
-              <a:defRPr/>
-            </a:pPr>
-            <a:r>
-              <a:rPr lang="en-US" dirty="0">
-                <a:solidFill>
-                  <a:schemeClr val="tx1"/>
-                </a:solidFill>
-                <a:latin typeface="Calibri" panose="020F0502020204030204" pitchFamily="34" charset="0"/>
-                <a:cs typeface="Calibri" panose="020F0502020204030204" pitchFamily="34" charset="0"/>
-              </a:rPr>
-              <a:t>	Why or </a:t>
-            </a:r>
-            <a:br>
-              <a:rPr lang="en-US" dirty="0">
-                <a:solidFill>
-                  <a:schemeClr val="tx1"/>
-                </a:solidFill>
-                <a:latin typeface="Calibri" panose="020F0502020204030204" pitchFamily="34" charset="0"/>
-                <a:cs typeface="Calibri" panose="020F0502020204030204" pitchFamily="34" charset="0"/>
-              </a:rPr>
-            </a:br>
-            <a:r>
-              <a:rPr lang="en-US" dirty="0">
-                <a:solidFill>
-                  <a:schemeClr val="tx1"/>
-                </a:solidFill>
-                <a:latin typeface="Calibri" panose="020F0502020204030204" pitchFamily="34" charset="0"/>
-                <a:cs typeface="Calibri" panose="020F0502020204030204" pitchFamily="34" charset="0"/>
-              </a:rPr>
-              <a:t>why not?</a:t>
-            </a:r>
-          </a:p>
-          <a:p>
-            <a:pPr marL="0" indent="0">
-              <a:buFontTx/>
-              <a:buNone/>
-              <a:defRPr/>
-            </a:pPr>
-            <a:endParaRPr lang="en-US" dirty="0">
-              <a:latin typeface="Gill Sans"/>
-              <a:cs typeface="Gill Sans"/>
-            </a:endParaRPr>
-          </a:p>
-        </p:txBody>
-      </p:sp>
-      <p:pic>
-        <p:nvPicPr>
-          <p:cNvPr id="51207" name="Picture 12" descr="166378main_nanobacteria"/>
-          <p:cNvPicPr>
-            <a:picLocks noChangeAspect="1" noChangeArrowheads="1"/>
-          </p:cNvPicPr>
-          <p:nvPr/>
-        </p:nvPicPr>
-        <p:blipFill>
-          <a:blip r:embed="rId3">
-            <a:extLst>
-              <a:ext uri="{28A0092B-C50C-407E-A947-70E740481C1C}">
-                <a14:useLocalDpi xmlns:a14="http://schemas.microsoft.com/office/drawing/2010/main" val="0"/>
-              </a:ext>
-            </a:extLst>
-          </a:blip>
-          <a:srcRect/>
-          <a:stretch>
-            <a:fillRect/>
-          </a:stretch>
-        </p:blipFill>
-        <p:spPr bwMode="auto">
-          <a:xfrm>
-            <a:off x="3733800" y="2057401"/>
-            <a:ext cx="4077138" cy="2925346"/>
-          </a:xfrm>
-          <a:prstGeom prst="rect">
-            <a:avLst/>
-          </a:prstGeom>
-          <a:noFill/>
-          <a:ln>
-            <a:noFill/>
-          </a:ln>
-          <a:extLst>
-            <a:ext uri="{909E8E84-426E-40dd-AFC4-6F175D3DCCD1}">
-              <a14:hiddenFill xmlns="" xmlns:a14="http://schemas.microsoft.com/office/drawing/2010/main">
-                <a:solidFill>
-                  <a:srgbClr val="FFFFFF"/>
-                </a:solidFill>
-              </a14:hiddenFill>
-            </a:ext>
-            <a:ext uri="{91240B29-F687-4f45-9708-019B960494DF}">
-              <a14:hiddenLine xmlns="" xmlns:a14="http://schemas.microsoft.com/office/drawing/2010/main" w="9525">
-                <a:solidFill>
-                  <a:srgbClr val="000000"/>
-                </a:solidFill>
-                <a:miter lim="800000"/>
-                <a:headEnd/>
-                <a:tailEnd/>
-              </a14:hiddenLine>
-            </a:ext>
-          </a:extLst>
-        </p:spPr>
-      </p:pic>
+        </p:txBody>
+      </p:sp>
     </p:spTree>
     <p:extLst>
       <p:ext uri="{BB962C8B-B14F-4D97-AF65-F5344CB8AC3E}">
-        <p14:creationId xmlns:p14="http://schemas.microsoft.com/office/powerpoint/2010/main" val="1879028311"/>
+        <p14:creationId xmlns:p14="http://schemas.microsoft.com/office/powerpoint/2010/main" val="2029129022"/>
       </p:ext>
     </p:extLst>
   </p:cSld>
@@ -16204,7 +15348,7 @@
       </p:grpSpPr>
       <p:sp>
         <p:nvSpPr>
-          <p:cNvPr id="24577" name="Slide Number Placeholder 5"/>
+          <p:cNvPr id="51201" name="Slide Number Placeholder 3"/>
           <p:cNvSpPr>
             <a:spLocks noGrp="1"/>
           </p:cNvSpPr>
@@ -16217,14 +15361,14 @@
           <a:ln/>
           <a:extLst>
             <a:ext uri="{909E8E84-426E-40dd-AFC4-6F175D3DCCD1}">
-              <a14:hiddenFill xmlns="" xmlns:a14="http://schemas.microsoft.com/office/drawing/2010/main">
+              <a14:hiddenFill xmlns:a14="http://schemas.microsoft.com/office/drawing/2010/main" xmlns="">
                 <a:solidFill>
                   <a:srgbClr val="FFFFFF"/>
                 </a:solidFill>
               </a14:hiddenFill>
             </a:ext>
             <a:ext uri="{91240B29-F687-4f45-9708-019B960494DF}">
-              <a14:hiddenLine xmlns="" xmlns:a14="http://schemas.microsoft.com/office/drawing/2010/main" w="9525">
+              <a14:hiddenLine xmlns:a14="http://schemas.microsoft.com/office/drawing/2010/main" xmlns="" w="9525">
                 <a:solidFill>
                   <a:srgbClr val="000000"/>
                 </a:solidFill>
@@ -16347,7 +15491,7 @@
           </a:lstStyle>
           <a:p>
             <a:pPr eaLnBrk="1" hangingPunct="1"/>
-            <a:fld id="{B247B398-9BA7-6B47-9A69-3F579943F7BA}" type="slidenum">
+            <a:fld id="{91A8D410-01F7-4349-AE03-B190959759E3}" type="slidenum">
               <a:rPr lang="en-US" sz="1400"/>
               <a:pPr eaLnBrk="1" hangingPunct="1"/>
               <a:t>21</a:t>
@@ -16358,183 +15502,566 @@
       </p:sp>
       <p:sp>
         <p:nvSpPr>
-          <p:cNvPr id="24578" name="Rectangle 1026"/>
+          <p:cNvPr id="51203" name="Text Box 6"/>
+          <p:cNvSpPr txBox="1">
+            <a:spLocks noChangeArrowheads="1"/>
+          </p:cNvSpPr>
+          <p:nvPr/>
+        </p:nvSpPr>
+        <p:spPr bwMode="auto">
+          <a:xfrm>
+            <a:off x="746126" y="603647"/>
+            <a:ext cx="7712075" cy="369332"/>
+          </a:xfrm>
+          <a:prstGeom prst="rect">
+            <a:avLst/>
+          </a:prstGeom>
+          <a:noFill/>
+          <a:ln>
+            <a:noFill/>
+          </a:ln>
+          <a:extLst>
+            <a:ext uri="{909E8E84-426E-40dd-AFC4-6F175D3DCCD1}">
+              <a14:hiddenFill xmlns:a14="http://schemas.microsoft.com/office/drawing/2010/main" xmlns="">
+                <a:solidFill>
+                  <a:srgbClr val="FFFFFF"/>
+                </a:solidFill>
+              </a14:hiddenFill>
+            </a:ext>
+            <a:ext uri="{91240B29-F687-4f45-9708-019B960494DF}">
+              <a14:hiddenLine xmlns:a14="http://schemas.microsoft.com/office/drawing/2010/main" xmlns="" w="9525">
+                <a:solidFill>
+                  <a:srgbClr val="000000"/>
+                </a:solidFill>
+                <a:miter lim="800000"/>
+                <a:headEnd/>
+                <a:tailEnd/>
+              </a14:hiddenLine>
+            </a:ext>
+          </a:extLst>
+        </p:spPr>
+        <p:txBody>
+          <a:bodyPr>
+            <a:spAutoFit/>
+          </a:bodyPr>
+          <a:lstStyle>
+            <a:lvl1pPr eaLnBrk="0" hangingPunct="0">
+              <a:defRPr sz="2400">
+                <a:solidFill>
+                  <a:schemeClr val="tx1"/>
+                </a:solidFill>
+                <a:latin typeface="Arial" charset="0"/>
+                <a:ea typeface="ＭＳ Ｐゴシック" charset="0"/>
+                <a:cs typeface="ＭＳ Ｐゴシック" charset="0"/>
+              </a:defRPr>
+            </a:lvl1pPr>
+            <a:lvl2pPr marL="742950" indent="-285750" eaLnBrk="0" hangingPunct="0">
+              <a:defRPr sz="2400">
+                <a:solidFill>
+                  <a:schemeClr val="tx1"/>
+                </a:solidFill>
+                <a:latin typeface="Arial" charset="0"/>
+                <a:ea typeface="ＭＳ Ｐゴシック" charset="0"/>
+              </a:defRPr>
+            </a:lvl2pPr>
+            <a:lvl3pPr marL="1143000" indent="-228600" eaLnBrk="0" hangingPunct="0">
+              <a:defRPr sz="2400">
+                <a:solidFill>
+                  <a:schemeClr val="tx1"/>
+                </a:solidFill>
+                <a:latin typeface="Arial" charset="0"/>
+                <a:ea typeface="ＭＳ Ｐゴシック" charset="0"/>
+              </a:defRPr>
+            </a:lvl3pPr>
+            <a:lvl4pPr marL="1600200" indent="-228600" eaLnBrk="0" hangingPunct="0">
+              <a:defRPr sz="2400">
+                <a:solidFill>
+                  <a:schemeClr val="tx1"/>
+                </a:solidFill>
+                <a:latin typeface="Arial" charset="0"/>
+                <a:ea typeface="ＭＳ Ｐゴシック" charset="0"/>
+              </a:defRPr>
+            </a:lvl4pPr>
+            <a:lvl5pPr marL="2057400" indent="-228600" eaLnBrk="0" hangingPunct="0">
+              <a:defRPr sz="2400">
+                <a:solidFill>
+                  <a:schemeClr val="tx1"/>
+                </a:solidFill>
+                <a:latin typeface="Arial" charset="0"/>
+                <a:ea typeface="ＭＳ Ｐゴシック" charset="0"/>
+              </a:defRPr>
+            </a:lvl5pPr>
+            <a:lvl6pPr marL="2514600" indent="-228600" eaLnBrk="0" fontAlgn="base" hangingPunct="0">
+              <a:spcBef>
+                <a:spcPct val="0"/>
+              </a:spcBef>
+              <a:spcAft>
+                <a:spcPct val="0"/>
+              </a:spcAft>
+              <a:defRPr sz="2400">
+                <a:solidFill>
+                  <a:schemeClr val="tx1"/>
+                </a:solidFill>
+                <a:latin typeface="Arial" charset="0"/>
+                <a:ea typeface="ＭＳ Ｐゴシック" charset="0"/>
+              </a:defRPr>
+            </a:lvl6pPr>
+            <a:lvl7pPr marL="2971800" indent="-228600" eaLnBrk="0" fontAlgn="base" hangingPunct="0">
+              <a:spcBef>
+                <a:spcPct val="0"/>
+              </a:spcBef>
+              <a:spcAft>
+                <a:spcPct val="0"/>
+              </a:spcAft>
+              <a:defRPr sz="2400">
+                <a:solidFill>
+                  <a:schemeClr val="tx1"/>
+                </a:solidFill>
+                <a:latin typeface="Arial" charset="0"/>
+                <a:ea typeface="ＭＳ Ｐゴシック" charset="0"/>
+              </a:defRPr>
+            </a:lvl7pPr>
+            <a:lvl8pPr marL="3429000" indent="-228600" eaLnBrk="0" fontAlgn="base" hangingPunct="0">
+              <a:spcBef>
+                <a:spcPct val="0"/>
+              </a:spcBef>
+              <a:spcAft>
+                <a:spcPct val="0"/>
+              </a:spcAft>
+              <a:defRPr sz="2400">
+                <a:solidFill>
+                  <a:schemeClr val="tx1"/>
+                </a:solidFill>
+                <a:latin typeface="Arial" charset="0"/>
+                <a:ea typeface="ＭＳ Ｐゴシック" charset="0"/>
+              </a:defRPr>
+            </a:lvl8pPr>
+            <a:lvl9pPr marL="3886200" indent="-228600" eaLnBrk="0" fontAlgn="base" hangingPunct="0">
+              <a:spcBef>
+                <a:spcPct val="0"/>
+              </a:spcBef>
+              <a:spcAft>
+                <a:spcPct val="0"/>
+              </a:spcAft>
+              <a:defRPr sz="2400">
+                <a:solidFill>
+                  <a:schemeClr val="tx1"/>
+                </a:solidFill>
+                <a:latin typeface="Arial" charset="0"/>
+                <a:ea typeface="ＭＳ Ｐゴシック" charset="0"/>
+              </a:defRPr>
+            </a:lvl9pPr>
+          </a:lstStyle>
+          <a:p>
+            <a:pPr eaLnBrk="1" hangingPunct="1"/>
+            <a:endParaRPr lang="en-US" sz="1800"/>
+          </a:p>
+        </p:txBody>
+      </p:sp>
+      <p:sp>
+        <p:nvSpPr>
+          <p:cNvPr id="51204" name="Text Box 7"/>
+          <p:cNvSpPr txBox="1">
+            <a:spLocks noChangeArrowheads="1"/>
+          </p:cNvSpPr>
+          <p:nvPr/>
+        </p:nvSpPr>
+        <p:spPr bwMode="auto">
+          <a:xfrm>
+            <a:off x="746126" y="489347"/>
+            <a:ext cx="7712075" cy="369332"/>
+          </a:xfrm>
+          <a:prstGeom prst="rect">
+            <a:avLst/>
+          </a:prstGeom>
+          <a:noFill/>
+          <a:ln>
+            <a:noFill/>
+          </a:ln>
+          <a:extLst>
+            <a:ext uri="{909E8E84-426E-40dd-AFC4-6F175D3DCCD1}">
+              <a14:hiddenFill xmlns:a14="http://schemas.microsoft.com/office/drawing/2010/main" xmlns="">
+                <a:solidFill>
+                  <a:srgbClr val="FFFFFF"/>
+                </a:solidFill>
+              </a14:hiddenFill>
+            </a:ext>
+            <a:ext uri="{91240B29-F687-4f45-9708-019B960494DF}">
+              <a14:hiddenLine xmlns:a14="http://schemas.microsoft.com/office/drawing/2010/main" xmlns="" w="9525">
+                <a:solidFill>
+                  <a:srgbClr val="000000"/>
+                </a:solidFill>
+                <a:miter lim="800000"/>
+                <a:headEnd/>
+                <a:tailEnd/>
+              </a14:hiddenLine>
+            </a:ext>
+          </a:extLst>
+        </p:spPr>
+        <p:txBody>
+          <a:bodyPr>
+            <a:spAutoFit/>
+          </a:bodyPr>
+          <a:lstStyle>
+            <a:lvl1pPr eaLnBrk="0" hangingPunct="0">
+              <a:defRPr sz="2400">
+                <a:solidFill>
+                  <a:schemeClr val="tx1"/>
+                </a:solidFill>
+                <a:latin typeface="Arial" charset="0"/>
+                <a:ea typeface="ＭＳ Ｐゴシック" charset="0"/>
+                <a:cs typeface="ＭＳ Ｐゴシック" charset="0"/>
+              </a:defRPr>
+            </a:lvl1pPr>
+            <a:lvl2pPr marL="742950" indent="-285750" eaLnBrk="0" hangingPunct="0">
+              <a:defRPr sz="2400">
+                <a:solidFill>
+                  <a:schemeClr val="tx1"/>
+                </a:solidFill>
+                <a:latin typeface="Arial" charset="0"/>
+                <a:ea typeface="ＭＳ Ｐゴシック" charset="0"/>
+              </a:defRPr>
+            </a:lvl2pPr>
+            <a:lvl3pPr marL="1143000" indent="-228600" eaLnBrk="0" hangingPunct="0">
+              <a:defRPr sz="2400">
+                <a:solidFill>
+                  <a:schemeClr val="tx1"/>
+                </a:solidFill>
+                <a:latin typeface="Arial" charset="0"/>
+                <a:ea typeface="ＭＳ Ｐゴシック" charset="0"/>
+              </a:defRPr>
+            </a:lvl3pPr>
+            <a:lvl4pPr marL="1600200" indent="-228600" eaLnBrk="0" hangingPunct="0">
+              <a:defRPr sz="2400">
+                <a:solidFill>
+                  <a:schemeClr val="tx1"/>
+                </a:solidFill>
+                <a:latin typeface="Arial" charset="0"/>
+                <a:ea typeface="ＭＳ Ｐゴシック" charset="0"/>
+              </a:defRPr>
+            </a:lvl4pPr>
+            <a:lvl5pPr marL="2057400" indent="-228600" eaLnBrk="0" hangingPunct="0">
+              <a:defRPr sz="2400">
+                <a:solidFill>
+                  <a:schemeClr val="tx1"/>
+                </a:solidFill>
+                <a:latin typeface="Arial" charset="0"/>
+                <a:ea typeface="ＭＳ Ｐゴシック" charset="0"/>
+              </a:defRPr>
+            </a:lvl5pPr>
+            <a:lvl6pPr marL="2514600" indent="-228600" eaLnBrk="0" fontAlgn="base" hangingPunct="0">
+              <a:spcBef>
+                <a:spcPct val="0"/>
+              </a:spcBef>
+              <a:spcAft>
+                <a:spcPct val="0"/>
+              </a:spcAft>
+              <a:defRPr sz="2400">
+                <a:solidFill>
+                  <a:schemeClr val="tx1"/>
+                </a:solidFill>
+                <a:latin typeface="Arial" charset="0"/>
+                <a:ea typeface="ＭＳ Ｐゴシック" charset="0"/>
+              </a:defRPr>
+            </a:lvl6pPr>
+            <a:lvl7pPr marL="2971800" indent="-228600" eaLnBrk="0" fontAlgn="base" hangingPunct="0">
+              <a:spcBef>
+                <a:spcPct val="0"/>
+              </a:spcBef>
+              <a:spcAft>
+                <a:spcPct val="0"/>
+              </a:spcAft>
+              <a:defRPr sz="2400">
+                <a:solidFill>
+                  <a:schemeClr val="tx1"/>
+                </a:solidFill>
+                <a:latin typeface="Arial" charset="0"/>
+                <a:ea typeface="ＭＳ Ｐゴシック" charset="0"/>
+              </a:defRPr>
+            </a:lvl7pPr>
+            <a:lvl8pPr marL="3429000" indent="-228600" eaLnBrk="0" fontAlgn="base" hangingPunct="0">
+              <a:spcBef>
+                <a:spcPct val="0"/>
+              </a:spcBef>
+              <a:spcAft>
+                <a:spcPct val="0"/>
+              </a:spcAft>
+              <a:defRPr sz="2400">
+                <a:solidFill>
+                  <a:schemeClr val="tx1"/>
+                </a:solidFill>
+                <a:latin typeface="Arial" charset="0"/>
+                <a:ea typeface="ＭＳ Ｐゴシック" charset="0"/>
+              </a:defRPr>
+            </a:lvl8pPr>
+            <a:lvl9pPr marL="3886200" indent="-228600" eaLnBrk="0" fontAlgn="base" hangingPunct="0">
+              <a:spcBef>
+                <a:spcPct val="0"/>
+              </a:spcBef>
+              <a:spcAft>
+                <a:spcPct val="0"/>
+              </a:spcAft>
+              <a:defRPr sz="2400">
+                <a:solidFill>
+                  <a:schemeClr val="tx1"/>
+                </a:solidFill>
+                <a:latin typeface="Arial" charset="0"/>
+                <a:ea typeface="ＭＳ Ｐゴシック" charset="0"/>
+              </a:defRPr>
+            </a:lvl9pPr>
+          </a:lstStyle>
+          <a:p>
+            <a:pPr eaLnBrk="1" hangingPunct="1"/>
+            <a:endParaRPr lang="en-US" sz="1800"/>
+          </a:p>
+        </p:txBody>
+      </p:sp>
+      <p:sp>
+        <p:nvSpPr>
+          <p:cNvPr id="51205" name="Rectangle 10"/>
           <p:cNvSpPr>
             <a:spLocks noGrp="1" noChangeArrowheads="1"/>
           </p:cNvSpPr>
           <p:nvPr>
-            <p:ph type="title"/>
+            <p:ph type="title" idx="4294967295"/>
           </p:nvPr>
         </p:nvSpPr>
         <p:spPr>
           <a:xfrm>
-            <a:off x="838200" y="342432"/>
-            <a:ext cx="7848600" cy="800100"/>
+            <a:off x="557784" y="342900"/>
+            <a:ext cx="8357616" cy="1092708"/>
           </a:xfrm>
         </p:spPr>
         <p:txBody>
-          <a:bodyPr/>
+          <a:bodyPr>
+            <a:noAutofit/>
+          </a:bodyPr>
           <a:lstStyle/>
           <a:p>
-            <a:pPr algn="l" eaLnBrk="1" hangingPunct="1"/>
-            <a:r>
-              <a:rPr lang="en-US" sz="3600" b="1" dirty="0">
+            <a:pPr algn="l"/>
+            <a:r>
+              <a:rPr lang="en-US" sz="2800" b="1" dirty="0">
                 <a:solidFill>
                   <a:schemeClr val="tx1"/>
                 </a:solidFill>
                 <a:latin typeface="Calibri" panose="020F0502020204030204" pitchFamily="34" charset="0"/>
                 <a:cs typeface="Calibri" panose="020F0502020204030204" pitchFamily="34" charset="0"/>
               </a:rPr>
-              <a:t>Homework</a:t>
-            </a:r>
-            <a:r>
-              <a:rPr lang="en-US" b="1" dirty="0">
+              <a:t>Final Decision</a:t>
+            </a:r>
+            <a:r>
+              <a:rPr lang="en-US" sz="2800" dirty="0">
                 <a:solidFill>
                   <a:schemeClr val="tx1"/>
                 </a:solidFill>
                 <a:latin typeface="Calibri" panose="020F0502020204030204" pitchFamily="34" charset="0"/>
                 <a:cs typeface="Calibri" panose="020F0502020204030204" pitchFamily="34" charset="0"/>
               </a:rPr>
-              <a:t>: Make </a:t>
-            </a:r>
-            <a:r>
-              <a:rPr lang="en-US" sz="3600" b="1" dirty="0">
+              <a:t>:  Will you recommend the President announce extra-terrestrial life has been discovered?</a:t>
+            </a:r>
+          </a:p>
+        </p:txBody>
+      </p:sp>
+      <p:sp>
+        <p:nvSpPr>
+          <p:cNvPr id="16395" name="Rectangle 11"/>
+          <p:cNvSpPr>
+            <a:spLocks noGrp="1" noChangeArrowheads="1"/>
+          </p:cNvSpPr>
+          <p:nvPr>
+            <p:ph type="body" idx="4294967295"/>
+          </p:nvPr>
+        </p:nvSpPr>
+        <p:spPr>
+          <a:xfrm>
+            <a:off x="990600" y="2057401"/>
+            <a:ext cx="3962400" cy="2594372"/>
+          </a:xfrm>
+        </p:spPr>
+        <p:txBody>
+          <a:bodyPr>
+            <a:normAutofit fontScale="92500" lnSpcReduction="10000"/>
+          </a:bodyPr>
+          <a:lstStyle/>
+          <a:p>
+            <a:pPr>
+              <a:buFontTx/>
+              <a:buNone/>
+              <a:defRPr/>
+            </a:pPr>
+            <a:r>
+              <a:rPr lang="en-US" dirty="0">
+                <a:solidFill>
+                  <a:schemeClr val="tx1"/>
+                </a:solidFill>
+                <a:latin typeface="Gill Sans"/>
+                <a:cs typeface="Gill Sans"/>
+              </a:rPr>
+              <a:t>	</a:t>
+            </a:r>
+            <a:r>
+              <a:rPr lang="en-US" dirty="0">
                 <a:solidFill>
                   <a:schemeClr val="tx1"/>
                 </a:solidFill>
                 <a:latin typeface="Calibri" panose="020F0502020204030204" pitchFamily="34" charset="0"/>
                 <a:cs typeface="Calibri" panose="020F0502020204030204" pitchFamily="34" charset="0"/>
               </a:rPr>
-              <a:t>Your Case</a:t>
-            </a:r>
-          </a:p>
-        </p:txBody>
-      </p:sp>
-      <p:sp>
-        <p:nvSpPr>
-          <p:cNvPr id="24579" name="Rectangle 1027"/>
-          <p:cNvSpPr>
-            <a:spLocks noGrp="1" noChangeArrowheads="1"/>
-          </p:cNvSpPr>
-          <p:nvPr>
-            <p:ph type="body" idx="1"/>
-          </p:nvPr>
-        </p:nvSpPr>
-        <p:spPr>
-          <a:xfrm>
-            <a:off x="533400" y="1314450"/>
-            <a:ext cx="7848600" cy="3394472"/>
-          </a:xfrm>
-        </p:spPr>
-        <p:txBody>
-          <a:bodyPr/>
-          <a:lstStyle/>
-          <a:p>
-            <a:pPr eaLnBrk="1" hangingPunct="1">
+              <a:t>A:  Yes</a:t>
+            </a:r>
+          </a:p>
+          <a:p>
+            <a:pPr>
               <a:buFontTx/>
               <a:buNone/>
+              <a:defRPr/>
             </a:pPr>
-            <a:r>
-              <a:rPr lang="en-US" dirty="0">
-                <a:solidFill>
-                  <a:schemeClr val="tx1"/>
-                </a:solidFill>
-                <a:latin typeface="Times New Roman" charset="0"/>
-              </a:rPr>
-              <a:t>	</a:t>
-            </a:r>
-            <a:r>
-              <a:rPr lang="en-US" sz="2800" dirty="0">
-                <a:solidFill>
-                  <a:schemeClr val="tx1"/>
-                </a:solidFill>
-                <a:latin typeface="Calibri" panose="020F0502020204030204" pitchFamily="34" charset="0"/>
-                <a:cs typeface="Calibri" panose="020F0502020204030204" pitchFamily="34" charset="0"/>
-              </a:rPr>
-              <a:t>Based on the findings, the President wants to know whether to announce that extraterrestrial life has been discovered. </a:t>
-            </a:r>
-          </a:p>
-          <a:p>
-            <a:pPr eaLnBrk="1" hangingPunct="1">
-              <a:buFontTx/>
-              <a:buNone/>
-            </a:pPr>
-            <a:r>
-              <a:rPr lang="en-US" dirty="0">
-                <a:solidFill>
-                  <a:schemeClr val="tx1"/>
-                </a:solidFill>
-                <a:latin typeface="Calibri" panose="020F0502020204030204" pitchFamily="34" charset="0"/>
-                <a:cs typeface="Calibri" panose="020F0502020204030204" pitchFamily="34" charset="0"/>
-              </a:rPr>
-              <a:t>	</a:t>
-            </a:r>
-            <a:r>
-              <a:rPr lang="en-US" sz="2800" dirty="0">
-                <a:solidFill>
-                  <a:schemeClr val="tx1"/>
-                </a:solidFill>
-                <a:latin typeface="Calibri" panose="020F0502020204030204" pitchFamily="34" charset="0"/>
-                <a:cs typeface="Calibri" panose="020F0502020204030204" pitchFamily="34" charset="0"/>
-              </a:rPr>
-              <a:t>Write a 1-page summary letter stating </a:t>
-            </a:r>
-            <a:r>
-              <a:rPr lang="en-US" sz="2800" b="1" dirty="0">
-                <a:solidFill>
-                  <a:schemeClr val="tx1"/>
-                </a:solidFill>
-                <a:latin typeface="Calibri" panose="020F0502020204030204" pitchFamily="34" charset="0"/>
-                <a:cs typeface="Calibri" panose="020F0502020204030204" pitchFamily="34" charset="0"/>
-              </a:rPr>
-              <a:t>your</a:t>
-            </a:r>
-            <a:r>
-              <a:rPr lang="en-US" sz="2800" dirty="0">
-                <a:solidFill>
-                  <a:schemeClr val="tx1"/>
-                </a:solidFill>
-                <a:latin typeface="Calibri" panose="020F0502020204030204" pitchFamily="34" charset="0"/>
-                <a:cs typeface="Calibri" panose="020F0502020204030204" pitchFamily="34" charset="0"/>
-              </a:rPr>
-              <a:t> </a:t>
-            </a:r>
-            <a:r>
-              <a:rPr lang="en-US" sz="2800" b="1" dirty="0">
-                <a:solidFill>
-                  <a:schemeClr val="tx1"/>
-                </a:solidFill>
-                <a:latin typeface="Calibri" panose="020F0502020204030204" pitchFamily="34" charset="0"/>
-                <a:cs typeface="Calibri" panose="020F0502020204030204" pitchFamily="34" charset="0"/>
-              </a:rPr>
-              <a:t>position</a:t>
-            </a:r>
-            <a:r>
-              <a:rPr lang="en-US" sz="2800" dirty="0">
-                <a:solidFill>
-                  <a:schemeClr val="tx1"/>
-                </a:solidFill>
-                <a:latin typeface="Calibri" panose="020F0502020204030204" pitchFamily="34" charset="0"/>
-                <a:cs typeface="Calibri" panose="020F0502020204030204" pitchFamily="34" charset="0"/>
-              </a:rPr>
-              <a:t> and how you arrived at it.</a:t>
-            </a:r>
-          </a:p>
-          <a:p>
-            <a:pPr eaLnBrk="1" hangingPunct="1"/>
-            <a:endParaRPr lang="en-US" i="1" dirty="0">
+            <a:endParaRPr lang="en-US" sz="1000" dirty="0">
               <a:solidFill>
                 <a:schemeClr val="tx1"/>
               </a:solidFill>
-              <a:latin typeface="Times New Roman" charset="0"/>
+              <a:latin typeface="Calibri" panose="020F0502020204030204" pitchFamily="34" charset="0"/>
+              <a:cs typeface="Calibri" panose="020F0502020204030204" pitchFamily="34" charset="0"/>
             </a:endParaRPr>
           </a:p>
-        </p:txBody>
-      </p:sp>
+          <a:p>
+            <a:pPr>
+              <a:buFontTx/>
+              <a:buNone/>
+              <a:defRPr/>
+            </a:pPr>
+            <a:r>
+              <a:rPr lang="en-US" dirty="0">
+                <a:solidFill>
+                  <a:schemeClr val="tx1"/>
+                </a:solidFill>
+                <a:latin typeface="Calibri" panose="020F0502020204030204" pitchFamily="34" charset="0"/>
+                <a:cs typeface="Calibri" panose="020F0502020204030204" pitchFamily="34" charset="0"/>
+              </a:rPr>
+              <a:t>	B:  No</a:t>
+            </a:r>
+          </a:p>
+          <a:p>
+            <a:pPr>
+              <a:buFontTx/>
+              <a:buNone/>
+              <a:defRPr/>
+            </a:pPr>
+            <a:endParaRPr lang="en-US" dirty="0">
+              <a:solidFill>
+                <a:schemeClr val="tx1"/>
+              </a:solidFill>
+              <a:latin typeface="Calibri" panose="020F0502020204030204" pitchFamily="34" charset="0"/>
+              <a:cs typeface="Calibri" panose="020F0502020204030204" pitchFamily="34" charset="0"/>
+            </a:endParaRPr>
+          </a:p>
+          <a:p>
+            <a:pPr>
+              <a:buFontTx/>
+              <a:buNone/>
+              <a:defRPr/>
+            </a:pPr>
+            <a:r>
+              <a:rPr lang="en-US" dirty="0">
+                <a:solidFill>
+                  <a:schemeClr val="tx1"/>
+                </a:solidFill>
+                <a:latin typeface="Calibri" panose="020F0502020204030204" pitchFamily="34" charset="0"/>
+                <a:cs typeface="Calibri" panose="020F0502020204030204" pitchFamily="34" charset="0"/>
+              </a:rPr>
+              <a:t>	Why or </a:t>
+            </a:r>
+            <a:br>
+              <a:rPr lang="en-US" dirty="0">
+                <a:solidFill>
+                  <a:schemeClr val="tx1"/>
+                </a:solidFill>
+                <a:latin typeface="Calibri" panose="020F0502020204030204" pitchFamily="34" charset="0"/>
+                <a:cs typeface="Calibri" panose="020F0502020204030204" pitchFamily="34" charset="0"/>
+              </a:rPr>
+            </a:br>
+            <a:r>
+              <a:rPr lang="en-US" dirty="0">
+                <a:solidFill>
+                  <a:schemeClr val="tx1"/>
+                </a:solidFill>
+                <a:latin typeface="Calibri" panose="020F0502020204030204" pitchFamily="34" charset="0"/>
+                <a:cs typeface="Calibri" panose="020F0502020204030204" pitchFamily="34" charset="0"/>
+              </a:rPr>
+              <a:t>why not?</a:t>
+            </a:r>
+          </a:p>
+          <a:p>
+            <a:pPr marL="0" indent="0">
+              <a:buFontTx/>
+              <a:buNone/>
+              <a:defRPr/>
+            </a:pPr>
+            <a:endParaRPr lang="en-US" dirty="0">
+              <a:latin typeface="Gill Sans"/>
+              <a:cs typeface="Gill Sans"/>
+            </a:endParaRPr>
+          </a:p>
+        </p:txBody>
+      </p:sp>
+      <p:pic>
+        <p:nvPicPr>
+          <p:cNvPr id="51207" name="Picture 12" descr="166378main_nanobacteria"/>
+          <p:cNvPicPr>
+            <a:picLocks noChangeAspect="1" noChangeArrowheads="1"/>
+          </p:cNvPicPr>
+          <p:nvPr/>
+        </p:nvPicPr>
+        <p:blipFill>
+          <a:blip r:embed="rId3">
+            <a:extLst>
+              <a:ext uri="{28A0092B-C50C-407E-A947-70E740481C1C}">
+                <a14:useLocalDpi xmlns:a14="http://schemas.microsoft.com/office/drawing/2010/main" val="0"/>
+              </a:ext>
+            </a:extLst>
+          </a:blip>
+          <a:srcRect/>
+          <a:stretch>
+            <a:fillRect/>
+          </a:stretch>
+        </p:blipFill>
+        <p:spPr bwMode="auto">
+          <a:xfrm>
+            <a:off x="3733800" y="1847089"/>
+            <a:ext cx="4077138" cy="2925346"/>
+          </a:xfrm>
+          <a:prstGeom prst="rect">
+            <a:avLst/>
+          </a:prstGeom>
+          <a:noFill/>
+          <a:ln>
+            <a:noFill/>
+          </a:ln>
+          <a:extLst>
+            <a:ext uri="{909E8E84-426E-40dd-AFC4-6F175D3DCCD1}">
+              <a14:hiddenFill xmlns:a14="http://schemas.microsoft.com/office/drawing/2010/main" xmlns="">
+                <a:solidFill>
+                  <a:srgbClr val="FFFFFF"/>
+                </a:solidFill>
+              </a14:hiddenFill>
+            </a:ext>
+            <a:ext uri="{91240B29-F687-4f45-9708-019B960494DF}">
+              <a14:hiddenLine xmlns:a14="http://schemas.microsoft.com/office/drawing/2010/main" xmlns="" w="9525">
+                <a:solidFill>
+                  <a:srgbClr val="000000"/>
+                </a:solidFill>
+                <a:miter lim="800000"/>
+                <a:headEnd/>
+                <a:tailEnd/>
+              </a14:hiddenLine>
+            </a:ext>
+          </a:extLst>
+        </p:spPr>
+      </p:pic>
     </p:spTree>
     <p:extLst>
       <p:ext uri="{BB962C8B-B14F-4D97-AF65-F5344CB8AC3E}">
-        <p14:creationId xmlns:p14="http://schemas.microsoft.com/office/powerpoint/2010/main" val="3444584346"/>
+        <p14:creationId xmlns:p14="http://schemas.microsoft.com/office/powerpoint/2010/main" val="1879028311"/>
       </p:ext>
     </p:extLst>
   </p:cSld>
@@ -16563,150 +16090,7 @@
       </p:grpSpPr>
       <p:sp>
         <p:nvSpPr>
-          <p:cNvPr id="55299" name="Rectangle 2"/>
-          <p:cNvSpPr>
-            <a:spLocks noGrp="1" noChangeArrowheads="1"/>
-          </p:cNvSpPr>
-          <p:nvPr>
-            <p:ph type="title"/>
-          </p:nvPr>
-        </p:nvSpPr>
-        <p:spPr/>
-        <p:txBody>
-          <a:bodyPr>
-            <a:normAutofit/>
-          </a:bodyPr>
-          <a:lstStyle/>
-          <a:p>
-            <a:pPr algn="l" eaLnBrk="1" hangingPunct="1"/>
-            <a:r>
-              <a:rPr lang="en-US" b="1" dirty="0">
-                <a:solidFill>
-                  <a:schemeClr val="tx1"/>
-                </a:solidFill>
-                <a:latin typeface="Calibri" panose="020F0502020204030204" pitchFamily="34" charset="0"/>
-                <a:cs typeface="Calibri" panose="020F0502020204030204" pitchFamily="34" charset="0"/>
-              </a:rPr>
-              <a:t>Homework: Supplemental Analysis</a:t>
-            </a:r>
-          </a:p>
-        </p:txBody>
-      </p:sp>
-      <p:sp>
-        <p:nvSpPr>
-          <p:cNvPr id="55300" name="Rectangle 3"/>
-          <p:cNvSpPr>
-            <a:spLocks noGrp="1" noChangeArrowheads="1"/>
-          </p:cNvSpPr>
-          <p:nvPr>
-            <p:ph idx="1"/>
-          </p:nvPr>
-        </p:nvSpPr>
-        <p:spPr>
-          <a:xfrm>
-            <a:off x="822960" y="1417615"/>
-            <a:ext cx="7833958" cy="3394472"/>
-          </a:xfrm>
-        </p:spPr>
-        <p:txBody>
-          <a:bodyPr>
-            <a:normAutofit/>
-          </a:bodyPr>
-          <a:lstStyle/>
-          <a:p>
-            <a:pPr marL="0" indent="0" eaLnBrk="1" hangingPunct="1">
-              <a:lnSpc>
-                <a:spcPct val="90000"/>
-              </a:lnSpc>
-              <a:buFontTx/>
-              <a:buNone/>
-            </a:pPr>
-            <a:r>
-              <a:rPr lang="en-US" dirty="0">
-                <a:solidFill>
-                  <a:schemeClr val="tx1"/>
-                </a:solidFill>
-                <a:latin typeface="Calibri" panose="020F0502020204030204" pitchFamily="34" charset="0"/>
-                <a:cs typeface="Calibri" panose="020F0502020204030204" pitchFamily="34" charset="0"/>
-              </a:rPr>
-              <a:t>A second assay finds the RNA in the virus-like particles has small amounts of a 5</a:t>
-            </a:r>
-            <a:r>
-              <a:rPr lang="en-US" baseline="30000" dirty="0">
-                <a:solidFill>
-                  <a:schemeClr val="tx1"/>
-                </a:solidFill>
-                <a:latin typeface="Calibri" panose="020F0502020204030204" pitchFamily="34" charset="0"/>
-                <a:cs typeface="Calibri" panose="020F0502020204030204" pitchFamily="34" charset="0"/>
-              </a:rPr>
-              <a:t>th</a:t>
-            </a:r>
-            <a:r>
-              <a:rPr lang="en-US" dirty="0">
-                <a:solidFill>
-                  <a:schemeClr val="tx1"/>
-                </a:solidFill>
-                <a:latin typeface="Calibri" panose="020F0502020204030204" pitchFamily="34" charset="0"/>
-                <a:cs typeface="Calibri" panose="020F0502020204030204" pitchFamily="34" charset="0"/>
-              </a:rPr>
-              <a:t> base: inosine</a:t>
-            </a:r>
-          </a:p>
-          <a:p>
-            <a:pPr eaLnBrk="1" hangingPunct="1">
-              <a:lnSpc>
-                <a:spcPct val="90000"/>
-              </a:lnSpc>
-            </a:pPr>
-            <a:r>
-              <a:rPr lang="en-US" dirty="0">
-                <a:solidFill>
-                  <a:schemeClr val="tx1"/>
-                </a:solidFill>
-                <a:latin typeface="Calibri" panose="020F0502020204030204" pitchFamily="34" charset="0"/>
-                <a:cs typeface="Calibri" panose="020F0502020204030204" pitchFamily="34" charset="0"/>
-              </a:rPr>
-              <a:t>Does this change your interpretation of the evidence?</a:t>
-            </a:r>
-          </a:p>
-          <a:p>
-            <a:pPr eaLnBrk="1" hangingPunct="1">
-              <a:lnSpc>
-                <a:spcPct val="90000"/>
-              </a:lnSpc>
-            </a:pPr>
-            <a:r>
-              <a:rPr lang="en-US" dirty="0">
-                <a:solidFill>
-                  <a:schemeClr val="tx1"/>
-                </a:solidFill>
-                <a:latin typeface="Calibri" panose="020F0502020204030204" pitchFamily="34" charset="0"/>
-                <a:cs typeface="Calibri" panose="020F0502020204030204" pitchFamily="34" charset="0"/>
-              </a:rPr>
-              <a:t>What is your rationale?</a:t>
-            </a:r>
-          </a:p>
-          <a:p>
-            <a:pPr marL="0" indent="0" eaLnBrk="1" hangingPunct="1">
-              <a:lnSpc>
-                <a:spcPct val="90000"/>
-              </a:lnSpc>
-              <a:buFontTx/>
-              <a:buNone/>
-            </a:pPr>
-            <a:endParaRPr lang="en-US" dirty="0">
-              <a:solidFill>
-                <a:schemeClr val="tx1"/>
-              </a:solidFill>
-              <a:latin typeface="Gill Sans"/>
-              <a:cs typeface="Gill Sans"/>
-            </a:endParaRPr>
-          </a:p>
-        </p:txBody>
-      </p:sp>
-      <p:sp>
-        <p:nvSpPr>
-          <p:cNvPr id="55297" name="Slide Number Placeholder 3"/>
+          <p:cNvPr id="24577" name="Slide Number Placeholder 5"/>
           <p:cNvSpPr>
             <a:spLocks noGrp="1"/>
           </p:cNvSpPr>
@@ -16719,14 +16103,14 @@
           <a:ln/>
           <a:extLst>
             <a:ext uri="{909E8E84-426E-40dd-AFC4-6F175D3DCCD1}">
-              <a14:hiddenFill xmlns="" xmlns:a14="http://schemas.microsoft.com/office/drawing/2010/main">
+              <a14:hiddenFill xmlns:a14="http://schemas.microsoft.com/office/drawing/2010/main" xmlns="">
                 <a:solidFill>
                   <a:srgbClr val="FFFFFF"/>
                 </a:solidFill>
               </a14:hiddenFill>
             </a:ext>
             <a:ext uri="{91240B29-F687-4f45-9708-019B960494DF}">
-              <a14:hiddenLine xmlns="" xmlns:a14="http://schemas.microsoft.com/office/drawing/2010/main" w="9525">
+              <a14:hiddenLine xmlns:a14="http://schemas.microsoft.com/office/drawing/2010/main" xmlns="" w="9525">
                 <a:solidFill>
                   <a:srgbClr val="000000"/>
                 </a:solidFill>
@@ -16849,7 +16233,7 @@
           </a:lstStyle>
           <a:p>
             <a:pPr eaLnBrk="1" hangingPunct="1"/>
-            <a:fld id="{58E31CC1-F425-F740-A5E8-A0B483DE6F94}" type="slidenum">
+            <a:fld id="{B247B398-9BA7-6B47-9A69-3F579943F7BA}" type="slidenum">
               <a:rPr lang="en-US" sz="1400"/>
               <a:pPr eaLnBrk="1" hangingPunct="1"/>
               <a:t>22</a:t>
@@ -16858,10 +16242,172 @@
           </a:p>
         </p:txBody>
       </p:sp>
+      <p:sp>
+        <p:nvSpPr>
+          <p:cNvPr id="24578" name="Rectangle 1026"/>
+          <p:cNvSpPr>
+            <a:spLocks noGrp="1" noChangeArrowheads="1"/>
+          </p:cNvSpPr>
+          <p:nvPr>
+            <p:ph type="title"/>
+          </p:nvPr>
+        </p:nvSpPr>
+        <p:spPr>
+          <a:xfrm>
+            <a:off x="838200" y="342432"/>
+            <a:ext cx="7848600" cy="800100"/>
+          </a:xfrm>
+        </p:spPr>
+        <p:txBody>
+          <a:bodyPr/>
+          <a:lstStyle/>
+          <a:p>
+            <a:pPr algn="l" eaLnBrk="1" hangingPunct="1"/>
+            <a:r>
+              <a:rPr lang="en-US" sz="3600" b="1" dirty="0">
+                <a:solidFill>
+                  <a:schemeClr val="tx1"/>
+                </a:solidFill>
+                <a:latin typeface="Calibri" panose="020F0502020204030204" pitchFamily="34" charset="0"/>
+                <a:cs typeface="Calibri" panose="020F0502020204030204" pitchFamily="34" charset="0"/>
+              </a:rPr>
+              <a:t>Homework</a:t>
+            </a:r>
+            <a:r>
+              <a:rPr lang="en-US" b="1" dirty="0">
+                <a:solidFill>
+                  <a:schemeClr val="tx1"/>
+                </a:solidFill>
+                <a:latin typeface="Calibri" panose="020F0502020204030204" pitchFamily="34" charset="0"/>
+                <a:cs typeface="Calibri" panose="020F0502020204030204" pitchFamily="34" charset="0"/>
+              </a:rPr>
+              <a:t>: Make </a:t>
+            </a:r>
+            <a:r>
+              <a:rPr lang="en-US" sz="3600" b="1" dirty="0">
+                <a:solidFill>
+                  <a:schemeClr val="tx1"/>
+                </a:solidFill>
+                <a:latin typeface="Calibri" panose="020F0502020204030204" pitchFamily="34" charset="0"/>
+                <a:cs typeface="Calibri" panose="020F0502020204030204" pitchFamily="34" charset="0"/>
+              </a:rPr>
+              <a:t>Your Case</a:t>
+            </a:r>
+          </a:p>
+        </p:txBody>
+      </p:sp>
+      <p:sp>
+        <p:nvSpPr>
+          <p:cNvPr id="24579" name="Rectangle 1027"/>
+          <p:cNvSpPr>
+            <a:spLocks noGrp="1" noChangeArrowheads="1"/>
+          </p:cNvSpPr>
+          <p:nvPr>
+            <p:ph type="body" idx="1"/>
+          </p:nvPr>
+        </p:nvSpPr>
+        <p:spPr>
+          <a:xfrm>
+            <a:off x="533400" y="1314450"/>
+            <a:ext cx="7848600" cy="3394472"/>
+          </a:xfrm>
+        </p:spPr>
+        <p:txBody>
+          <a:bodyPr/>
+          <a:lstStyle/>
+          <a:p>
+            <a:pPr eaLnBrk="1" hangingPunct="1">
+              <a:buFontTx/>
+              <a:buNone/>
+            </a:pPr>
+            <a:r>
+              <a:rPr lang="en-US" dirty="0">
+                <a:solidFill>
+                  <a:schemeClr val="tx1"/>
+                </a:solidFill>
+                <a:latin typeface="Times New Roman" charset="0"/>
+              </a:rPr>
+              <a:t>	</a:t>
+            </a:r>
+            <a:r>
+              <a:rPr lang="en-US" sz="2800" dirty="0">
+                <a:solidFill>
+                  <a:schemeClr val="tx1"/>
+                </a:solidFill>
+                <a:latin typeface="Calibri" panose="020F0502020204030204" pitchFamily="34" charset="0"/>
+                <a:cs typeface="Calibri" panose="020F0502020204030204" pitchFamily="34" charset="0"/>
+              </a:rPr>
+              <a:t>Based on the findings, the President wants to know whether to announce that extraterrestrial life has been discovered. </a:t>
+            </a:r>
+          </a:p>
+          <a:p>
+            <a:pPr lvl="1"/>
+            <a:r>
+              <a:rPr lang="en-US" sz="2400" dirty="0">
+                <a:solidFill>
+                  <a:schemeClr val="tx1"/>
+                </a:solidFill>
+                <a:latin typeface="Calibri" panose="020F0502020204030204" pitchFamily="34" charset="0"/>
+                <a:cs typeface="Calibri" panose="020F0502020204030204" pitchFamily="34" charset="0"/>
+              </a:rPr>
+              <a:t>Write a 1-page summary letter stating </a:t>
+            </a:r>
+            <a:r>
+              <a:rPr lang="en-US" sz="2400" b="1" dirty="0">
+                <a:solidFill>
+                  <a:schemeClr val="tx1"/>
+                </a:solidFill>
+                <a:latin typeface="Calibri" panose="020F0502020204030204" pitchFamily="34" charset="0"/>
+                <a:cs typeface="Calibri" panose="020F0502020204030204" pitchFamily="34" charset="0"/>
+              </a:rPr>
+              <a:t>your</a:t>
+            </a:r>
+            <a:r>
+              <a:rPr lang="en-US" sz="2400" dirty="0">
+                <a:solidFill>
+                  <a:schemeClr val="tx1"/>
+                </a:solidFill>
+                <a:latin typeface="Calibri" panose="020F0502020204030204" pitchFamily="34" charset="0"/>
+                <a:cs typeface="Calibri" panose="020F0502020204030204" pitchFamily="34" charset="0"/>
+              </a:rPr>
+              <a:t> </a:t>
+            </a:r>
+            <a:r>
+              <a:rPr lang="en-US" sz="2400" b="1" dirty="0">
+                <a:solidFill>
+                  <a:schemeClr val="tx1"/>
+                </a:solidFill>
+                <a:latin typeface="Calibri" panose="020F0502020204030204" pitchFamily="34" charset="0"/>
+                <a:cs typeface="Calibri" panose="020F0502020204030204" pitchFamily="34" charset="0"/>
+              </a:rPr>
+              <a:t>position</a:t>
+            </a:r>
+            <a:r>
+              <a:rPr lang="en-US" sz="2400" dirty="0">
+                <a:solidFill>
+                  <a:schemeClr val="tx1"/>
+                </a:solidFill>
+                <a:latin typeface="Calibri" panose="020F0502020204030204" pitchFamily="34" charset="0"/>
+                <a:cs typeface="Calibri" panose="020F0502020204030204" pitchFamily="34" charset="0"/>
+              </a:rPr>
+              <a:t> and how you arrived at it.</a:t>
+            </a:r>
+          </a:p>
+          <a:p>
+            <a:pPr eaLnBrk="1" hangingPunct="1"/>
+            <a:endParaRPr lang="en-US" i="1" dirty="0">
+              <a:solidFill>
+                <a:schemeClr val="tx1"/>
+              </a:solidFill>
+              <a:latin typeface="Times New Roman" charset="0"/>
+            </a:endParaRPr>
+          </a:p>
+        </p:txBody>
+      </p:sp>
     </p:spTree>
     <p:extLst>
       <p:ext uri="{BB962C8B-B14F-4D97-AF65-F5344CB8AC3E}">
-        <p14:creationId xmlns:p14="http://schemas.microsoft.com/office/powerpoint/2010/main" val="1802649320"/>
+        <p14:creationId xmlns:p14="http://schemas.microsoft.com/office/powerpoint/2010/main" val="3444584346"/>
       </p:ext>
     </p:extLst>
   </p:cSld>
@@ -16890,288 +16436,305 @@
       </p:grpSpPr>
       <p:sp>
         <p:nvSpPr>
-          <p:cNvPr id="6" name="Rectangle 5"/>
-          <p:cNvSpPr/>
-          <p:nvPr/>
+          <p:cNvPr id="55299" name="Rectangle 2"/>
+          <p:cNvSpPr>
+            <a:spLocks noGrp="1" noChangeArrowheads="1"/>
+          </p:cNvSpPr>
+          <p:nvPr>
+            <p:ph type="title"/>
+          </p:nvPr>
+        </p:nvSpPr>
+        <p:spPr/>
+        <p:txBody>
+          <a:bodyPr>
+            <a:normAutofit/>
+          </a:bodyPr>
+          <a:lstStyle/>
+          <a:p>
+            <a:pPr algn="l" eaLnBrk="1" hangingPunct="1"/>
+            <a:r>
+              <a:rPr lang="en-US" b="1" dirty="0">
+                <a:solidFill>
+                  <a:schemeClr val="tx1"/>
+                </a:solidFill>
+                <a:latin typeface="Calibri" panose="020F0502020204030204" pitchFamily="34" charset="0"/>
+                <a:cs typeface="Calibri" panose="020F0502020204030204" pitchFamily="34" charset="0"/>
+              </a:rPr>
+              <a:t>Homework: Supplemental Analysis</a:t>
+            </a:r>
+          </a:p>
+        </p:txBody>
+      </p:sp>
+      <p:sp>
+        <p:nvSpPr>
+          <p:cNvPr id="55300" name="Rectangle 3"/>
+          <p:cNvSpPr>
+            <a:spLocks noGrp="1" noChangeArrowheads="1"/>
+          </p:cNvSpPr>
+          <p:nvPr>
+            <p:ph idx="1"/>
+          </p:nvPr>
         </p:nvSpPr>
         <p:spPr>
           <a:xfrm>
-            <a:off x="0" y="313417"/>
-            <a:ext cx="7367222" cy="749812"/>
+            <a:off x="822960" y="1312276"/>
+            <a:ext cx="7833958" cy="3202743"/>
           </a:xfrm>
-          <a:prstGeom prst="rect">
-            <a:avLst/>
-          </a:prstGeom>
-          <a:solidFill>
-            <a:srgbClr val="D6E5BD"/>
-          </a:solidFill>
-          <a:ln>
-            <a:solidFill>
-              <a:schemeClr val="tx1"/>
-            </a:solidFill>
-          </a:ln>
-          <a:effectLst/>
+        </p:spPr>
+        <p:txBody>
+          <a:bodyPr>
+            <a:normAutofit/>
+          </a:bodyPr>
+          <a:lstStyle/>
+          <a:p>
+            <a:pPr marL="0" indent="0" eaLnBrk="1" hangingPunct="1">
+              <a:lnSpc>
+                <a:spcPct val="90000"/>
+              </a:lnSpc>
+              <a:buFontTx/>
+              <a:buNone/>
+            </a:pPr>
+            <a:r>
+              <a:rPr lang="en-US" dirty="0">
+                <a:solidFill>
+                  <a:schemeClr val="tx1"/>
+                </a:solidFill>
+                <a:latin typeface="Calibri" panose="020F0502020204030204" pitchFamily="34" charset="0"/>
+                <a:cs typeface="Calibri" panose="020F0502020204030204" pitchFamily="34" charset="0"/>
+              </a:rPr>
+              <a:t>A second assay finds the RNA in the virus-like particles has small amounts of a 5</a:t>
+            </a:r>
+            <a:r>
+              <a:rPr lang="en-US" baseline="30000" dirty="0">
+                <a:solidFill>
+                  <a:schemeClr val="tx1"/>
+                </a:solidFill>
+                <a:latin typeface="Calibri" panose="020F0502020204030204" pitchFamily="34" charset="0"/>
+                <a:cs typeface="Calibri" panose="020F0502020204030204" pitchFamily="34" charset="0"/>
+              </a:rPr>
+              <a:t>th</a:t>
+            </a:r>
+            <a:r>
+              <a:rPr lang="en-US" dirty="0">
+                <a:solidFill>
+                  <a:schemeClr val="tx1"/>
+                </a:solidFill>
+                <a:latin typeface="Calibri" panose="020F0502020204030204" pitchFamily="34" charset="0"/>
+                <a:cs typeface="Calibri" panose="020F0502020204030204" pitchFamily="34" charset="0"/>
+              </a:rPr>
+              <a:t> base: inosine</a:t>
+            </a:r>
+          </a:p>
+          <a:p>
+            <a:pPr eaLnBrk="1" hangingPunct="1">
+              <a:lnSpc>
+                <a:spcPct val="90000"/>
+              </a:lnSpc>
+            </a:pPr>
+            <a:r>
+              <a:rPr lang="en-US" sz="2800" dirty="0">
+                <a:solidFill>
+                  <a:schemeClr val="tx1"/>
+                </a:solidFill>
+                <a:latin typeface="Calibri" panose="020F0502020204030204" pitchFamily="34" charset="0"/>
+                <a:cs typeface="Calibri" panose="020F0502020204030204" pitchFamily="34" charset="0"/>
+              </a:rPr>
+              <a:t>Does this change your interpretation of the evidence?</a:t>
+            </a:r>
+          </a:p>
+          <a:p>
+            <a:pPr eaLnBrk="1" hangingPunct="1">
+              <a:lnSpc>
+                <a:spcPct val="90000"/>
+              </a:lnSpc>
+            </a:pPr>
+            <a:r>
+              <a:rPr lang="en-US" sz="2800" dirty="0">
+                <a:solidFill>
+                  <a:schemeClr val="tx1"/>
+                </a:solidFill>
+                <a:latin typeface="Calibri" panose="020F0502020204030204" pitchFamily="34" charset="0"/>
+                <a:cs typeface="Calibri" panose="020F0502020204030204" pitchFamily="34" charset="0"/>
+              </a:rPr>
+              <a:t>What is your rationale?</a:t>
+            </a:r>
+          </a:p>
+          <a:p>
+            <a:pPr marL="0" indent="0" eaLnBrk="1" hangingPunct="1">
+              <a:lnSpc>
+                <a:spcPct val="90000"/>
+              </a:lnSpc>
+              <a:buFontTx/>
+              <a:buNone/>
+            </a:pPr>
+            <a:endParaRPr lang="en-US" dirty="0">
+              <a:solidFill>
+                <a:schemeClr val="tx1"/>
+              </a:solidFill>
+              <a:latin typeface="Gill Sans"/>
+              <a:cs typeface="Gill Sans"/>
+            </a:endParaRPr>
+          </a:p>
+        </p:txBody>
+      </p:sp>
+      <p:sp>
+        <p:nvSpPr>
+          <p:cNvPr id="55297" name="Slide Number Placeholder 3"/>
+          <p:cNvSpPr>
+            <a:spLocks noGrp="1"/>
+          </p:cNvSpPr>
+          <p:nvPr>
+            <p:ph type="sldNum" sz="quarter" idx="12"/>
+          </p:nvPr>
+        </p:nvSpPr>
+        <p:spPr>
+          <a:noFill/>
+          <a:ln/>
           <a:extLst>
-            <a:ext uri="{FAA26D3D-D897-4be2-8F04-BA451C77F1D7}">
-              <ma14:placeholderFlag xmlns="" xmlns:ma14="http://schemas.microsoft.com/office/mac/drawingml/2011/main"/>
+            <a:ext uri="{909E8E84-426E-40dd-AFC4-6F175D3DCCD1}">
+              <a14:hiddenFill xmlns:a14="http://schemas.microsoft.com/office/drawing/2010/main" xmlns="">
+                <a:solidFill>
+                  <a:srgbClr val="FFFFFF"/>
+                </a:solidFill>
+              </a14:hiddenFill>
             </a:ext>
-            <a:ext uri="{C572A759-6A51-4108-AA02-DFA0A04FC94B}">
-              <ma14:wrappingTextBoxFlag xmlns="" xmlns:ma14="http://schemas.microsoft.com/office/mac/drawingml/2011/main"/>
+            <a:ext uri="{91240B29-F687-4f45-9708-019B960494DF}">
+              <a14:hiddenLine xmlns:a14="http://schemas.microsoft.com/office/drawing/2010/main" xmlns="" w="9525">
+                <a:solidFill>
+                  <a:srgbClr val="000000"/>
+                </a:solidFill>
+                <a:miter lim="800000"/>
+                <a:headEnd/>
+                <a:tailEnd/>
+              </a14:hiddenLine>
             </a:ext>
           </a:extLst>
         </p:spPr>
-        <p:style>
-          <a:lnRef idx="1">
-            <a:schemeClr val="accent1"/>
-          </a:lnRef>
-          <a:fillRef idx="3">
-            <a:schemeClr val="accent1"/>
-          </a:fillRef>
-          <a:effectRef idx="2">
-            <a:schemeClr val="accent1"/>
-          </a:effectRef>
-          <a:fontRef idx="minor">
-            <a:schemeClr val="lt1"/>
-          </a:fontRef>
-        </p:style>
-        <p:txBody>
-          <a:bodyPr rot="0" spcFirstLastPara="0" vert="horz" wrap="square" lIns="91440" tIns="45720" rIns="91440" bIns="45720" numCol="1" spcCol="0" rtlCol="0" fromWordArt="0" anchor="ctr" anchorCtr="0" forceAA="0" compatLnSpc="1">
-            <a:prstTxWarp prst="textNoShape">
-              <a:avLst/>
-            </a:prstTxWarp>
-            <a:noAutofit/>
-          </a:bodyPr>
-          <a:lstStyle/>
-          <a:p>
-            <a:pPr marL="0" marR="0">
-              <a:spcBef>
-                <a:spcPts val="0"/>
-              </a:spcBef>
-              <a:spcAft>
-                <a:spcPts val="0"/>
-              </a:spcAft>
-            </a:pPr>
-            <a:endParaRPr lang="en-US" sz="1200" dirty="0">
-              <a:effectLst/>
-              <a:ea typeface="Calibri"/>
-              <a:cs typeface="Times New Roman"/>
-            </a:endParaRPr>
-          </a:p>
-        </p:txBody>
-      </p:sp>
-      <p:pic>
-        <p:nvPicPr>
-          <p:cNvPr id="7" name="Picture 6" descr="Thin-Pair-Share copy.png"/>
-          <p:cNvPicPr>
-            <a:picLocks noChangeAspect="1"/>
-          </p:cNvPicPr>
-          <p:nvPr/>
-        </p:nvPicPr>
-        <p:blipFill>
-          <a:blip r:embed="rId3">
-            <a:extLst>
-              <a:ext uri="{28A0092B-C50C-407E-A947-70E740481C1C}">
-                <a14:useLocalDpi xmlns:a14="http://schemas.microsoft.com/office/drawing/2010/main" val="0"/>
-              </a:ext>
-            </a:extLst>
-          </a:blip>
-          <a:stretch>
-            <a:fillRect/>
-          </a:stretch>
-        </p:blipFill>
-        <p:spPr>
-          <a:xfrm>
-            <a:off x="6092048" y="396459"/>
-            <a:ext cx="783858" cy="546243"/>
-          </a:xfrm>
-          <a:prstGeom prst="rect">
-            <a:avLst/>
-          </a:prstGeom>
-        </p:spPr>
-      </p:pic>
-      <p:sp>
-        <p:nvSpPr>
-          <p:cNvPr id="2" name="Title 1"/>
-          <p:cNvSpPr>
-            <a:spLocks noGrp="1"/>
-          </p:cNvSpPr>
-          <p:nvPr>
-            <p:ph type="title"/>
-          </p:nvPr>
-        </p:nvSpPr>
-        <p:spPr/>
         <p:txBody>
           <a:bodyPr/>
-          <a:lstStyle/>
-          <a:p>
-            <a:pPr algn="l"/>
-            <a:r>
-              <a:rPr lang="en-US" b="1" dirty="0">
-                <a:latin typeface="Calibri" panose="020F0502020204030204" pitchFamily="34" charset="0"/>
-                <a:cs typeface="Calibri" panose="020F0502020204030204" pitchFamily="34" charset="0"/>
-              </a:rPr>
-              <a:t>Thinking Process</a:t>
-            </a:r>
-            <a:r>
-              <a:rPr lang="en-US" dirty="0">
-                <a:latin typeface="Calibri" panose="020F0502020204030204" pitchFamily="34" charset="0"/>
-                <a:cs typeface="Calibri" panose="020F0502020204030204" pitchFamily="34" charset="0"/>
-              </a:rPr>
-              <a:t>, Pt. 2</a:t>
-            </a:r>
-          </a:p>
-        </p:txBody>
-      </p:sp>
-      <p:sp>
-        <p:nvSpPr>
-          <p:cNvPr id="3" name="Text Placeholder 2"/>
-          <p:cNvSpPr>
-            <a:spLocks noGrp="1"/>
-          </p:cNvSpPr>
-          <p:nvPr>
-            <p:ph type="body" sz="half" idx="1"/>
-          </p:nvPr>
-        </p:nvSpPr>
-        <p:spPr>
-          <a:xfrm>
-            <a:off x="609600" y="1372791"/>
-            <a:ext cx="8077200" cy="3394472"/>
-          </a:xfrm>
-        </p:spPr>
-        <p:txBody>
-          <a:bodyPr>
-            <a:normAutofit fontScale="92500" lnSpcReduction="20000"/>
-          </a:bodyPr>
-          <a:lstStyle/>
-          <a:p>
-            <a:pPr marL="0" indent="0">
-              <a:buNone/>
-            </a:pPr>
-            <a:r>
-              <a:rPr lang="en-US" dirty="0">
-                <a:latin typeface="Calibri" panose="020F0502020204030204" pitchFamily="34" charset="0"/>
-                <a:cs typeface="Calibri" panose="020F0502020204030204" pitchFamily="34" charset="0"/>
-              </a:rPr>
-              <a:t>After working on a complex question you should:</a:t>
-            </a:r>
-          </a:p>
-          <a:p>
-            <a:r>
-              <a:rPr lang="en-US" sz="3000" i="1" dirty="0">
-                <a:latin typeface="Calibri" panose="020F0502020204030204" pitchFamily="34" charset="0"/>
-                <a:cs typeface="Calibri" panose="020F0502020204030204" pitchFamily="34" charset="0"/>
-              </a:rPr>
-              <a:t>Debrief</a:t>
-            </a:r>
-          </a:p>
-          <a:p>
-            <a:pPr lvl="1"/>
-            <a:r>
-              <a:rPr lang="en-US" sz="2600" dirty="0">
-                <a:latin typeface="Calibri" panose="020F0502020204030204" pitchFamily="34" charset="0"/>
-                <a:cs typeface="Calibri" panose="020F0502020204030204" pitchFamily="34" charset="0"/>
-              </a:rPr>
-              <a:t>What did I/we accomplish?</a:t>
-            </a:r>
-          </a:p>
-          <a:p>
-            <a:pPr lvl="1"/>
-            <a:r>
-              <a:rPr lang="en-US" sz="2600" dirty="0">
-                <a:latin typeface="Calibri" panose="020F0502020204030204" pitchFamily="34" charset="0"/>
-                <a:cs typeface="Calibri" panose="020F0502020204030204" pitchFamily="34" charset="0"/>
-              </a:rPr>
-              <a:t>What did I/we do well?</a:t>
-            </a:r>
-          </a:p>
-          <a:p>
-            <a:pPr lvl="1"/>
-            <a:r>
-              <a:rPr lang="en-US" sz="2600" dirty="0">
-                <a:latin typeface="Calibri" panose="020F0502020204030204" pitchFamily="34" charset="0"/>
-                <a:cs typeface="Calibri" panose="020F0502020204030204" pitchFamily="34" charset="0"/>
-              </a:rPr>
-              <a:t>What did I/we struggle with?</a:t>
-            </a:r>
-          </a:p>
-          <a:p>
-            <a:r>
-              <a:rPr lang="en-US" sz="3000" i="1" dirty="0">
-                <a:latin typeface="Calibri" panose="020F0502020204030204" pitchFamily="34" charset="0"/>
-                <a:cs typeface="Calibri" panose="020F0502020204030204" pitchFamily="34" charset="0"/>
-              </a:rPr>
-              <a:t>Plan</a:t>
-            </a:r>
-            <a:r>
-              <a:rPr lang="en-US" sz="3000" dirty="0">
-                <a:latin typeface="Calibri" panose="020F0502020204030204" pitchFamily="34" charset="0"/>
-                <a:cs typeface="Calibri" panose="020F0502020204030204" pitchFamily="34" charset="0"/>
-              </a:rPr>
-              <a:t> for next time</a:t>
-            </a:r>
-          </a:p>
-          <a:p>
-            <a:pPr lvl="1"/>
-            <a:r>
-              <a:rPr lang="en-US" sz="2600" dirty="0">
-                <a:latin typeface="Calibri" panose="020F0502020204030204" pitchFamily="34" charset="0"/>
-                <a:cs typeface="Calibri" panose="020F0502020204030204" pitchFamily="34" charset="0"/>
-              </a:rPr>
-              <a:t>What could I do better individually, </a:t>
-            </a:r>
-            <a:r>
-              <a:rPr lang="en-US" sz="2600" b="1" i="1" dirty="0">
-                <a:latin typeface="Calibri" panose="020F0502020204030204" pitchFamily="34" charset="0"/>
-                <a:cs typeface="Calibri" panose="020F0502020204030204" pitchFamily="34" charset="0"/>
-              </a:rPr>
-              <a:t>OR</a:t>
-            </a:r>
-          </a:p>
-          <a:p>
-            <a:pPr lvl="1"/>
-            <a:r>
-              <a:rPr lang="en-US" sz="2600" dirty="0">
-                <a:latin typeface="Calibri" panose="020F0502020204030204" pitchFamily="34" charset="0"/>
-                <a:cs typeface="Calibri" panose="020F0502020204030204" pitchFamily="34" charset="0"/>
-              </a:rPr>
-              <a:t>How can we work better as a group?</a:t>
-            </a:r>
-          </a:p>
-        </p:txBody>
-      </p:sp>
-      <p:sp>
-        <p:nvSpPr>
-          <p:cNvPr id="5" name="Slide Number Placeholder 4"/>
-          <p:cNvSpPr>
-            <a:spLocks noGrp="1"/>
-          </p:cNvSpPr>
-          <p:nvPr>
-            <p:ph type="sldNum" sz="quarter" idx="12"/>
-          </p:nvPr>
-        </p:nvSpPr>
-        <p:spPr/>
-        <p:txBody>
-          <a:bodyPr/>
-          <a:lstStyle/>
-          <a:p>
-            <a:pPr>
-              <a:defRPr/>
-            </a:pPr>
-            <a:fld id="{CAA711F4-2CE4-9F42-BBE5-8DD6EAB99D9F}" type="slidenum">
-              <a:rPr lang="en-US" smtClean="0"/>
-              <a:pPr>
-                <a:defRPr/>
-              </a:pPr>
+          <a:lstStyle>
+            <a:lvl1pPr eaLnBrk="0" hangingPunct="0">
+              <a:defRPr sz="2400">
+                <a:solidFill>
+                  <a:schemeClr val="tx1"/>
+                </a:solidFill>
+                <a:latin typeface="Arial" charset="0"/>
+                <a:ea typeface="ＭＳ Ｐゴシック" charset="0"/>
+                <a:cs typeface="ＭＳ Ｐゴシック" charset="0"/>
+              </a:defRPr>
+            </a:lvl1pPr>
+            <a:lvl2pPr marL="742950" indent="-285750" eaLnBrk="0" hangingPunct="0">
+              <a:defRPr sz="2400">
+                <a:solidFill>
+                  <a:schemeClr val="tx1"/>
+                </a:solidFill>
+                <a:latin typeface="Arial" charset="0"/>
+                <a:ea typeface="ＭＳ Ｐゴシック" charset="0"/>
+              </a:defRPr>
+            </a:lvl2pPr>
+            <a:lvl3pPr marL="1143000" indent="-228600" eaLnBrk="0" hangingPunct="0">
+              <a:defRPr sz="2400">
+                <a:solidFill>
+                  <a:schemeClr val="tx1"/>
+                </a:solidFill>
+                <a:latin typeface="Arial" charset="0"/>
+                <a:ea typeface="ＭＳ Ｐゴシック" charset="0"/>
+              </a:defRPr>
+            </a:lvl3pPr>
+            <a:lvl4pPr marL="1600200" indent="-228600" eaLnBrk="0" hangingPunct="0">
+              <a:defRPr sz="2400">
+                <a:solidFill>
+                  <a:schemeClr val="tx1"/>
+                </a:solidFill>
+                <a:latin typeface="Arial" charset="0"/>
+                <a:ea typeface="ＭＳ Ｐゴシック" charset="0"/>
+              </a:defRPr>
+            </a:lvl4pPr>
+            <a:lvl5pPr marL="2057400" indent="-228600" eaLnBrk="0" hangingPunct="0">
+              <a:defRPr sz="2400">
+                <a:solidFill>
+                  <a:schemeClr val="tx1"/>
+                </a:solidFill>
+                <a:latin typeface="Arial" charset="0"/>
+                <a:ea typeface="ＭＳ Ｐゴシック" charset="0"/>
+              </a:defRPr>
+            </a:lvl5pPr>
+            <a:lvl6pPr marL="2514600" indent="-228600" eaLnBrk="0" fontAlgn="base" hangingPunct="0">
+              <a:spcBef>
+                <a:spcPct val="0"/>
+              </a:spcBef>
+              <a:spcAft>
+                <a:spcPct val="0"/>
+              </a:spcAft>
+              <a:defRPr sz="2400">
+                <a:solidFill>
+                  <a:schemeClr val="tx1"/>
+                </a:solidFill>
+                <a:latin typeface="Arial" charset="0"/>
+                <a:ea typeface="ＭＳ Ｐゴシック" charset="0"/>
+              </a:defRPr>
+            </a:lvl6pPr>
+            <a:lvl7pPr marL="2971800" indent="-228600" eaLnBrk="0" fontAlgn="base" hangingPunct="0">
+              <a:spcBef>
+                <a:spcPct val="0"/>
+              </a:spcBef>
+              <a:spcAft>
+                <a:spcPct val="0"/>
+              </a:spcAft>
+              <a:defRPr sz="2400">
+                <a:solidFill>
+                  <a:schemeClr val="tx1"/>
+                </a:solidFill>
+                <a:latin typeface="Arial" charset="0"/>
+                <a:ea typeface="ＭＳ Ｐゴシック" charset="0"/>
+              </a:defRPr>
+            </a:lvl7pPr>
+            <a:lvl8pPr marL="3429000" indent="-228600" eaLnBrk="0" fontAlgn="base" hangingPunct="0">
+              <a:spcBef>
+                <a:spcPct val="0"/>
+              </a:spcBef>
+              <a:spcAft>
+                <a:spcPct val="0"/>
+              </a:spcAft>
+              <a:defRPr sz="2400">
+                <a:solidFill>
+                  <a:schemeClr val="tx1"/>
+                </a:solidFill>
+                <a:latin typeface="Arial" charset="0"/>
+                <a:ea typeface="ＭＳ Ｐゴシック" charset="0"/>
+              </a:defRPr>
+            </a:lvl8pPr>
+            <a:lvl9pPr marL="3886200" indent="-228600" eaLnBrk="0" fontAlgn="base" hangingPunct="0">
+              <a:spcBef>
+                <a:spcPct val="0"/>
+              </a:spcBef>
+              <a:spcAft>
+                <a:spcPct val="0"/>
+              </a:spcAft>
+              <a:defRPr sz="2400">
+                <a:solidFill>
+                  <a:schemeClr val="tx1"/>
+                </a:solidFill>
+                <a:latin typeface="Arial" charset="0"/>
+                <a:ea typeface="ＭＳ Ｐゴシック" charset="0"/>
+              </a:defRPr>
+            </a:lvl9pPr>
+          </a:lstStyle>
+          <a:p>
+            <a:pPr eaLnBrk="1" hangingPunct="1"/>
+            <a:fld id="{58E31CC1-F425-F740-A5E8-A0B483DE6F94}" type="slidenum">
+              <a:rPr lang="en-US" sz="1400"/>
+              <a:pPr eaLnBrk="1" hangingPunct="1"/>
               <a:t>23</a:t>
             </a:fld>
-            <a:endParaRPr lang="en-US"/>
+            <a:endParaRPr lang="en-US" sz="1400"/>
           </a:p>
         </p:txBody>
       </p:sp>
     </p:spTree>
     <p:extLst>
       <p:ext uri="{BB962C8B-B14F-4D97-AF65-F5344CB8AC3E}">
-        <p14:creationId xmlns:p14="http://schemas.microsoft.com/office/powerpoint/2010/main" val="2487392692"/>
+        <p14:creationId xmlns:p14="http://schemas.microsoft.com/office/powerpoint/2010/main" val="1802649320"/>
       </p:ext>
     </p:extLst>
   </p:cSld>
@@ -17198,6 +16761,245 @@
           <a:chExt cx="0" cy="0"/>
         </a:xfrm>
       </p:grpSpPr>
+      <p:pic>
+        <p:nvPicPr>
+          <p:cNvPr id="7" name="Picture 6" descr="Thin-Pair-Share copy.png"/>
+          <p:cNvPicPr>
+            <a:picLocks noChangeAspect="1"/>
+          </p:cNvPicPr>
+          <p:nvPr/>
+        </p:nvPicPr>
+        <p:blipFill>
+          <a:blip r:embed="rId3">
+            <a:extLst>
+              <a:ext uri="{28A0092B-C50C-407E-A947-70E740481C1C}">
+                <a14:useLocalDpi xmlns:a14="http://schemas.microsoft.com/office/drawing/2010/main" val="0"/>
+              </a:ext>
+            </a:extLst>
+          </a:blip>
+          <a:stretch>
+            <a:fillRect/>
+          </a:stretch>
+        </p:blipFill>
+        <p:spPr>
+          <a:xfrm>
+            <a:off x="7253336" y="423891"/>
+            <a:ext cx="783858" cy="546243"/>
+          </a:xfrm>
+          <a:prstGeom prst="rect">
+            <a:avLst/>
+          </a:prstGeom>
+        </p:spPr>
+      </p:pic>
+      <p:sp>
+        <p:nvSpPr>
+          <p:cNvPr id="2" name="Title 1"/>
+          <p:cNvSpPr>
+            <a:spLocks noGrp="1"/>
+          </p:cNvSpPr>
+          <p:nvPr>
+            <p:ph type="title"/>
+          </p:nvPr>
+        </p:nvSpPr>
+        <p:spPr/>
+        <p:txBody>
+          <a:bodyPr/>
+          <a:lstStyle/>
+          <a:p>
+            <a:pPr algn="l"/>
+            <a:r>
+              <a:rPr lang="en-US" b="1" dirty="0">
+                <a:latin typeface="Calibri" panose="020F0502020204030204" pitchFamily="34" charset="0"/>
+                <a:cs typeface="Calibri" panose="020F0502020204030204" pitchFamily="34" charset="0"/>
+              </a:rPr>
+              <a:t>Improving Your Thinking Process</a:t>
+            </a:r>
+            <a:r>
+              <a:rPr lang="en-US" dirty="0">
+                <a:latin typeface="Calibri" panose="020F0502020204030204" pitchFamily="34" charset="0"/>
+                <a:cs typeface="Calibri" panose="020F0502020204030204" pitchFamily="34" charset="0"/>
+              </a:rPr>
+              <a:t>, Pt. 2</a:t>
+            </a:r>
+          </a:p>
+        </p:txBody>
+      </p:sp>
+      <p:sp>
+        <p:nvSpPr>
+          <p:cNvPr id="3" name="Text Placeholder 2"/>
+          <p:cNvSpPr>
+            <a:spLocks noGrp="1"/>
+          </p:cNvSpPr>
+          <p:nvPr>
+            <p:ph type="body" sz="half" idx="1"/>
+          </p:nvPr>
+        </p:nvSpPr>
+        <p:spPr>
+          <a:xfrm>
+            <a:off x="777240" y="1325137"/>
+            <a:ext cx="7909560" cy="3394472"/>
+          </a:xfrm>
+        </p:spPr>
+        <p:txBody>
+          <a:bodyPr>
+            <a:normAutofit/>
+          </a:bodyPr>
+          <a:lstStyle/>
+          <a:p>
+            <a:pPr marL="0" indent="0">
+              <a:buNone/>
+            </a:pPr>
+            <a:r>
+              <a:rPr lang="en-US" sz="2800" dirty="0">
+                <a:latin typeface="Calibri" panose="020F0502020204030204" pitchFamily="34" charset="0"/>
+                <a:cs typeface="Calibri" panose="020F0502020204030204" pitchFamily="34" charset="0"/>
+              </a:rPr>
+              <a:t>After working on a complex question you should:</a:t>
+            </a:r>
+          </a:p>
+          <a:p>
+            <a:r>
+              <a:rPr lang="en-US" sz="2400" i="1" dirty="0">
+                <a:latin typeface="Calibri" panose="020F0502020204030204" pitchFamily="34" charset="0"/>
+                <a:cs typeface="Calibri" panose="020F0502020204030204" pitchFamily="34" charset="0"/>
+              </a:rPr>
+              <a:t>Debrief</a:t>
+            </a:r>
+          </a:p>
+          <a:p>
+            <a:pPr lvl="1"/>
+            <a:r>
+              <a:rPr lang="en-US" sz="2000" dirty="0">
+                <a:latin typeface="Calibri" panose="020F0502020204030204" pitchFamily="34" charset="0"/>
+                <a:cs typeface="Calibri" panose="020F0502020204030204" pitchFamily="34" charset="0"/>
+              </a:rPr>
+              <a:t>What did I/we accomplish?</a:t>
+            </a:r>
+          </a:p>
+          <a:p>
+            <a:pPr lvl="1"/>
+            <a:r>
+              <a:rPr lang="en-US" sz="2000" dirty="0">
+                <a:latin typeface="Calibri" panose="020F0502020204030204" pitchFamily="34" charset="0"/>
+                <a:cs typeface="Calibri" panose="020F0502020204030204" pitchFamily="34" charset="0"/>
+              </a:rPr>
+              <a:t>What did I/we do well?</a:t>
+            </a:r>
+          </a:p>
+          <a:p>
+            <a:pPr lvl="1"/>
+            <a:r>
+              <a:rPr lang="en-US" sz="2000" dirty="0">
+                <a:latin typeface="Calibri" panose="020F0502020204030204" pitchFamily="34" charset="0"/>
+                <a:cs typeface="Calibri" panose="020F0502020204030204" pitchFamily="34" charset="0"/>
+              </a:rPr>
+              <a:t>What did I/we struggle with?</a:t>
+            </a:r>
+          </a:p>
+          <a:p>
+            <a:r>
+              <a:rPr lang="en-US" sz="2400" i="1" dirty="0">
+                <a:latin typeface="Calibri" panose="020F0502020204030204" pitchFamily="34" charset="0"/>
+                <a:cs typeface="Calibri" panose="020F0502020204030204" pitchFamily="34" charset="0"/>
+              </a:rPr>
+              <a:t>Plan</a:t>
+            </a:r>
+            <a:r>
+              <a:rPr lang="en-US" sz="2400" dirty="0">
+                <a:latin typeface="Calibri" panose="020F0502020204030204" pitchFamily="34" charset="0"/>
+                <a:cs typeface="Calibri" panose="020F0502020204030204" pitchFamily="34" charset="0"/>
+              </a:rPr>
+              <a:t> for next time</a:t>
+            </a:r>
+          </a:p>
+          <a:p>
+            <a:pPr lvl="1"/>
+            <a:r>
+              <a:rPr lang="en-US" sz="2000" dirty="0">
+                <a:latin typeface="Calibri" panose="020F0502020204030204" pitchFamily="34" charset="0"/>
+                <a:cs typeface="Calibri" panose="020F0502020204030204" pitchFamily="34" charset="0"/>
+              </a:rPr>
+              <a:t>What could I do better individually, </a:t>
+            </a:r>
+            <a:r>
+              <a:rPr lang="en-US" sz="2000" b="1" i="1" dirty="0">
+                <a:latin typeface="Calibri" panose="020F0502020204030204" pitchFamily="34" charset="0"/>
+                <a:cs typeface="Calibri" panose="020F0502020204030204" pitchFamily="34" charset="0"/>
+              </a:rPr>
+              <a:t>OR</a:t>
+            </a:r>
+          </a:p>
+          <a:p>
+            <a:pPr lvl="1"/>
+            <a:r>
+              <a:rPr lang="en-US" sz="2000" dirty="0">
+                <a:latin typeface="Calibri" panose="020F0502020204030204" pitchFamily="34" charset="0"/>
+                <a:cs typeface="Calibri" panose="020F0502020204030204" pitchFamily="34" charset="0"/>
+              </a:rPr>
+              <a:t>How can we work better as a group?</a:t>
+            </a:r>
+          </a:p>
+        </p:txBody>
+      </p:sp>
+      <p:sp>
+        <p:nvSpPr>
+          <p:cNvPr id="5" name="Slide Number Placeholder 4"/>
+          <p:cNvSpPr>
+            <a:spLocks noGrp="1"/>
+          </p:cNvSpPr>
+          <p:nvPr>
+            <p:ph type="sldNum" sz="quarter" idx="12"/>
+          </p:nvPr>
+        </p:nvSpPr>
+        <p:spPr/>
+        <p:txBody>
+          <a:bodyPr/>
+          <a:lstStyle/>
+          <a:p>
+            <a:pPr>
+              <a:defRPr/>
+            </a:pPr>
+            <a:fld id="{CAA711F4-2CE4-9F42-BBE5-8DD6EAB99D9F}" type="slidenum">
+              <a:rPr lang="en-US" smtClean="0"/>
+              <a:pPr>
+                <a:defRPr/>
+              </a:pPr>
+              <a:t>24</a:t>
+            </a:fld>
+            <a:endParaRPr lang="en-US"/>
+          </a:p>
+        </p:txBody>
+      </p:sp>
+    </p:spTree>
+    <p:extLst>
+      <p:ext uri="{BB962C8B-B14F-4D97-AF65-F5344CB8AC3E}">
+        <p14:creationId xmlns:p14="http://schemas.microsoft.com/office/powerpoint/2010/main" val="2487392692"/>
+      </p:ext>
+    </p:extLst>
+  </p:cSld>
+  <p:clrMapOvr>
+    <a:masterClrMapping/>
+  </p:clrMapOvr>
+</p:sld>
+</file>
+
+<file path=ppt/slides/slide25.xml><?xml version="1.0" encoding="utf-8"?>
+<p:sld xmlns:a="http://schemas.openxmlformats.org/drawingml/2006/main" xmlns:r="http://schemas.openxmlformats.org/officeDocument/2006/relationships" xmlns:p="http://schemas.openxmlformats.org/presentationml/2006/main">
+  <p:cSld>
+    <p:spTree>
+      <p:nvGrpSpPr>
+        <p:cNvPr id="1" name=""/>
+        <p:cNvGrpSpPr/>
+        <p:nvPr/>
+      </p:nvGrpSpPr>
+      <p:grpSpPr>
+        <a:xfrm>
+          <a:off x="0" y="0"/>
+          <a:ext cx="0" cy="0"/>
+          <a:chOff x="0" y="0"/>
+          <a:chExt cx="0" cy="0"/>
+        </a:xfrm>
+      </p:grpSpPr>
       <p:sp>
         <p:nvSpPr>
           <p:cNvPr id="2" name="Title 1"/>
@@ -17314,7 +17116,7 @@
         <p:spPr>
           <a:xfrm>
             <a:off x="4437164" y="1337869"/>
-            <a:ext cx="4567218" cy="3394472"/>
+            <a:ext cx="4038600" cy="3394472"/>
           </a:xfrm>
         </p:spPr>
         <p:txBody>
@@ -17412,7 +17214,7 @@
           <a:lstStyle/>
           <a:p>
             <a:r>
-              <a:rPr lang="en-US" dirty="0">
+              <a:rPr lang="en-US" b="1" dirty="0">
                 <a:latin typeface="Calibri" panose="020F0502020204030204" pitchFamily="34" charset="0"/>
                 <a:cs typeface="Calibri" panose="020F0502020204030204" pitchFamily="34" charset="0"/>
               </a:rPr>
@@ -17433,7 +17235,7 @@
         </p:nvSpPr>
         <p:spPr>
           <a:xfrm>
-            <a:off x="457200" y="1430080"/>
+            <a:off x="457200" y="1219768"/>
             <a:ext cx="8229600" cy="3394472"/>
           </a:xfrm>
         </p:spPr>
@@ -17556,7 +17358,7 @@
           <a:lstStyle/>
           <a:p>
             <a:r>
-              <a:rPr lang="en-US" dirty="0">
+              <a:rPr lang="en-US" b="1" dirty="0">
                 <a:latin typeface="Calibri" panose="020F0502020204030204" pitchFamily="34" charset="0"/>
                 <a:cs typeface="Calibri" panose="020F0502020204030204" pitchFamily="34" charset="0"/>
               </a:rPr>
@@ -17755,14 +17557,14 @@
           <a:ln/>
           <a:extLst>
             <a:ext uri="{909E8E84-426E-40dd-AFC4-6F175D3DCCD1}">
-              <a14:hiddenFill xmlns="" xmlns:a14="http://schemas.microsoft.com/office/drawing/2010/main">
+              <a14:hiddenFill xmlns:a14="http://schemas.microsoft.com/office/drawing/2010/main" xmlns="">
                 <a:solidFill>
                   <a:srgbClr val="FFFFFF"/>
                 </a:solidFill>
               </a14:hiddenFill>
             </a:ext>
             <a:ext uri="{91240B29-F687-4f45-9708-019B960494DF}">
-              <a14:hiddenLine xmlns="" xmlns:a14="http://schemas.microsoft.com/office/drawing/2010/main" w="9525">
+              <a14:hiddenLine xmlns:a14="http://schemas.microsoft.com/office/drawing/2010/main" xmlns="" w="9525">
                 <a:solidFill>
                   <a:srgbClr val="000000"/>
                 </a:solidFill>
@@ -17906,8 +17708,8 @@
         </p:nvSpPr>
         <p:spPr>
           <a:xfrm>
-            <a:off x="685800" y="1774153"/>
-            <a:ext cx="7772400" cy="1102519"/>
+            <a:off x="685800" y="1314451"/>
+            <a:ext cx="7772400" cy="1562222"/>
           </a:xfrm>
         </p:spPr>
         <p:txBody>
@@ -18070,14 +17872,14 @@
           </a:ln>
           <a:extLst>
             <a:ext uri="{909E8E84-426E-40dd-AFC4-6F175D3DCCD1}">
-              <a14:hiddenFill xmlns="" xmlns:a14="http://schemas.microsoft.com/office/drawing/2010/main">
+              <a14:hiddenFill xmlns:a14="http://schemas.microsoft.com/office/drawing/2010/main" xmlns="">
                 <a:solidFill>
                   <a:srgbClr val="FFFFFF"/>
                 </a:solidFill>
               </a14:hiddenFill>
             </a:ext>
             <a:ext uri="{91240B29-F687-4f45-9708-019B960494DF}">
-              <a14:hiddenLine xmlns="" xmlns:a14="http://schemas.microsoft.com/office/drawing/2010/main" w="9525">
+              <a14:hiddenLine xmlns:a14="http://schemas.microsoft.com/office/drawing/2010/main" xmlns="" w="9525">
                 <a:solidFill>
                   <a:srgbClr val="000000"/>
                 </a:solidFill>
@@ -18087,7 +17889,7 @@
               </a14:hiddenLine>
             </a:ext>
             <a:ext uri="{FAA26D3D-D897-4be2-8F04-BA451C77F1D7}">
-              <ma14:placeholderFlag xmlns="" xmlns:ma14="http://schemas.microsoft.com/office/mac/drawingml/2011/main" val="1"/>
+              <ma14:placeholderFlag xmlns:ma14="http://schemas.microsoft.com/office/mac/drawingml/2011/main" xmlns="" val="1"/>
             </a:ext>
           </a:extLst>
         </p:spPr>
@@ -18526,14 +18328,14 @@
           </a:ln>
           <a:extLst>
             <a:ext uri="{909E8E84-426E-40dd-AFC4-6F175D3DCCD1}">
-              <a14:hiddenFill xmlns="" xmlns:a14="http://schemas.microsoft.com/office/drawing/2010/main">
+              <a14:hiddenFill xmlns:a14="http://schemas.microsoft.com/office/drawing/2010/main" xmlns="">
                 <a:solidFill>
                   <a:srgbClr val="FFFFFF"/>
                 </a:solidFill>
               </a14:hiddenFill>
             </a:ext>
             <a:ext uri="{91240B29-F687-4f45-9708-019B960494DF}">
-              <a14:hiddenLine xmlns="" xmlns:a14="http://schemas.microsoft.com/office/drawing/2010/main" w="9525">
+              <a14:hiddenLine xmlns:a14="http://schemas.microsoft.com/office/drawing/2010/main" xmlns="" w="9525">
                 <a:solidFill>
                   <a:srgbClr val="000000"/>
                 </a:solidFill>
@@ -18718,14 +18520,14 @@
           <a:ln/>
           <a:extLst>
             <a:ext uri="{909E8E84-426E-40dd-AFC4-6F175D3DCCD1}">
-              <a14:hiddenFill xmlns="" xmlns:a14="http://schemas.microsoft.com/office/drawing/2010/main">
+              <a14:hiddenFill xmlns:a14="http://schemas.microsoft.com/office/drawing/2010/main" xmlns="">
                 <a:solidFill>
                   <a:srgbClr val="FFFFFF"/>
                 </a:solidFill>
               </a14:hiddenFill>
             </a:ext>
             <a:ext uri="{91240B29-F687-4f45-9708-019B960494DF}">
-              <a14:hiddenLine xmlns="" xmlns:a14="http://schemas.microsoft.com/office/drawing/2010/main" w="9525">
+              <a14:hiddenLine xmlns:a14="http://schemas.microsoft.com/office/drawing/2010/main" xmlns="" w="9525">
                 <a:solidFill>
                   <a:srgbClr val="000000"/>
                 </a:solidFill>
@@ -18903,7 +18705,7 @@
         </p:nvSpPr>
         <p:spPr>
           <a:xfrm>
-            <a:off x="533400" y="1406733"/>
+            <a:off x="533400" y="1260429"/>
             <a:ext cx="8001000" cy="3165872"/>
           </a:xfrm>
         </p:spPr>
@@ -19066,14 +18868,14 @@
           <a:ln/>
           <a:extLst>
             <a:ext uri="{909E8E84-426E-40dd-AFC4-6F175D3DCCD1}">
-              <a14:hiddenFill xmlns="" xmlns:a14="http://schemas.microsoft.com/office/drawing/2010/main">
+              <a14:hiddenFill xmlns:a14="http://schemas.microsoft.com/office/drawing/2010/main" xmlns="">
                 <a:solidFill>
                   <a:srgbClr val="FFFFFF"/>
                 </a:solidFill>
               </a14:hiddenFill>
             </a:ext>
             <a:ext uri="{91240B29-F687-4f45-9708-019B960494DF}">
-              <a14:hiddenLine xmlns="" xmlns:a14="http://schemas.microsoft.com/office/drawing/2010/main" w="9525">
+              <a14:hiddenLine xmlns:a14="http://schemas.microsoft.com/office/drawing/2010/main" xmlns="" w="9525">
                 <a:solidFill>
                   <a:srgbClr val="000000"/>
                 </a:solidFill>
@@ -19251,7 +19053,7 @@
         </p:nvSpPr>
         <p:spPr>
           <a:xfrm>
-            <a:off x="609600" y="1430769"/>
+            <a:off x="609600" y="1284465"/>
             <a:ext cx="7924800" cy="3163854"/>
           </a:xfrm>
         </p:spPr>
@@ -19476,14 +19278,14 @@
           <a:ln/>
           <a:extLst>
             <a:ext uri="{909E8E84-426E-40dd-AFC4-6F175D3DCCD1}">
-              <a14:hiddenFill xmlns="" xmlns:a14="http://schemas.microsoft.com/office/drawing/2010/main">
+              <a14:hiddenFill xmlns:a14="http://schemas.microsoft.com/office/drawing/2010/main" xmlns="">
                 <a:solidFill>
                   <a:srgbClr val="FFFFFF"/>
                 </a:solidFill>
               </a14:hiddenFill>
             </a:ext>
             <a:ext uri="{91240B29-F687-4f45-9708-019B960494DF}">
-              <a14:hiddenLine xmlns="" xmlns:a14="http://schemas.microsoft.com/office/drawing/2010/main" w="9525">
+              <a14:hiddenLine xmlns:a14="http://schemas.microsoft.com/office/drawing/2010/main" xmlns="" w="9525">
                 <a:solidFill>
                   <a:srgbClr val="000000"/>
                 </a:solidFill>
@@ -19661,7 +19463,7 @@
         </p:nvSpPr>
         <p:spPr>
           <a:xfrm>
-            <a:off x="533400" y="1314450"/>
+            <a:off x="533400" y="1186434"/>
             <a:ext cx="7848600" cy="3394472"/>
           </a:xfrm>
         </p:spPr>
@@ -19693,7 +19495,7 @@
                 <a:latin typeface="Calibri" panose="020F0502020204030204" pitchFamily="34" charset="0"/>
                 <a:cs typeface="Calibri" panose="020F0502020204030204" pitchFamily="34" charset="0"/>
               </a:rPr>
-              <a:t>The President wants to know if he can announce that extraterrestrial life has been discovered, as a way to boost public support for space programs, based on findings you are about do discuss. </a:t>
+              <a:t>The President wants to know if he can announce that extraterrestrial life has been discovered, as a way to boost public support for space programs. </a:t>
             </a:r>
           </a:p>
           <a:p>
@@ -19701,7 +19503,7 @@
               <a:buFontTx/>
               <a:buNone/>
             </a:pPr>
-            <a:endParaRPr lang="en-US" sz="2800" dirty="0">
+            <a:endParaRPr lang="en-US" sz="1400" dirty="0">
               <a:solidFill>
                 <a:schemeClr val="tx1"/>
               </a:solidFill>
@@ -19732,7 +19534,7 @@
                 <a:latin typeface="Calibri" panose="020F0502020204030204" pitchFamily="34" charset="0"/>
                 <a:cs typeface="Calibri" panose="020F0502020204030204" pitchFamily="34" charset="0"/>
               </a:rPr>
-              <a:t>As Chief Aide to the President’s Science Advisor, you must make a recommendation.</a:t>
+              <a:t>As Chief Aide to the President’s Science Advisor, you must make a recommendation based on findings you are about to discuss.</a:t>
             </a:r>
           </a:p>
           <a:p>
